--- a/Material pedagógico/Modulo 3/Clase 3/Clase 3 - Modulo 3.pptx
+++ b/Material pedagógico/Modulo 3/Clase 3/Clase 3 - Modulo 3.pptx
@@ -3,16 +3,16 @@
 <p:presentation xmlns:a="http://schemas.openxmlformats.org/drawingml/2006/main" xmlns:p="http://schemas.openxmlformats.org/presentationml/2006/main" xmlns:r="http://schemas.openxmlformats.org/officeDocument/2006/relationships" xmlns:p14="http://schemas.microsoft.com/office/powerpoint/2010/main" xmlns:p15="http://schemas.microsoft.com/office/powerpoint/2012/main" xmlns:mc="http://schemas.openxmlformats.org/markup-compatibility/2006">
   <p:sldMasterIdLst>
     <p:sldMasterId id="2147483648" r:id="rId2"/>
-    <p:sldMasterId id="2147483650" r:id="rId3"/>
+    <p:sldMasterId id="2147483651" r:id="rId3"/>
     <p:sldMasterId id="2147483652" r:id="rId4"/>
-    <p:sldMasterId id="2147483654" r:id="rId5"/>
-    <p:sldMasterId id="2147483656" r:id="rId6"/>
-    <p:sldMasterId id="2147483658" r:id="rId7"/>
-    <p:sldMasterId id="2147483660" r:id="rId8"/>
-    <p:sldMasterId id="2147483662" r:id="rId9"/>
-    <p:sldMasterId id="2147483664" r:id="rId10"/>
-    <p:sldMasterId id="2147483666" r:id="rId11"/>
-    <p:sldMasterId id="2147483668" r:id="rId12"/>
+    <p:sldMasterId id="2147483653" r:id="rId5"/>
+    <p:sldMasterId id="2147483654" r:id="rId6"/>
+    <p:sldMasterId id="2147483655" r:id="rId7"/>
+    <p:sldMasterId id="2147483656" r:id="rId8"/>
+    <p:sldMasterId id="2147483657" r:id="rId9"/>
+    <p:sldMasterId id="2147483658" r:id="rId10"/>
+    <p:sldMasterId id="2147483659" r:id="rId11"/>
+    <p:sldMasterId id="2147483660" r:id="rId12"/>
   </p:sldMasterIdLst>
   <p:notesMasterIdLst>
     <p:notesMasterId r:id="rId13"/>
@@ -27,6 +27,7 @@
     <p:sldId id="262" r:id="rId20"/>
     <p:sldId id="263" r:id="rId21"/>
     <p:sldId id="264" r:id="rId22"/>
+    <p:sldId id="265" r:id="rId23"/>
   </p:sldIdLst>
   <p:sldSz cx="12192000" cy="6858000"/>
   <p:notesSz cx="6858000" cy="9144000"/>
@@ -52,7 +53,7 @@
       </p:grpSpPr>
       <p:sp>
         <p:nvSpPr>
-          <p:cNvPr id="50" name="PlaceHolder 1"/>
+          <p:cNvPr id="44" name="PlaceHolder 1"/>
           <p:cNvSpPr>
             <a:spLocks noGrp="1"/>
           </p:cNvSpPr>
@@ -99,7 +100,7 @@
       </p:sp>
       <p:sp>
         <p:nvSpPr>
-          <p:cNvPr id="51" name="PlaceHolder 2"/>
+          <p:cNvPr id="45" name="PlaceHolder 2"/>
           <p:cNvSpPr>
             <a:spLocks noGrp="1"/>
           </p:cNvSpPr>
@@ -148,7 +149,7 @@
       </p:sp>
       <p:sp>
         <p:nvSpPr>
-          <p:cNvPr id="52" name="PlaceHolder 3"/>
+          <p:cNvPr id="46" name="PlaceHolder 3"/>
           <p:cNvSpPr>
             <a:spLocks noGrp="1"/>
           </p:cNvSpPr>
@@ -197,7 +198,7 @@
       </p:sp>
       <p:sp>
         <p:nvSpPr>
-          <p:cNvPr id="53" name="PlaceHolder 4"/>
+          <p:cNvPr id="47" name="PlaceHolder 4"/>
           <p:cNvSpPr>
             <a:spLocks noGrp="1"/>
           </p:cNvSpPr>
@@ -257,7 +258,7 @@
       </p:sp>
       <p:sp>
         <p:nvSpPr>
-          <p:cNvPr id="54" name="PlaceHolder 5"/>
+          <p:cNvPr id="48" name="PlaceHolder 5"/>
           <p:cNvSpPr>
             <a:spLocks noGrp="1"/>
           </p:cNvSpPr>
@@ -317,7 +318,7 @@
       </p:sp>
       <p:sp>
         <p:nvSpPr>
-          <p:cNvPr id="55" name="PlaceHolder 6"/>
+          <p:cNvPr id="49" name="PlaceHolder 6"/>
           <p:cNvSpPr>
             <a:spLocks noGrp="1"/>
           </p:cNvSpPr>
@@ -357,7 +358,7 @@
             <a:pPr indent="0" algn="r">
               <a:buNone/>
             </a:pPr>
-            <a:fld id="{0FF7D1B0-AC80-4E5C-B529-2B0EDCB4A98F}" type="slidenum">
+            <a:fld id="{A923C4AB-4283-4679-AB52-77B63ADD5FAA}" type="slidenum">
               <a:rPr b="0" lang="es-CO" sz="1400" spc="-1" strike="noStrike">
                 <a:solidFill>
                   <a:srgbClr val="000000"/>
@@ -400,7 +401,7 @@
       </p:grpSpPr>
       <p:sp>
         <p:nvSpPr>
-          <p:cNvPr id="154" name="PlaceHolder 1"/>
+          <p:cNvPr id="157" name="PlaceHolder 1"/>
           <p:cNvSpPr>
             <a:spLocks noGrp="1"/>
           </p:cNvSpPr>
@@ -411,19 +412,19 @@
         <p:spPr>
           <a:xfrm>
             <a:off x="685800" y="1143000"/>
-            <a:ext cx="5484240" cy="3084120"/>
-          </a:xfrm>
-          <a:prstGeom prst="rect">
-            <a:avLst/>
-          </a:prstGeom>
-          <a:ln w="0">
-            <a:noFill/>
-          </a:ln>
-        </p:spPr>
-      </p:sp>
-      <p:sp>
-        <p:nvSpPr>
-          <p:cNvPr id="155" name="PlaceHolder 2"/>
+            <a:ext cx="5483880" cy="3083760"/>
+          </a:xfrm>
+          <a:prstGeom prst="rect">
+            <a:avLst/>
+          </a:prstGeom>
+          <a:ln w="0">
+            <a:noFill/>
+          </a:ln>
+        </p:spPr>
+      </p:sp>
+      <p:sp>
+        <p:nvSpPr>
+          <p:cNvPr id="158" name="PlaceHolder 2"/>
           <p:cNvSpPr>
             <a:spLocks noGrp="1"/>
           </p:cNvSpPr>
@@ -434,7 +435,7 @@
         <p:spPr>
           <a:xfrm>
             <a:off x="685800" y="4400640"/>
-            <a:ext cx="5484240" cy="3598560"/>
+            <a:ext cx="5483880" cy="3598200"/>
           </a:xfrm>
           <a:prstGeom prst="rect">
             <a:avLst/>
@@ -463,7 +464,7 @@
       </p:sp>
       <p:sp>
         <p:nvSpPr>
-          <p:cNvPr id="156" name="PlaceHolder 3"/>
+          <p:cNvPr id="159" name="PlaceHolder 3"/>
           <p:cNvSpPr>
             <a:spLocks noGrp="1"/>
           </p:cNvSpPr>
@@ -474,7 +475,7 @@
         <p:spPr>
           <a:xfrm>
             <a:off x="3884760" y="8685360"/>
-            <a:ext cx="2969640" cy="456480"/>
+            <a:ext cx="2969280" cy="456120"/>
           </a:xfrm>
           <a:prstGeom prst="rect">
             <a:avLst/>
@@ -515,7 +516,164 @@
                 <a:tab algn="l" pos="0"/>
               </a:tabLst>
             </a:pPr>
-            <a:fld id="{9E5C442E-C3E1-447D-B2EA-43118C064822}" type="slidenum">
+            <a:fld id="{1C937E9D-3854-447C-9953-B5A5629D6B07}" type="slidenum">
+              <a:rPr b="0" lang="es-CO" sz="1400" spc="-1" strike="noStrike">
+                <a:solidFill>
+                  <a:srgbClr val="000000"/>
+                </a:solidFill>
+                <a:latin typeface="Times New Roman"/>
+              </a:rPr>
+              <a:t>&lt;número&gt;</a:t>
+            </a:fld>
+            <a:endParaRPr b="0" lang="es-CO" sz="1400" spc="-1" strike="noStrike">
+              <a:solidFill>
+                <a:srgbClr val="000000"/>
+              </a:solidFill>
+              <a:latin typeface="Times New Roman"/>
+            </a:endParaRPr>
+          </a:p>
+        </p:txBody>
+      </p:sp>
+    </p:spTree>
+  </p:cSld>
+</p:notes>
+</file>
+
+<file path=ppt/notesSlides/notesSlide10.xml><?xml version="1.0" encoding="utf-8"?>
+<p:notes xmlns:a="http://schemas.openxmlformats.org/drawingml/2006/main" xmlns:p="http://schemas.openxmlformats.org/presentationml/2006/main" xmlns:r="http://schemas.openxmlformats.org/officeDocument/2006/relationships" xmlns:p14="http://schemas.microsoft.com/office/powerpoint/2010/main" xmlns:p15="http://schemas.microsoft.com/office/powerpoint/2012/main" xmlns:mc="http://schemas.openxmlformats.org/markup-compatibility/2006">
+  <p:cSld>
+    <p:spTree>
+      <p:nvGrpSpPr>
+        <p:cNvPr id="1" name=""/>
+        <p:cNvGrpSpPr/>
+        <p:nvPr/>
+      </p:nvGrpSpPr>
+      <p:grpSpPr>
+        <a:xfrm>
+          <a:off x="0" y="0"/>
+          <a:ext cx="0" cy="0"/>
+          <a:chOff x="0" y="0"/>
+          <a:chExt cx="0" cy="0"/>
+        </a:xfrm>
+      </p:grpSpPr>
+      <p:sp>
+        <p:nvSpPr>
+          <p:cNvPr id="184" name="PlaceHolder 1"/>
+          <p:cNvSpPr>
+            <a:spLocks noGrp="1"/>
+          </p:cNvSpPr>
+          <p:nvPr>
+            <p:ph type="sldImg"/>
+          </p:nvPr>
+        </p:nvSpPr>
+        <p:spPr>
+          <a:xfrm>
+            <a:off x="685800" y="1143000"/>
+            <a:ext cx="5483880" cy="3083760"/>
+          </a:xfrm>
+          <a:prstGeom prst="rect">
+            <a:avLst/>
+          </a:prstGeom>
+          <a:ln w="0">
+            <a:noFill/>
+          </a:ln>
+        </p:spPr>
+      </p:sp>
+      <p:sp>
+        <p:nvSpPr>
+          <p:cNvPr id="185" name="PlaceHolder 2"/>
+          <p:cNvSpPr>
+            <a:spLocks noGrp="1"/>
+          </p:cNvSpPr>
+          <p:nvPr>
+            <p:ph type="body"/>
+          </p:nvPr>
+        </p:nvSpPr>
+        <p:spPr>
+          <a:xfrm>
+            <a:off x="685800" y="4400640"/>
+            <a:ext cx="5483880" cy="3598200"/>
+          </a:xfrm>
+          <a:prstGeom prst="rect">
+            <a:avLst/>
+          </a:prstGeom>
+          <a:noFill/>
+          <a:ln w="0">
+            <a:noFill/>
+          </a:ln>
+        </p:spPr>
+        <p:txBody>
+          <a:bodyPr lIns="91440" rIns="91440" tIns="45720" bIns="45720" anchor="t">
+            <a:noAutofit/>
+          </a:bodyPr>
+          <a:p>
+            <a:pPr marL="216000" indent="-216000">
+              <a:buNone/>
+            </a:pPr>
+            <a:endParaRPr b="0" lang="es-CO" sz="1800" spc="-1" strike="noStrike">
+              <a:solidFill>
+                <a:srgbClr val="000000"/>
+              </a:solidFill>
+              <a:latin typeface="Arial"/>
+            </a:endParaRPr>
+          </a:p>
+        </p:txBody>
+      </p:sp>
+      <p:sp>
+        <p:nvSpPr>
+          <p:cNvPr id="186" name="PlaceHolder 3"/>
+          <p:cNvSpPr>
+            <a:spLocks noGrp="1"/>
+          </p:cNvSpPr>
+          <p:nvPr>
+            <p:ph type="sldNum" idx="46"/>
+          </p:nvPr>
+        </p:nvSpPr>
+        <p:spPr>
+          <a:xfrm>
+            <a:off x="3884760" y="8685360"/>
+            <a:ext cx="2969280" cy="456120"/>
+          </a:xfrm>
+          <a:prstGeom prst="rect">
+            <a:avLst/>
+          </a:prstGeom>
+          <a:noFill/>
+          <a:ln w="0">
+            <a:noFill/>
+          </a:ln>
+        </p:spPr>
+        <p:txBody>
+          <a:bodyPr lIns="91440" rIns="91440" tIns="45720" bIns="45720" anchor="b">
+            <a:noAutofit/>
+          </a:bodyPr>
+          <a:lstStyle>
+            <a:lvl1pPr indent="0" algn="r">
+              <a:lnSpc>
+                <a:spcPct val="100000"/>
+              </a:lnSpc>
+              <a:buNone/>
+              <a:tabLst>
+                <a:tab algn="l" pos="0"/>
+              </a:tabLst>
+              <a:defRPr b="0" lang="es-CO" sz="1400" spc="-1" strike="noStrike">
+                <a:solidFill>
+                  <a:srgbClr val="000000"/>
+                </a:solidFill>
+                <a:latin typeface="Times New Roman"/>
+              </a:defRPr>
+            </a:lvl1pPr>
+          </a:lstStyle>
+          <a:p>
+            <a:pPr indent="0" algn="r">
+              <a:lnSpc>
+                <a:spcPct val="100000"/>
+              </a:lnSpc>
+              <a:buNone/>
+              <a:tabLst>
+                <a:tab algn="l" pos="0"/>
+              </a:tabLst>
+            </a:pPr>
+            <a:fld id="{1DB2CFFD-85FB-4175-B995-3A5E36CA2531}" type="slidenum">
               <a:rPr b="0" lang="es-CO" sz="1400" spc="-1" strike="noStrike">
                 <a:solidFill>
                   <a:srgbClr val="000000"/>
@@ -557,7 +715,7 @@
       </p:grpSpPr>
       <p:sp>
         <p:nvSpPr>
-          <p:cNvPr id="157" name="PlaceHolder 1"/>
+          <p:cNvPr id="160" name="PlaceHolder 1"/>
           <p:cNvSpPr>
             <a:spLocks noGrp="1"/>
           </p:cNvSpPr>
@@ -568,19 +726,19 @@
         <p:spPr>
           <a:xfrm>
             <a:off x="685800" y="1143000"/>
-            <a:ext cx="5484240" cy="3084120"/>
-          </a:xfrm>
-          <a:prstGeom prst="rect">
-            <a:avLst/>
-          </a:prstGeom>
-          <a:ln w="0">
-            <a:noFill/>
-          </a:ln>
-        </p:spPr>
-      </p:sp>
-      <p:sp>
-        <p:nvSpPr>
-          <p:cNvPr id="158" name="PlaceHolder 2"/>
+            <a:ext cx="5483880" cy="3083760"/>
+          </a:xfrm>
+          <a:prstGeom prst="rect">
+            <a:avLst/>
+          </a:prstGeom>
+          <a:ln w="0">
+            <a:noFill/>
+          </a:ln>
+        </p:spPr>
+      </p:sp>
+      <p:sp>
+        <p:nvSpPr>
+          <p:cNvPr id="161" name="PlaceHolder 2"/>
           <p:cNvSpPr>
             <a:spLocks noGrp="1"/>
           </p:cNvSpPr>
@@ -591,7 +749,7 @@
         <p:spPr>
           <a:xfrm>
             <a:off x="685800" y="4400640"/>
-            <a:ext cx="5484240" cy="3598560"/>
+            <a:ext cx="5483880" cy="3598200"/>
           </a:xfrm>
           <a:prstGeom prst="rect">
             <a:avLst/>
@@ -620,7 +778,7 @@
       </p:sp>
       <p:sp>
         <p:nvSpPr>
-          <p:cNvPr id="159" name="PlaceHolder 3"/>
+          <p:cNvPr id="162" name="PlaceHolder 3"/>
           <p:cNvSpPr>
             <a:spLocks noGrp="1"/>
           </p:cNvSpPr>
@@ -631,7 +789,7 @@
         <p:spPr>
           <a:xfrm>
             <a:off x="3884760" y="8685360"/>
-            <a:ext cx="2969640" cy="456480"/>
+            <a:ext cx="2969280" cy="456120"/>
           </a:xfrm>
           <a:prstGeom prst="rect">
             <a:avLst/>
@@ -672,7 +830,7 @@
                 <a:tab algn="l" pos="0"/>
               </a:tabLst>
             </a:pPr>
-            <a:fld id="{F2B290D3-888C-4ACE-AFAC-B748CF23B8BC}" type="slidenum">
+            <a:fld id="{33E0B143-6408-4E78-B7AB-D83877D973C7}" type="slidenum">
               <a:rPr b="0" lang="es-CO" sz="1400" spc="-1" strike="noStrike">
                 <a:solidFill>
                   <a:srgbClr val="000000"/>
@@ -714,7 +872,7 @@
       </p:grpSpPr>
       <p:sp>
         <p:nvSpPr>
-          <p:cNvPr id="160" name="PlaceHolder 1"/>
+          <p:cNvPr id="163" name="PlaceHolder 1"/>
           <p:cNvSpPr>
             <a:spLocks noGrp="1"/>
           </p:cNvSpPr>
@@ -725,19 +883,19 @@
         <p:spPr>
           <a:xfrm>
             <a:off x="685800" y="1143000"/>
-            <a:ext cx="5484240" cy="3084120"/>
-          </a:xfrm>
-          <a:prstGeom prst="rect">
-            <a:avLst/>
-          </a:prstGeom>
-          <a:ln w="0">
-            <a:noFill/>
-          </a:ln>
-        </p:spPr>
-      </p:sp>
-      <p:sp>
-        <p:nvSpPr>
-          <p:cNvPr id="161" name="PlaceHolder 2"/>
+            <a:ext cx="5483880" cy="3083760"/>
+          </a:xfrm>
+          <a:prstGeom prst="rect">
+            <a:avLst/>
+          </a:prstGeom>
+          <a:ln w="0">
+            <a:noFill/>
+          </a:ln>
+        </p:spPr>
+      </p:sp>
+      <p:sp>
+        <p:nvSpPr>
+          <p:cNvPr id="164" name="PlaceHolder 2"/>
           <p:cNvSpPr>
             <a:spLocks noGrp="1"/>
           </p:cNvSpPr>
@@ -748,7 +906,7 @@
         <p:spPr>
           <a:xfrm>
             <a:off x="685800" y="4400640"/>
-            <a:ext cx="5484240" cy="3598560"/>
+            <a:ext cx="5483880" cy="3598200"/>
           </a:xfrm>
           <a:prstGeom prst="rect">
             <a:avLst/>
@@ -777,7 +935,7 @@
       </p:sp>
       <p:sp>
         <p:nvSpPr>
-          <p:cNvPr id="162" name="PlaceHolder 3"/>
+          <p:cNvPr id="165" name="PlaceHolder 3"/>
           <p:cNvSpPr>
             <a:spLocks noGrp="1"/>
           </p:cNvSpPr>
@@ -788,7 +946,7 @@
         <p:spPr>
           <a:xfrm>
             <a:off x="3884760" y="8685360"/>
-            <a:ext cx="2969640" cy="456480"/>
+            <a:ext cx="2969280" cy="456120"/>
           </a:xfrm>
           <a:prstGeom prst="rect">
             <a:avLst/>
@@ -829,7 +987,7 @@
                 <a:tab algn="l" pos="0"/>
               </a:tabLst>
             </a:pPr>
-            <a:fld id="{F6ECC664-0032-4200-BAFB-013C0ED1ADB8}" type="slidenum">
+            <a:fld id="{EFD7EEF5-06EF-4758-8959-3BF630F29D63}" type="slidenum">
               <a:rPr b="0" lang="es-CO" sz="1400" spc="-1" strike="noStrike">
                 <a:solidFill>
                   <a:srgbClr val="000000"/>
@@ -871,7 +1029,7 @@
       </p:grpSpPr>
       <p:sp>
         <p:nvSpPr>
-          <p:cNvPr id="163" name="PlaceHolder 1"/>
+          <p:cNvPr id="166" name="PlaceHolder 1"/>
           <p:cNvSpPr>
             <a:spLocks noGrp="1"/>
           </p:cNvSpPr>
@@ -882,19 +1040,19 @@
         <p:spPr>
           <a:xfrm>
             <a:off x="685800" y="1143000"/>
-            <a:ext cx="5484240" cy="3084120"/>
-          </a:xfrm>
-          <a:prstGeom prst="rect">
-            <a:avLst/>
-          </a:prstGeom>
-          <a:ln w="0">
-            <a:noFill/>
-          </a:ln>
-        </p:spPr>
-      </p:sp>
-      <p:sp>
-        <p:nvSpPr>
-          <p:cNvPr id="164" name="PlaceHolder 2"/>
+            <a:ext cx="5483880" cy="3083760"/>
+          </a:xfrm>
+          <a:prstGeom prst="rect">
+            <a:avLst/>
+          </a:prstGeom>
+          <a:ln w="0">
+            <a:noFill/>
+          </a:ln>
+        </p:spPr>
+      </p:sp>
+      <p:sp>
+        <p:nvSpPr>
+          <p:cNvPr id="167" name="PlaceHolder 2"/>
           <p:cNvSpPr>
             <a:spLocks noGrp="1"/>
           </p:cNvSpPr>
@@ -905,7 +1063,7 @@
         <p:spPr>
           <a:xfrm>
             <a:off x="685800" y="4400640"/>
-            <a:ext cx="5484240" cy="3598560"/>
+            <a:ext cx="5483880" cy="3598200"/>
           </a:xfrm>
           <a:prstGeom prst="rect">
             <a:avLst/>
@@ -934,7 +1092,7 @@
       </p:sp>
       <p:sp>
         <p:nvSpPr>
-          <p:cNvPr id="165" name="PlaceHolder 3"/>
+          <p:cNvPr id="168" name="PlaceHolder 3"/>
           <p:cNvSpPr>
             <a:spLocks noGrp="1"/>
           </p:cNvSpPr>
@@ -945,7 +1103,7 @@
         <p:spPr>
           <a:xfrm>
             <a:off x="3884760" y="8685360"/>
-            <a:ext cx="2969640" cy="456480"/>
+            <a:ext cx="2969280" cy="456120"/>
           </a:xfrm>
           <a:prstGeom prst="rect">
             <a:avLst/>
@@ -986,7 +1144,7 @@
                 <a:tab algn="l" pos="0"/>
               </a:tabLst>
             </a:pPr>
-            <a:fld id="{1B6A563D-B59F-4EC9-A88D-E0DA3E7A7166}" type="slidenum">
+            <a:fld id="{C7BC96F9-D2AE-4754-BDE9-1AF01343CF6B}" type="slidenum">
               <a:rPr b="0" lang="es-CO" sz="1400" spc="-1" strike="noStrike">
                 <a:solidFill>
                   <a:srgbClr val="000000"/>
@@ -1028,7 +1186,7 @@
       </p:grpSpPr>
       <p:sp>
         <p:nvSpPr>
-          <p:cNvPr id="166" name="PlaceHolder 1"/>
+          <p:cNvPr id="169" name="PlaceHolder 1"/>
           <p:cNvSpPr>
             <a:spLocks noGrp="1"/>
           </p:cNvSpPr>
@@ -1039,19 +1197,19 @@
         <p:spPr>
           <a:xfrm>
             <a:off x="685800" y="1143000"/>
-            <a:ext cx="5484240" cy="3084120"/>
-          </a:xfrm>
-          <a:prstGeom prst="rect">
-            <a:avLst/>
-          </a:prstGeom>
-          <a:ln w="0">
-            <a:noFill/>
-          </a:ln>
-        </p:spPr>
-      </p:sp>
-      <p:sp>
-        <p:nvSpPr>
-          <p:cNvPr id="167" name="PlaceHolder 2"/>
+            <a:ext cx="5483880" cy="3083760"/>
+          </a:xfrm>
+          <a:prstGeom prst="rect">
+            <a:avLst/>
+          </a:prstGeom>
+          <a:ln w="0">
+            <a:noFill/>
+          </a:ln>
+        </p:spPr>
+      </p:sp>
+      <p:sp>
+        <p:nvSpPr>
+          <p:cNvPr id="170" name="PlaceHolder 2"/>
           <p:cNvSpPr>
             <a:spLocks noGrp="1"/>
           </p:cNvSpPr>
@@ -1062,7 +1220,7 @@
         <p:spPr>
           <a:xfrm>
             <a:off x="685800" y="4400640"/>
-            <a:ext cx="5484240" cy="3598560"/>
+            <a:ext cx="5483880" cy="3598200"/>
           </a:xfrm>
           <a:prstGeom prst="rect">
             <a:avLst/>
@@ -1091,7 +1249,7 @@
       </p:sp>
       <p:sp>
         <p:nvSpPr>
-          <p:cNvPr id="168" name="PlaceHolder 3"/>
+          <p:cNvPr id="171" name="PlaceHolder 3"/>
           <p:cNvSpPr>
             <a:spLocks noGrp="1"/>
           </p:cNvSpPr>
@@ -1102,7 +1260,7 @@
         <p:spPr>
           <a:xfrm>
             <a:off x="3884760" y="8685360"/>
-            <a:ext cx="2969640" cy="456480"/>
+            <a:ext cx="2969280" cy="456120"/>
           </a:xfrm>
           <a:prstGeom prst="rect">
             <a:avLst/>
@@ -1143,7 +1301,7 @@
                 <a:tab algn="l" pos="0"/>
               </a:tabLst>
             </a:pPr>
-            <a:fld id="{D904A3CF-2036-45C7-A967-D34CEFA5C694}" type="slidenum">
+            <a:fld id="{1830B9E7-B901-4669-BC8B-C0E95E36F5B9}" type="slidenum">
               <a:rPr b="0" lang="es-CO" sz="1400" spc="-1" strike="noStrike">
                 <a:solidFill>
                   <a:srgbClr val="000000"/>
@@ -1185,7 +1343,7 @@
       </p:grpSpPr>
       <p:sp>
         <p:nvSpPr>
-          <p:cNvPr id="169" name="PlaceHolder 1"/>
+          <p:cNvPr id="172" name="PlaceHolder 1"/>
           <p:cNvSpPr>
             <a:spLocks noGrp="1"/>
           </p:cNvSpPr>
@@ -1196,19 +1354,19 @@
         <p:spPr>
           <a:xfrm>
             <a:off x="685800" y="1143000"/>
-            <a:ext cx="5484240" cy="3084120"/>
-          </a:xfrm>
-          <a:prstGeom prst="rect">
-            <a:avLst/>
-          </a:prstGeom>
-          <a:ln w="0">
-            <a:noFill/>
-          </a:ln>
-        </p:spPr>
-      </p:sp>
-      <p:sp>
-        <p:nvSpPr>
-          <p:cNvPr id="170" name="PlaceHolder 2"/>
+            <a:ext cx="5483880" cy="3083760"/>
+          </a:xfrm>
+          <a:prstGeom prst="rect">
+            <a:avLst/>
+          </a:prstGeom>
+          <a:ln w="0">
+            <a:noFill/>
+          </a:ln>
+        </p:spPr>
+      </p:sp>
+      <p:sp>
+        <p:nvSpPr>
+          <p:cNvPr id="173" name="PlaceHolder 2"/>
           <p:cNvSpPr>
             <a:spLocks noGrp="1"/>
           </p:cNvSpPr>
@@ -1219,7 +1377,7 @@
         <p:spPr>
           <a:xfrm>
             <a:off x="685800" y="4400640"/>
-            <a:ext cx="5484240" cy="3598560"/>
+            <a:ext cx="5483880" cy="3598200"/>
           </a:xfrm>
           <a:prstGeom prst="rect">
             <a:avLst/>
@@ -1248,7 +1406,7 @@
       </p:sp>
       <p:sp>
         <p:nvSpPr>
-          <p:cNvPr id="171" name="PlaceHolder 3"/>
+          <p:cNvPr id="174" name="PlaceHolder 3"/>
           <p:cNvSpPr>
             <a:spLocks noGrp="1"/>
           </p:cNvSpPr>
@@ -1259,7 +1417,7 @@
         <p:spPr>
           <a:xfrm>
             <a:off x="3884760" y="8685360"/>
-            <a:ext cx="2969640" cy="456480"/>
+            <a:ext cx="2969280" cy="456120"/>
           </a:xfrm>
           <a:prstGeom prst="rect">
             <a:avLst/>
@@ -1300,7 +1458,7 @@
                 <a:tab algn="l" pos="0"/>
               </a:tabLst>
             </a:pPr>
-            <a:fld id="{5C100F89-1BF5-4F63-8850-34FA090757E6}" type="slidenum">
+            <a:fld id="{A2BC7C0D-A1C4-497B-A985-FAB95692D588}" type="slidenum">
               <a:rPr b="0" lang="es-CO" sz="1400" spc="-1" strike="noStrike">
                 <a:solidFill>
                   <a:srgbClr val="000000"/>
@@ -1342,7 +1500,7 @@
       </p:grpSpPr>
       <p:sp>
         <p:nvSpPr>
-          <p:cNvPr id="172" name="PlaceHolder 1"/>
+          <p:cNvPr id="175" name="PlaceHolder 1"/>
           <p:cNvSpPr>
             <a:spLocks noGrp="1"/>
           </p:cNvSpPr>
@@ -1353,19 +1511,19 @@
         <p:spPr>
           <a:xfrm>
             <a:off x="685800" y="1143000"/>
-            <a:ext cx="5484240" cy="3084120"/>
-          </a:xfrm>
-          <a:prstGeom prst="rect">
-            <a:avLst/>
-          </a:prstGeom>
-          <a:ln w="0">
-            <a:noFill/>
-          </a:ln>
-        </p:spPr>
-      </p:sp>
-      <p:sp>
-        <p:nvSpPr>
-          <p:cNvPr id="173" name="PlaceHolder 2"/>
+            <a:ext cx="5483880" cy="3083760"/>
+          </a:xfrm>
+          <a:prstGeom prst="rect">
+            <a:avLst/>
+          </a:prstGeom>
+          <a:ln w="0">
+            <a:noFill/>
+          </a:ln>
+        </p:spPr>
+      </p:sp>
+      <p:sp>
+        <p:nvSpPr>
+          <p:cNvPr id="176" name="PlaceHolder 2"/>
           <p:cNvSpPr>
             <a:spLocks noGrp="1"/>
           </p:cNvSpPr>
@@ -1376,7 +1534,7 @@
         <p:spPr>
           <a:xfrm>
             <a:off x="685800" y="4400640"/>
-            <a:ext cx="5484240" cy="3598560"/>
+            <a:ext cx="5483880" cy="3598200"/>
           </a:xfrm>
           <a:prstGeom prst="rect">
             <a:avLst/>
@@ -1405,7 +1563,7 @@
       </p:sp>
       <p:sp>
         <p:nvSpPr>
-          <p:cNvPr id="174" name="PlaceHolder 3"/>
+          <p:cNvPr id="177" name="PlaceHolder 3"/>
           <p:cNvSpPr>
             <a:spLocks noGrp="1"/>
           </p:cNvSpPr>
@@ -1416,7 +1574,7 @@
         <p:spPr>
           <a:xfrm>
             <a:off x="3884760" y="8685360"/>
-            <a:ext cx="2969640" cy="456480"/>
+            <a:ext cx="2969280" cy="456120"/>
           </a:xfrm>
           <a:prstGeom prst="rect">
             <a:avLst/>
@@ -1457,7 +1615,7 @@
                 <a:tab algn="l" pos="0"/>
               </a:tabLst>
             </a:pPr>
-            <a:fld id="{4590AA8E-A2B3-4F45-85C5-A18CFEA7B5F8}" type="slidenum">
+            <a:fld id="{51C42834-74A8-4602-AD6E-B02E02A7EF37}" type="slidenum">
               <a:rPr b="0" lang="es-CO" sz="1400" spc="-1" strike="noStrike">
                 <a:solidFill>
                   <a:srgbClr val="000000"/>
@@ -1499,7 +1657,7 @@
       </p:grpSpPr>
       <p:sp>
         <p:nvSpPr>
-          <p:cNvPr id="175" name="PlaceHolder 1"/>
+          <p:cNvPr id="178" name="PlaceHolder 1"/>
           <p:cNvSpPr>
             <a:spLocks noGrp="1"/>
           </p:cNvSpPr>
@@ -1510,19 +1668,19 @@
         <p:spPr>
           <a:xfrm>
             <a:off x="685800" y="1143000"/>
-            <a:ext cx="5484240" cy="3084120"/>
-          </a:xfrm>
-          <a:prstGeom prst="rect">
-            <a:avLst/>
-          </a:prstGeom>
-          <a:ln w="0">
-            <a:noFill/>
-          </a:ln>
-        </p:spPr>
-      </p:sp>
-      <p:sp>
-        <p:nvSpPr>
-          <p:cNvPr id="176" name="PlaceHolder 2"/>
+            <a:ext cx="5483880" cy="3083760"/>
+          </a:xfrm>
+          <a:prstGeom prst="rect">
+            <a:avLst/>
+          </a:prstGeom>
+          <a:ln w="0">
+            <a:noFill/>
+          </a:ln>
+        </p:spPr>
+      </p:sp>
+      <p:sp>
+        <p:nvSpPr>
+          <p:cNvPr id="179" name="PlaceHolder 2"/>
           <p:cNvSpPr>
             <a:spLocks noGrp="1"/>
           </p:cNvSpPr>
@@ -1533,7 +1691,7 @@
         <p:spPr>
           <a:xfrm>
             <a:off x="685800" y="4400640"/>
-            <a:ext cx="5484240" cy="3598560"/>
+            <a:ext cx="5483880" cy="3598200"/>
           </a:xfrm>
           <a:prstGeom prst="rect">
             <a:avLst/>
@@ -1562,7 +1720,7 @@
       </p:sp>
       <p:sp>
         <p:nvSpPr>
-          <p:cNvPr id="177" name="PlaceHolder 3"/>
+          <p:cNvPr id="180" name="PlaceHolder 3"/>
           <p:cNvSpPr>
             <a:spLocks noGrp="1"/>
           </p:cNvSpPr>
@@ -1573,7 +1731,7 @@
         <p:spPr>
           <a:xfrm>
             <a:off x="3884760" y="8685360"/>
-            <a:ext cx="2969640" cy="456480"/>
+            <a:ext cx="2969280" cy="456120"/>
           </a:xfrm>
           <a:prstGeom prst="rect">
             <a:avLst/>
@@ -1614,7 +1772,7 @@
                 <a:tab algn="l" pos="0"/>
               </a:tabLst>
             </a:pPr>
-            <a:fld id="{43C16550-E134-4918-892C-8FB829CC0891}" type="slidenum">
+            <a:fld id="{AA1FB60A-E262-47E6-8D60-177732879D74}" type="slidenum">
               <a:rPr b="0" lang="es-CO" sz="1400" spc="-1" strike="noStrike">
                 <a:solidFill>
                   <a:srgbClr val="000000"/>
@@ -1656,7 +1814,7 @@
       </p:grpSpPr>
       <p:sp>
         <p:nvSpPr>
-          <p:cNvPr id="178" name="PlaceHolder 1"/>
+          <p:cNvPr id="181" name="PlaceHolder 1"/>
           <p:cNvSpPr>
             <a:spLocks noGrp="1"/>
           </p:cNvSpPr>
@@ -1667,19 +1825,19 @@
         <p:spPr>
           <a:xfrm>
             <a:off x="685800" y="1143000"/>
-            <a:ext cx="5484240" cy="3084120"/>
-          </a:xfrm>
-          <a:prstGeom prst="rect">
-            <a:avLst/>
-          </a:prstGeom>
-          <a:ln w="0">
-            <a:noFill/>
-          </a:ln>
-        </p:spPr>
-      </p:sp>
-      <p:sp>
-        <p:nvSpPr>
-          <p:cNvPr id="179" name="PlaceHolder 2"/>
+            <a:ext cx="5483880" cy="3083760"/>
+          </a:xfrm>
+          <a:prstGeom prst="rect">
+            <a:avLst/>
+          </a:prstGeom>
+          <a:ln w="0">
+            <a:noFill/>
+          </a:ln>
+        </p:spPr>
+      </p:sp>
+      <p:sp>
+        <p:nvSpPr>
+          <p:cNvPr id="182" name="PlaceHolder 2"/>
           <p:cNvSpPr>
             <a:spLocks noGrp="1"/>
           </p:cNvSpPr>
@@ -1690,7 +1848,7 @@
         <p:spPr>
           <a:xfrm>
             <a:off x="685800" y="4400640"/>
-            <a:ext cx="5484240" cy="3598560"/>
+            <a:ext cx="5483880" cy="3598200"/>
           </a:xfrm>
           <a:prstGeom prst="rect">
             <a:avLst/>
@@ -1719,7 +1877,7 @@
       </p:sp>
       <p:sp>
         <p:nvSpPr>
-          <p:cNvPr id="180" name="PlaceHolder 3"/>
+          <p:cNvPr id="183" name="PlaceHolder 3"/>
           <p:cNvSpPr>
             <a:spLocks noGrp="1"/>
           </p:cNvSpPr>
@@ -1730,7 +1888,7 @@
         <p:spPr>
           <a:xfrm>
             <a:off x="3884760" y="8685360"/>
-            <a:ext cx="2969640" cy="456480"/>
+            <a:ext cx="2969280" cy="456120"/>
           </a:xfrm>
           <a:prstGeom prst="rect">
             <a:avLst/>
@@ -1771,7 +1929,7 @@
                 <a:tab algn="l" pos="0"/>
               </a:tabLst>
             </a:pPr>
-            <a:fld id="{BCA78D26-1256-4A18-A184-CCAD8BCF9C84}" type="slidenum">
+            <a:fld id="{E1B2EE31-27D0-4345-B258-763888AD32B9}" type="slidenum">
               <a:rPr b="0" lang="es-CO" sz="1400" spc="-1" strike="noStrike">
                 <a:solidFill>
                   <a:srgbClr val="000000"/>
@@ -1795,6 +1953,169 @@
 </file>
 
 <file path=ppt/slideLayouts/slideLayout1.xml><?xml version="1.0" encoding="utf-8"?>
+<p:sldLayout xmlns:a="http://schemas.openxmlformats.org/drawingml/2006/main" xmlns:p="http://schemas.openxmlformats.org/presentationml/2006/main" xmlns:r="http://schemas.openxmlformats.org/officeDocument/2006/relationships" xmlns:p14="http://schemas.microsoft.com/office/powerpoint/2010/main" xmlns:p15="http://schemas.microsoft.com/office/powerpoint/2012/main" xmlns:mc="http://schemas.openxmlformats.org/markup-compatibility/2006" type="title" preserve="1">
+  <p:cSld name="BLANK">
+    <p:spTree>
+      <p:nvGrpSpPr>
+        <p:cNvPr id="1" name=""/>
+        <p:cNvGrpSpPr/>
+        <p:nvPr/>
+      </p:nvGrpSpPr>
+      <p:grpSpPr>
+        <a:xfrm>
+          <a:off x="0" y="0"/>
+          <a:ext cx="0" cy="0"/>
+          <a:chOff x="0" y="0"/>
+          <a:chExt cx="0" cy="0"/>
+        </a:xfrm>
+      </p:grpSpPr>
+      <p:sp>
+        <p:nvSpPr>
+          <p:cNvPr id="5" name="PlaceHolder 1"/>
+          <p:cNvSpPr>
+            <a:spLocks noGrp="1"/>
+          </p:cNvSpPr>
+          <p:nvPr>
+            <p:ph type="title"/>
+          </p:nvPr>
+        </p:nvSpPr>
+        <p:spPr>
+          <a:xfrm>
+            <a:off x="609480" y="273600"/>
+            <a:ext cx="10972440" cy="1144800"/>
+          </a:xfrm>
+          <a:prstGeom prst="rect">
+            <a:avLst/>
+          </a:prstGeom>
+          <a:noFill/>
+          <a:ln w="0">
+            <a:noFill/>
+          </a:ln>
+        </p:spPr>
+        <p:txBody>
+          <a:bodyPr lIns="0" rIns="0" tIns="0" bIns="0" anchor="ctr">
+            <a:noAutofit/>
+          </a:bodyPr>
+          <a:p>
+            <a:pPr indent="0" algn="ctr">
+              <a:buNone/>
+            </a:pPr>
+            <a:endParaRPr b="0" lang="es-CO" sz="4400" spc="-1" strike="noStrike">
+              <a:solidFill>
+                <a:srgbClr val="000000"/>
+              </a:solidFill>
+              <a:latin typeface="Arial"/>
+            </a:endParaRPr>
+          </a:p>
+        </p:txBody>
+      </p:sp>
+      <p:sp>
+        <p:nvSpPr>
+          <p:cNvPr id="6" name="PlaceHolder 2"/>
+          <p:cNvSpPr>
+            <a:spLocks noGrp="1"/>
+          </p:cNvSpPr>
+          <p:nvPr>
+            <p:ph type="subTitle"/>
+          </p:nvPr>
+        </p:nvSpPr>
+        <p:spPr>
+          <a:xfrm>
+            <a:off x="609480" y="1604520"/>
+            <a:ext cx="10972440" cy="3977280"/>
+          </a:xfrm>
+          <a:prstGeom prst="rect">
+            <a:avLst/>
+          </a:prstGeom>
+          <a:noFill/>
+          <a:ln w="0">
+            <a:noFill/>
+          </a:ln>
+        </p:spPr>
+        <p:txBody>
+          <a:bodyPr lIns="0" rIns="0" tIns="0" bIns="0" anchor="ctr">
+            <a:noAutofit/>
+          </a:bodyPr>
+          <a:p>
+            <a:pPr indent="0" algn="ctr">
+              <a:buNone/>
+            </a:pPr>
+            <a:endParaRPr b="0" lang="es-CO" sz="3200" spc="-1" strike="noStrike">
+              <a:solidFill>
+                <a:srgbClr val="000000"/>
+              </a:solidFill>
+              <a:latin typeface="Arial"/>
+            </a:endParaRPr>
+          </a:p>
+        </p:txBody>
+      </p:sp>
+      <p:sp>
+        <p:nvSpPr>
+          <p:cNvPr id="4" name="PlaceHolder 3"/>
+          <p:cNvSpPr>
+            <a:spLocks noGrp="1"/>
+          </p:cNvSpPr>
+          <p:nvPr>
+            <p:ph type="ftr" idx="1"/>
+          </p:nvPr>
+        </p:nvSpPr>
+        <p:spPr/>
+        <p:txBody>
+          <a:bodyPr/>
+          <a:p>
+            <a:r>
+              <a:t>Footer</a:t>
+            </a:r>
+          </a:p>
+        </p:txBody>
+      </p:sp>
+      <p:sp>
+        <p:nvSpPr>
+          <p:cNvPr id="5" name="PlaceHolder 4"/>
+          <p:cNvSpPr>
+            <a:spLocks noGrp="1"/>
+          </p:cNvSpPr>
+          <p:nvPr>
+            <p:ph type="sldNum" idx="2"/>
+          </p:nvPr>
+        </p:nvSpPr>
+        <p:spPr/>
+        <p:txBody>
+          <a:bodyPr/>
+          <a:p>
+            <a:fld id="{2C6ED7E1-F499-47C1-845B-AAE394A9A9B2}" type="slidenum">
+              <a:t>&lt;#&gt;</a:t>
+            </a:fld>
+          </a:p>
+        </p:txBody>
+      </p:sp>
+      <p:sp>
+        <p:nvSpPr>
+          <p:cNvPr id="6" name="PlaceHolder 5"/>
+          <p:cNvSpPr>
+            <a:spLocks noGrp="1"/>
+          </p:cNvSpPr>
+          <p:nvPr>
+            <p:ph type="dt" idx="3"/>
+          </p:nvPr>
+        </p:nvSpPr>
+        <p:spPr/>
+        <p:txBody>
+          <a:bodyPr/>
+          <a:p>
+            <a:r>
+              <a:rPr lang="es-CO"/>
+              <a:t/>
+            </a:r>
+          </a:p>
+        </p:txBody>
+      </p:sp>
+    </p:spTree>
+  </p:cSld>
+</p:sldLayout>
+</file>
+
+<file path=ppt/slideLayouts/slideLayout2.xml><?xml version="1.0" encoding="utf-8"?>
 <p:sldLayout xmlns:a="http://schemas.openxmlformats.org/drawingml/2006/main" xmlns:p="http://schemas.openxmlformats.org/presentationml/2006/main" xmlns:r="http://schemas.openxmlformats.org/officeDocument/2006/relationships" xmlns:p14="http://schemas.microsoft.com/office/powerpoint/2010/main" xmlns:p15="http://schemas.microsoft.com/office/powerpoint/2012/main" xmlns:mc="http://schemas.openxmlformats.org/markup-compatibility/2006" type="blank" preserve="1">
   <p:cSld name="BLANK">
     <p:spTree>
@@ -1845,7 +2166,7 @@
         <p:txBody>
           <a:bodyPr/>
           <a:p>
-            <a:fld id="{A97759D9-C826-4179-A232-08D73FCFD688}" type="slidenum">
+            <a:fld id="{67C61580-CB5A-4A31-9601-99F0FA9C75EE}" type="slidenum">
               <a:t>&lt;#&gt;</a:t>
             </a:fld>
           </a:p>
@@ -1859,1165 +2180,6 @@
           </p:cNvSpPr>
           <p:nvPr>
             <p:ph type="dt" idx="3"/>
-          </p:nvPr>
-        </p:nvSpPr>
-        <p:spPr/>
-        <p:txBody>
-          <a:bodyPr/>
-          <a:p>
-            <a:r>
-              <a:rPr lang="es-CO"/>
-              <a:t/>
-            </a:r>
-          </a:p>
-        </p:txBody>
-      </p:sp>
-    </p:spTree>
-  </p:cSld>
-</p:sldLayout>
-</file>
-
-<file path=ppt/slideLayouts/slideLayout10.xml><?xml version="1.0" encoding="utf-8"?>
-<p:sldLayout xmlns:a="http://schemas.openxmlformats.org/drawingml/2006/main" xmlns:p="http://schemas.openxmlformats.org/presentationml/2006/main" xmlns:r="http://schemas.openxmlformats.org/officeDocument/2006/relationships" xmlns:p14="http://schemas.microsoft.com/office/powerpoint/2010/main" xmlns:p15="http://schemas.microsoft.com/office/powerpoint/2012/main" xmlns:mc="http://schemas.openxmlformats.org/markup-compatibility/2006" type="blank" preserve="1">
-  <p:cSld name="OBJECT_WITH_CAPTION_TEXT">
-    <p:spTree>
-      <p:nvGrpSpPr>
-        <p:cNvPr id="1" name=""/>
-        <p:cNvGrpSpPr/>
-        <p:nvPr/>
-      </p:nvGrpSpPr>
-      <p:grpSpPr>
-        <a:xfrm>
-          <a:off x="0" y="0"/>
-          <a:ext cx="0" cy="0"/>
-          <a:chOff x="0" y="0"/>
-          <a:chExt cx="0" cy="0"/>
-        </a:xfrm>
-      </p:grpSpPr>
-      <p:sp>
-        <p:nvSpPr>
-          <p:cNvPr id="2" name="PlaceHolder 1"/>
-          <p:cNvSpPr>
-            <a:spLocks noGrp="1"/>
-          </p:cNvSpPr>
-          <p:nvPr>
-            <p:ph type="ftr" idx="28"/>
-          </p:nvPr>
-        </p:nvSpPr>
-        <p:spPr/>
-        <p:txBody>
-          <a:bodyPr/>
-          <a:p>
-            <a:r>
-              <a:t>Footer</a:t>
-            </a:r>
-          </a:p>
-        </p:txBody>
-      </p:sp>
-      <p:sp>
-        <p:nvSpPr>
-          <p:cNvPr id="3" name="PlaceHolder 2"/>
-          <p:cNvSpPr>
-            <a:spLocks noGrp="1"/>
-          </p:cNvSpPr>
-          <p:nvPr>
-            <p:ph type="sldNum" idx="29"/>
-          </p:nvPr>
-        </p:nvSpPr>
-        <p:spPr/>
-        <p:txBody>
-          <a:bodyPr/>
-          <a:p>
-            <a:fld id="{C92041B1-18AF-49C6-B34B-77B0F77BA627}" type="slidenum">
-              <a:t>&lt;#&gt;</a:t>
-            </a:fld>
-          </a:p>
-        </p:txBody>
-      </p:sp>
-      <p:sp>
-        <p:nvSpPr>
-          <p:cNvPr id="4" name="PlaceHolder 3"/>
-          <p:cNvSpPr>
-            <a:spLocks noGrp="1"/>
-          </p:cNvSpPr>
-          <p:nvPr>
-            <p:ph type="dt" idx="30"/>
-          </p:nvPr>
-        </p:nvSpPr>
-        <p:spPr/>
-        <p:txBody>
-          <a:bodyPr/>
-          <a:p>
-            <a:r>
-              <a:rPr lang="es-CO"/>
-              <a:t/>
-            </a:r>
-          </a:p>
-        </p:txBody>
-      </p:sp>
-    </p:spTree>
-  </p:cSld>
-</p:sldLayout>
-</file>
-
-<file path=ppt/slideLayouts/slideLayout11.xml><?xml version="1.0" encoding="utf-8"?>
-<p:sldLayout xmlns:a="http://schemas.openxmlformats.org/drawingml/2006/main" xmlns:p="http://schemas.openxmlformats.org/presentationml/2006/main" xmlns:r="http://schemas.openxmlformats.org/officeDocument/2006/relationships" xmlns:p14="http://schemas.microsoft.com/office/powerpoint/2010/main" xmlns:p15="http://schemas.microsoft.com/office/powerpoint/2012/main" xmlns:mc="http://schemas.openxmlformats.org/markup-compatibility/2006" type="blank" preserve="1">
-  <p:cSld name="PICTURE_WITH_CAPTION_TEXT">
-    <p:spTree>
-      <p:nvGrpSpPr>
-        <p:cNvPr id="1" name=""/>
-        <p:cNvGrpSpPr/>
-        <p:nvPr/>
-      </p:nvGrpSpPr>
-      <p:grpSpPr>
-        <a:xfrm>
-          <a:off x="0" y="0"/>
-          <a:ext cx="0" cy="0"/>
-          <a:chOff x="0" y="0"/>
-          <a:chExt cx="0" cy="0"/>
-        </a:xfrm>
-      </p:grpSpPr>
-      <p:sp>
-        <p:nvSpPr>
-          <p:cNvPr id="2" name="PlaceHolder 1"/>
-          <p:cNvSpPr>
-            <a:spLocks noGrp="1"/>
-          </p:cNvSpPr>
-          <p:nvPr>
-            <p:ph type="ftr" idx="31"/>
-          </p:nvPr>
-        </p:nvSpPr>
-        <p:spPr/>
-        <p:txBody>
-          <a:bodyPr/>
-          <a:p>
-            <a:r>
-              <a:t>Footer</a:t>
-            </a:r>
-          </a:p>
-        </p:txBody>
-      </p:sp>
-      <p:sp>
-        <p:nvSpPr>
-          <p:cNvPr id="3" name="PlaceHolder 2"/>
-          <p:cNvSpPr>
-            <a:spLocks noGrp="1"/>
-          </p:cNvSpPr>
-          <p:nvPr>
-            <p:ph type="sldNum" idx="32"/>
-          </p:nvPr>
-        </p:nvSpPr>
-        <p:spPr/>
-        <p:txBody>
-          <a:bodyPr/>
-          <a:p>
-            <a:fld id="{6BDC17A7-C494-4B04-A4D9-B620CD103A7B}" type="slidenum">
-              <a:t>&lt;#&gt;</a:t>
-            </a:fld>
-          </a:p>
-        </p:txBody>
-      </p:sp>
-      <p:sp>
-        <p:nvSpPr>
-          <p:cNvPr id="4" name="PlaceHolder 3"/>
-          <p:cNvSpPr>
-            <a:spLocks noGrp="1"/>
-          </p:cNvSpPr>
-          <p:nvPr>
-            <p:ph type="dt" idx="33"/>
-          </p:nvPr>
-        </p:nvSpPr>
-        <p:spPr/>
-        <p:txBody>
-          <a:bodyPr/>
-          <a:p>
-            <a:r>
-              <a:rPr lang="es-CO"/>
-              <a:t/>
-            </a:r>
-          </a:p>
-        </p:txBody>
-      </p:sp>
-    </p:spTree>
-  </p:cSld>
-</p:sldLayout>
-</file>
-
-<file path=ppt/slideLayouts/slideLayout2.xml><?xml version="1.0" encoding="utf-8"?>
-<p:sldLayout xmlns:a="http://schemas.openxmlformats.org/drawingml/2006/main" xmlns:p="http://schemas.openxmlformats.org/presentationml/2006/main" xmlns:r="http://schemas.openxmlformats.org/officeDocument/2006/relationships" xmlns:p14="http://schemas.microsoft.com/office/powerpoint/2010/main" xmlns:p15="http://schemas.microsoft.com/office/powerpoint/2012/main" xmlns:mc="http://schemas.openxmlformats.org/markup-compatibility/2006" type="vertTx" preserve="1">
-  <p:cSld name="VERTICAL_TEXT">
-    <p:spTree>
-      <p:nvGrpSpPr>
-        <p:cNvPr id="1" name=""/>
-        <p:cNvGrpSpPr/>
-        <p:nvPr/>
-      </p:nvGrpSpPr>
-      <p:grpSpPr>
-        <a:xfrm>
-          <a:off x="0" y="0"/>
-          <a:ext cx="0" cy="0"/>
-          <a:chOff x="0" y="0"/>
-          <a:chExt cx="0" cy="0"/>
-        </a:xfrm>
-      </p:grpSpPr>
-      <p:sp>
-        <p:nvSpPr>
-          <p:cNvPr id="2" name="PlaceHolder 1"/>
-          <p:cNvSpPr>
-            <a:spLocks noGrp="1"/>
-          </p:cNvSpPr>
-          <p:nvPr>
-            <p:ph type="ftr" idx="4"/>
-          </p:nvPr>
-        </p:nvSpPr>
-        <p:spPr/>
-        <p:txBody>
-          <a:bodyPr/>
-          <a:p>
-            <a:r>
-              <a:t>Footer</a:t>
-            </a:r>
-          </a:p>
-        </p:txBody>
-      </p:sp>
-      <p:sp>
-        <p:nvSpPr>
-          <p:cNvPr id="3" name="PlaceHolder 2"/>
-          <p:cNvSpPr>
-            <a:spLocks noGrp="1"/>
-          </p:cNvSpPr>
-          <p:nvPr>
-            <p:ph type="sldNum" idx="5"/>
-          </p:nvPr>
-        </p:nvSpPr>
-        <p:spPr/>
-        <p:txBody>
-          <a:bodyPr/>
-          <a:p>
-            <a:fld id="{1C88F3A1-05F2-414F-A761-9DD8D36788AF}" type="slidenum">
-              <a:t>&lt;#&gt;</a:t>
-            </a:fld>
-          </a:p>
-        </p:txBody>
-      </p:sp>
-      <p:sp>
-        <p:nvSpPr>
-          <p:cNvPr id="4" name="PlaceHolder 3"/>
-          <p:cNvSpPr>
-            <a:spLocks noGrp="1"/>
-          </p:cNvSpPr>
-          <p:nvPr>
-            <p:ph type="dt" idx="6"/>
-          </p:nvPr>
-        </p:nvSpPr>
-        <p:spPr/>
-        <p:txBody>
-          <a:bodyPr/>
-          <a:p>
-            <a:r>
-              <a:rPr lang="es-CO"/>
-              <a:t/>
-            </a:r>
-          </a:p>
-        </p:txBody>
-      </p:sp>
-    </p:spTree>
-  </p:cSld>
-</p:sldLayout>
-</file>
-
-<file path=ppt/slideLayouts/slideLayout3.xml><?xml version="1.0" encoding="utf-8"?>
-<p:sldLayout xmlns:a="http://schemas.openxmlformats.org/drawingml/2006/main" xmlns:p="http://schemas.openxmlformats.org/presentationml/2006/main" xmlns:r="http://schemas.openxmlformats.org/officeDocument/2006/relationships" xmlns:p14="http://schemas.microsoft.com/office/powerpoint/2010/main" xmlns:p15="http://schemas.microsoft.com/office/powerpoint/2012/main" xmlns:mc="http://schemas.openxmlformats.org/markup-compatibility/2006" type="blank" preserve="1">
-  <p:cSld name="Título vertical y texto">
-    <p:spTree>
-      <p:nvGrpSpPr>
-        <p:cNvPr id="1" name=""/>
-        <p:cNvGrpSpPr/>
-        <p:nvPr/>
-      </p:nvGrpSpPr>
-      <p:grpSpPr>
-        <a:xfrm>
-          <a:off x="0" y="0"/>
-          <a:ext cx="0" cy="0"/>
-          <a:chOff x="0" y="0"/>
-          <a:chExt cx="0" cy="0"/>
-        </a:xfrm>
-      </p:grpSpPr>
-      <p:sp>
-        <p:nvSpPr>
-          <p:cNvPr id="2" name="PlaceHolder 1"/>
-          <p:cNvSpPr>
-            <a:spLocks noGrp="1"/>
-          </p:cNvSpPr>
-          <p:nvPr>
-            <p:ph type="ftr" idx="7"/>
-          </p:nvPr>
-        </p:nvSpPr>
-        <p:spPr/>
-        <p:txBody>
-          <a:bodyPr/>
-          <a:p>
-            <a:r>
-              <a:t>Footer</a:t>
-            </a:r>
-          </a:p>
-        </p:txBody>
-      </p:sp>
-      <p:sp>
-        <p:nvSpPr>
-          <p:cNvPr id="3" name="PlaceHolder 2"/>
-          <p:cNvSpPr>
-            <a:spLocks noGrp="1"/>
-          </p:cNvSpPr>
-          <p:nvPr>
-            <p:ph type="sldNum" idx="8"/>
-          </p:nvPr>
-        </p:nvSpPr>
-        <p:spPr/>
-        <p:txBody>
-          <a:bodyPr/>
-          <a:p>
-            <a:fld id="{0E714DAE-81AB-45DD-8A45-FD4775F1DFC5}" type="slidenum">
-              <a:t>&lt;#&gt;</a:t>
-            </a:fld>
-          </a:p>
-        </p:txBody>
-      </p:sp>
-      <p:sp>
-        <p:nvSpPr>
-          <p:cNvPr id="4" name="PlaceHolder 3"/>
-          <p:cNvSpPr>
-            <a:spLocks noGrp="1"/>
-          </p:cNvSpPr>
-          <p:nvPr>
-            <p:ph type="dt" idx="9"/>
-          </p:nvPr>
-        </p:nvSpPr>
-        <p:spPr/>
-        <p:txBody>
-          <a:bodyPr/>
-          <a:p>
-            <a:r>
-              <a:rPr lang="es-CO"/>
-              <a:t/>
-            </a:r>
-          </a:p>
-        </p:txBody>
-      </p:sp>
-    </p:spTree>
-  </p:cSld>
-</p:sldLayout>
-</file>
-
-<file path=ppt/slideLayouts/slideLayout4.xml><?xml version="1.0" encoding="utf-8"?>
-<p:sldLayout xmlns:a="http://schemas.openxmlformats.org/drawingml/2006/main" xmlns:p="http://schemas.openxmlformats.org/presentationml/2006/main" xmlns:r="http://schemas.openxmlformats.org/officeDocument/2006/relationships" xmlns:p14="http://schemas.microsoft.com/office/powerpoint/2010/main" xmlns:p15="http://schemas.microsoft.com/office/powerpoint/2012/main" xmlns:mc="http://schemas.openxmlformats.org/markup-compatibility/2006" type="title" preserve="1">
-  <p:cSld name="TITLE">
-    <p:spTree>
-      <p:nvGrpSpPr>
-        <p:cNvPr id="1" name=""/>
-        <p:cNvGrpSpPr/>
-        <p:nvPr/>
-      </p:nvGrpSpPr>
-      <p:grpSpPr>
-        <a:xfrm>
-          <a:off x="0" y="0"/>
-          <a:ext cx="0" cy="0"/>
-          <a:chOff x="0" y="0"/>
-          <a:chExt cx="0" cy="0"/>
-        </a:xfrm>
-      </p:grpSpPr>
-      <p:sp>
-        <p:nvSpPr>
-          <p:cNvPr id="15" name="PlaceHolder 1"/>
-          <p:cNvSpPr>
-            <a:spLocks noGrp="1"/>
-          </p:cNvSpPr>
-          <p:nvPr>
-            <p:ph type="title"/>
-          </p:nvPr>
-        </p:nvSpPr>
-        <p:spPr>
-          <a:xfrm>
-            <a:off x="609480" y="273600"/>
-            <a:ext cx="10972440" cy="1144800"/>
-          </a:xfrm>
-          <a:prstGeom prst="rect">
-            <a:avLst/>
-          </a:prstGeom>
-          <a:noFill/>
-          <a:ln w="0">
-            <a:noFill/>
-          </a:ln>
-        </p:spPr>
-        <p:txBody>
-          <a:bodyPr lIns="0" rIns="0" tIns="0" bIns="0" anchor="ctr">
-            <a:noAutofit/>
-          </a:bodyPr>
-          <a:p>
-            <a:pPr indent="0" algn="ctr">
-              <a:buNone/>
-            </a:pPr>
-            <a:endParaRPr b="0" lang="es-CO" sz="4400" spc="-1" strike="noStrike">
-              <a:solidFill>
-                <a:srgbClr val="000000"/>
-              </a:solidFill>
-              <a:latin typeface="Arial"/>
-            </a:endParaRPr>
-          </a:p>
-        </p:txBody>
-      </p:sp>
-      <p:sp>
-        <p:nvSpPr>
-          <p:cNvPr id="16" name="PlaceHolder 2"/>
-          <p:cNvSpPr>
-            <a:spLocks noGrp="1"/>
-          </p:cNvSpPr>
-          <p:nvPr>
-            <p:ph type="subTitle"/>
-          </p:nvPr>
-        </p:nvSpPr>
-        <p:spPr>
-          <a:xfrm>
-            <a:off x="609480" y="1604520"/>
-            <a:ext cx="10972440" cy="3977280"/>
-          </a:xfrm>
-          <a:prstGeom prst="rect">
-            <a:avLst/>
-          </a:prstGeom>
-          <a:noFill/>
-          <a:ln w="0">
-            <a:noFill/>
-          </a:ln>
-        </p:spPr>
-        <p:txBody>
-          <a:bodyPr lIns="0" rIns="0" tIns="0" bIns="0" anchor="ctr">
-            <a:noAutofit/>
-          </a:bodyPr>
-          <a:p>
-            <a:pPr indent="0" algn="ctr">
-              <a:buNone/>
-            </a:pPr>
-            <a:endParaRPr b="0" lang="es-CO" sz="3200" spc="-1" strike="noStrike">
-              <a:solidFill>
-                <a:srgbClr val="000000"/>
-              </a:solidFill>
-              <a:latin typeface="Arial"/>
-            </a:endParaRPr>
-          </a:p>
-        </p:txBody>
-      </p:sp>
-      <p:sp>
-        <p:nvSpPr>
-          <p:cNvPr id="4" name="PlaceHolder 3"/>
-          <p:cNvSpPr>
-            <a:spLocks noGrp="1"/>
-          </p:cNvSpPr>
-          <p:nvPr>
-            <p:ph type="ftr" idx="10"/>
-          </p:nvPr>
-        </p:nvSpPr>
-        <p:spPr/>
-        <p:txBody>
-          <a:bodyPr/>
-          <a:p>
-            <a:r>
-              <a:t>Footer</a:t>
-            </a:r>
-          </a:p>
-        </p:txBody>
-      </p:sp>
-      <p:sp>
-        <p:nvSpPr>
-          <p:cNvPr id="5" name="PlaceHolder 4"/>
-          <p:cNvSpPr>
-            <a:spLocks noGrp="1"/>
-          </p:cNvSpPr>
-          <p:nvPr>
-            <p:ph type="sldNum" idx="11"/>
-          </p:nvPr>
-        </p:nvSpPr>
-        <p:spPr/>
-        <p:txBody>
-          <a:bodyPr/>
-          <a:p>
-            <a:fld id="{03C83BA0-77A2-4706-B5E3-D5563CD1F371}" type="slidenum">
-              <a:t>&lt;#&gt;</a:t>
-            </a:fld>
-          </a:p>
-        </p:txBody>
-      </p:sp>
-      <p:sp>
-        <p:nvSpPr>
-          <p:cNvPr id="6" name="PlaceHolder 5"/>
-          <p:cNvSpPr>
-            <a:spLocks noGrp="1"/>
-          </p:cNvSpPr>
-          <p:nvPr>
-            <p:ph type="dt" idx="12"/>
-          </p:nvPr>
-        </p:nvSpPr>
-        <p:spPr/>
-        <p:txBody>
-          <a:bodyPr/>
-          <a:p>
-            <a:r>
-              <a:rPr lang="es-CO"/>
-              <a:t/>
-            </a:r>
-          </a:p>
-        </p:txBody>
-      </p:sp>
-    </p:spTree>
-  </p:cSld>
-</p:sldLayout>
-</file>
-
-<file path=ppt/slideLayouts/slideLayout5.xml><?xml version="1.0" encoding="utf-8"?>
-<p:sldLayout xmlns:a="http://schemas.openxmlformats.org/drawingml/2006/main" xmlns:p="http://schemas.openxmlformats.org/presentationml/2006/main" xmlns:r="http://schemas.openxmlformats.org/officeDocument/2006/relationships" xmlns:p14="http://schemas.microsoft.com/office/powerpoint/2010/main" xmlns:p15="http://schemas.microsoft.com/office/powerpoint/2012/main" xmlns:mc="http://schemas.openxmlformats.org/markup-compatibility/2006" type="obj" preserve="1">
-  <p:cSld name="OBJECT">
-    <p:spTree>
-      <p:nvGrpSpPr>
-        <p:cNvPr id="1" name=""/>
-        <p:cNvGrpSpPr/>
-        <p:nvPr/>
-      </p:nvGrpSpPr>
-      <p:grpSpPr>
-        <a:xfrm>
-          <a:off x="0" y="0"/>
-          <a:ext cx="0" cy="0"/>
-          <a:chOff x="0" y="0"/>
-          <a:chExt cx="0" cy="0"/>
-        </a:xfrm>
-      </p:grpSpPr>
-      <p:sp>
-        <p:nvSpPr>
-          <p:cNvPr id="22" name="PlaceHolder 1"/>
-          <p:cNvSpPr>
-            <a:spLocks noGrp="1"/>
-          </p:cNvSpPr>
-          <p:nvPr>
-            <p:ph type="title"/>
-          </p:nvPr>
-        </p:nvSpPr>
-        <p:spPr>
-          <a:xfrm>
-            <a:off x="609480" y="273600"/>
-            <a:ext cx="10972440" cy="1144800"/>
-          </a:xfrm>
-          <a:prstGeom prst="rect">
-            <a:avLst/>
-          </a:prstGeom>
-          <a:noFill/>
-          <a:ln w="0">
-            <a:noFill/>
-          </a:ln>
-        </p:spPr>
-        <p:txBody>
-          <a:bodyPr lIns="0" rIns="0" tIns="0" bIns="0" anchor="ctr">
-            <a:noAutofit/>
-          </a:bodyPr>
-          <a:p>
-            <a:pPr indent="0" algn="ctr">
-              <a:buNone/>
-            </a:pPr>
-            <a:endParaRPr b="0" lang="es-CO" sz="4400" spc="-1" strike="noStrike">
-              <a:solidFill>
-                <a:srgbClr val="000000"/>
-              </a:solidFill>
-              <a:latin typeface="Arial"/>
-            </a:endParaRPr>
-          </a:p>
-        </p:txBody>
-      </p:sp>
-      <p:sp>
-        <p:nvSpPr>
-          <p:cNvPr id="23" name="PlaceHolder 2"/>
-          <p:cNvSpPr>
-            <a:spLocks noGrp="1"/>
-          </p:cNvSpPr>
-          <p:nvPr>
-            <p:ph/>
-          </p:nvPr>
-        </p:nvSpPr>
-        <p:spPr>
-          <a:xfrm>
-            <a:off x="609480" y="1604520"/>
-            <a:ext cx="10972440" cy="3977280"/>
-          </a:xfrm>
-          <a:prstGeom prst="rect">
-            <a:avLst/>
-          </a:prstGeom>
-          <a:noFill/>
-          <a:ln w="0">
-            <a:noFill/>
-          </a:ln>
-        </p:spPr>
-        <p:txBody>
-          <a:bodyPr lIns="0" rIns="0" tIns="0" bIns="0" anchor="t">
-            <a:normAutofit/>
-          </a:bodyPr>
-          <a:p>
-            <a:pPr indent="0">
-              <a:spcBef>
-                <a:spcPts val="1417"/>
-              </a:spcBef>
-              <a:buNone/>
-            </a:pPr>
-            <a:endParaRPr b="0" lang="es-CO" sz="3200" spc="-1" strike="noStrike">
-              <a:solidFill>
-                <a:srgbClr val="000000"/>
-              </a:solidFill>
-              <a:latin typeface="Arial"/>
-            </a:endParaRPr>
-          </a:p>
-        </p:txBody>
-      </p:sp>
-      <p:sp>
-        <p:nvSpPr>
-          <p:cNvPr id="4" name="PlaceHolder 3"/>
-          <p:cNvSpPr>
-            <a:spLocks noGrp="1"/>
-          </p:cNvSpPr>
-          <p:nvPr>
-            <p:ph type="ftr" idx="13"/>
-          </p:nvPr>
-        </p:nvSpPr>
-        <p:spPr/>
-        <p:txBody>
-          <a:bodyPr/>
-          <a:p>
-            <a:r>
-              <a:t>Footer</a:t>
-            </a:r>
-          </a:p>
-        </p:txBody>
-      </p:sp>
-      <p:sp>
-        <p:nvSpPr>
-          <p:cNvPr id="5" name="PlaceHolder 4"/>
-          <p:cNvSpPr>
-            <a:spLocks noGrp="1"/>
-          </p:cNvSpPr>
-          <p:nvPr>
-            <p:ph type="sldNum" idx="14"/>
-          </p:nvPr>
-        </p:nvSpPr>
-        <p:spPr/>
-        <p:txBody>
-          <a:bodyPr/>
-          <a:p>
-            <a:fld id="{2CF270E7-F0DD-40D6-B928-1FC113A16CF8}" type="slidenum">
-              <a:t>&lt;#&gt;</a:t>
-            </a:fld>
-          </a:p>
-        </p:txBody>
-      </p:sp>
-      <p:sp>
-        <p:nvSpPr>
-          <p:cNvPr id="6" name="PlaceHolder 5"/>
-          <p:cNvSpPr>
-            <a:spLocks noGrp="1"/>
-          </p:cNvSpPr>
-          <p:nvPr>
-            <p:ph type="dt" idx="15"/>
-          </p:nvPr>
-        </p:nvSpPr>
-        <p:spPr/>
-        <p:txBody>
-          <a:bodyPr/>
-          <a:p>
-            <a:r>
-              <a:rPr lang="es-CO"/>
-              <a:t/>
-            </a:r>
-          </a:p>
-        </p:txBody>
-      </p:sp>
-    </p:spTree>
-  </p:cSld>
-</p:sldLayout>
-</file>
-
-<file path=ppt/slideLayouts/slideLayout6.xml><?xml version="1.0" encoding="utf-8"?>
-<p:sldLayout xmlns:a="http://schemas.openxmlformats.org/drawingml/2006/main" xmlns:p="http://schemas.openxmlformats.org/presentationml/2006/main" xmlns:r="http://schemas.openxmlformats.org/officeDocument/2006/relationships" xmlns:p14="http://schemas.microsoft.com/office/powerpoint/2010/main" xmlns:p15="http://schemas.microsoft.com/office/powerpoint/2012/main" xmlns:mc="http://schemas.openxmlformats.org/markup-compatibility/2006" type="blank" preserve="1">
-  <p:cSld name="SECTION_HEADER">
-    <p:spTree>
-      <p:nvGrpSpPr>
-        <p:cNvPr id="1" name=""/>
-        <p:cNvGrpSpPr/>
-        <p:nvPr/>
-      </p:nvGrpSpPr>
-      <p:grpSpPr>
-        <a:xfrm>
-          <a:off x="0" y="0"/>
-          <a:ext cx="0" cy="0"/>
-          <a:chOff x="0" y="0"/>
-          <a:chExt cx="0" cy="0"/>
-        </a:xfrm>
-      </p:grpSpPr>
-      <p:sp>
-        <p:nvSpPr>
-          <p:cNvPr id="2" name="PlaceHolder 1"/>
-          <p:cNvSpPr>
-            <a:spLocks noGrp="1"/>
-          </p:cNvSpPr>
-          <p:nvPr>
-            <p:ph type="ftr" idx="16"/>
-          </p:nvPr>
-        </p:nvSpPr>
-        <p:spPr/>
-        <p:txBody>
-          <a:bodyPr/>
-          <a:p>
-            <a:r>
-              <a:t>Footer</a:t>
-            </a:r>
-          </a:p>
-        </p:txBody>
-      </p:sp>
-      <p:sp>
-        <p:nvSpPr>
-          <p:cNvPr id="3" name="PlaceHolder 2"/>
-          <p:cNvSpPr>
-            <a:spLocks noGrp="1"/>
-          </p:cNvSpPr>
-          <p:nvPr>
-            <p:ph type="sldNum" idx="17"/>
-          </p:nvPr>
-        </p:nvSpPr>
-        <p:spPr/>
-        <p:txBody>
-          <a:bodyPr/>
-          <a:p>
-            <a:fld id="{B2DBBADC-7995-4A1F-A682-BA1F2638F632}" type="slidenum">
-              <a:t>&lt;#&gt;</a:t>
-            </a:fld>
-          </a:p>
-        </p:txBody>
-      </p:sp>
-      <p:sp>
-        <p:nvSpPr>
-          <p:cNvPr id="4" name="PlaceHolder 3"/>
-          <p:cNvSpPr>
-            <a:spLocks noGrp="1"/>
-          </p:cNvSpPr>
-          <p:nvPr>
-            <p:ph type="dt" idx="18"/>
-          </p:nvPr>
-        </p:nvSpPr>
-        <p:spPr/>
-        <p:txBody>
-          <a:bodyPr/>
-          <a:p>
-            <a:r>
-              <a:rPr lang="es-CO"/>
-              <a:t/>
-            </a:r>
-          </a:p>
-        </p:txBody>
-      </p:sp>
-    </p:spTree>
-  </p:cSld>
-</p:sldLayout>
-</file>
-
-<file path=ppt/slideLayouts/slideLayout7.xml><?xml version="1.0" encoding="utf-8"?>
-<p:sldLayout xmlns:a="http://schemas.openxmlformats.org/drawingml/2006/main" xmlns:p="http://schemas.openxmlformats.org/presentationml/2006/main" xmlns:r="http://schemas.openxmlformats.org/officeDocument/2006/relationships" xmlns:p14="http://schemas.microsoft.com/office/powerpoint/2010/main" xmlns:p15="http://schemas.microsoft.com/office/powerpoint/2012/main" xmlns:mc="http://schemas.openxmlformats.org/markup-compatibility/2006" type="twoObj" preserve="1">
-  <p:cSld name="TWO_OBJECTS">
-    <p:spTree>
-      <p:nvGrpSpPr>
-        <p:cNvPr id="1" name=""/>
-        <p:cNvGrpSpPr/>
-        <p:nvPr/>
-      </p:nvGrpSpPr>
-      <p:grpSpPr>
-        <a:xfrm>
-          <a:off x="0" y="0"/>
-          <a:ext cx="0" cy="0"/>
-          <a:chOff x="0" y="0"/>
-          <a:chExt cx="0" cy="0"/>
-        </a:xfrm>
-      </p:grpSpPr>
-      <p:sp>
-        <p:nvSpPr>
-          <p:cNvPr id="33" name="PlaceHolder 1"/>
-          <p:cNvSpPr>
-            <a:spLocks noGrp="1"/>
-          </p:cNvSpPr>
-          <p:nvPr>
-            <p:ph type="title"/>
-          </p:nvPr>
-        </p:nvSpPr>
-        <p:spPr>
-          <a:xfrm>
-            <a:off x="609480" y="273600"/>
-            <a:ext cx="10972440" cy="1144800"/>
-          </a:xfrm>
-          <a:prstGeom prst="rect">
-            <a:avLst/>
-          </a:prstGeom>
-          <a:noFill/>
-          <a:ln w="0">
-            <a:noFill/>
-          </a:ln>
-        </p:spPr>
-        <p:txBody>
-          <a:bodyPr lIns="0" rIns="0" tIns="0" bIns="0" anchor="ctr">
-            <a:noAutofit/>
-          </a:bodyPr>
-          <a:p>
-            <a:pPr indent="0" algn="ctr">
-              <a:buNone/>
-            </a:pPr>
-            <a:endParaRPr b="0" lang="es-CO" sz="4400" spc="-1" strike="noStrike">
-              <a:solidFill>
-                <a:srgbClr val="000000"/>
-              </a:solidFill>
-              <a:latin typeface="Arial"/>
-            </a:endParaRPr>
-          </a:p>
-        </p:txBody>
-      </p:sp>
-      <p:sp>
-        <p:nvSpPr>
-          <p:cNvPr id="34" name="PlaceHolder 2"/>
-          <p:cNvSpPr>
-            <a:spLocks noGrp="1"/>
-          </p:cNvSpPr>
-          <p:nvPr>
-            <p:ph/>
-          </p:nvPr>
-        </p:nvSpPr>
-        <p:spPr>
-          <a:xfrm>
-            <a:off x="609480" y="1604520"/>
-            <a:ext cx="5354280" cy="3977280"/>
-          </a:xfrm>
-          <a:prstGeom prst="rect">
-            <a:avLst/>
-          </a:prstGeom>
-          <a:noFill/>
-          <a:ln w="0">
-            <a:noFill/>
-          </a:ln>
-        </p:spPr>
-        <p:txBody>
-          <a:bodyPr lIns="0" rIns="0" tIns="0" bIns="0" anchor="t">
-            <a:normAutofit/>
-          </a:bodyPr>
-          <a:p>
-            <a:pPr indent="0">
-              <a:spcBef>
-                <a:spcPts val="1417"/>
-              </a:spcBef>
-              <a:buNone/>
-            </a:pPr>
-            <a:endParaRPr b="0" lang="es-CO" sz="3200" spc="-1" strike="noStrike">
-              <a:solidFill>
-                <a:srgbClr val="000000"/>
-              </a:solidFill>
-              <a:latin typeface="Arial"/>
-            </a:endParaRPr>
-          </a:p>
-        </p:txBody>
-      </p:sp>
-      <p:sp>
-        <p:nvSpPr>
-          <p:cNvPr id="35" name="PlaceHolder 3"/>
-          <p:cNvSpPr>
-            <a:spLocks noGrp="1"/>
-          </p:cNvSpPr>
-          <p:nvPr>
-            <p:ph/>
-          </p:nvPr>
-        </p:nvSpPr>
-        <p:spPr>
-          <a:xfrm>
-            <a:off x="6231960" y="1604520"/>
-            <a:ext cx="5354280" cy="3977280"/>
-          </a:xfrm>
-          <a:prstGeom prst="rect">
-            <a:avLst/>
-          </a:prstGeom>
-          <a:noFill/>
-          <a:ln w="0">
-            <a:noFill/>
-          </a:ln>
-        </p:spPr>
-        <p:txBody>
-          <a:bodyPr lIns="0" rIns="0" tIns="0" bIns="0" anchor="t">
-            <a:normAutofit/>
-          </a:bodyPr>
-          <a:p>
-            <a:pPr indent="0">
-              <a:spcBef>
-                <a:spcPts val="1417"/>
-              </a:spcBef>
-              <a:buNone/>
-            </a:pPr>
-            <a:endParaRPr b="0" lang="es-CO" sz="3200" spc="-1" strike="noStrike">
-              <a:solidFill>
-                <a:srgbClr val="000000"/>
-              </a:solidFill>
-              <a:latin typeface="Arial"/>
-            </a:endParaRPr>
-          </a:p>
-        </p:txBody>
-      </p:sp>
-      <p:sp>
-        <p:nvSpPr>
-          <p:cNvPr id="5" name="PlaceHolder 4"/>
-          <p:cNvSpPr>
-            <a:spLocks noGrp="1"/>
-          </p:cNvSpPr>
-          <p:nvPr>
-            <p:ph type="ftr" idx="19"/>
-          </p:nvPr>
-        </p:nvSpPr>
-        <p:spPr/>
-        <p:txBody>
-          <a:bodyPr/>
-          <a:p>
-            <a:r>
-              <a:t>Footer</a:t>
-            </a:r>
-          </a:p>
-        </p:txBody>
-      </p:sp>
-      <p:sp>
-        <p:nvSpPr>
-          <p:cNvPr id="6" name="PlaceHolder 5"/>
-          <p:cNvSpPr>
-            <a:spLocks noGrp="1"/>
-          </p:cNvSpPr>
-          <p:nvPr>
-            <p:ph type="sldNum" idx="20"/>
-          </p:nvPr>
-        </p:nvSpPr>
-        <p:spPr/>
-        <p:txBody>
-          <a:bodyPr/>
-          <a:p>
-            <a:fld id="{ADF328FC-DA49-4946-9995-6B6BE35DC324}" type="slidenum">
-              <a:t>&lt;#&gt;</a:t>
-            </a:fld>
-          </a:p>
-        </p:txBody>
-      </p:sp>
-      <p:sp>
-        <p:nvSpPr>
-          <p:cNvPr id="7" name="PlaceHolder 6"/>
-          <p:cNvSpPr>
-            <a:spLocks noGrp="1"/>
-          </p:cNvSpPr>
-          <p:nvPr>
-            <p:ph type="dt" idx="21"/>
-          </p:nvPr>
-        </p:nvSpPr>
-        <p:spPr/>
-        <p:txBody>
-          <a:bodyPr/>
-          <a:p>
-            <a:r>
-              <a:rPr lang="es-CO"/>
-              <a:t/>
-            </a:r>
-          </a:p>
-        </p:txBody>
-      </p:sp>
-    </p:spTree>
-  </p:cSld>
-</p:sldLayout>
-</file>
-
-<file path=ppt/slideLayouts/slideLayout8.xml><?xml version="1.0" encoding="utf-8"?>
-<p:sldLayout xmlns:a="http://schemas.openxmlformats.org/drawingml/2006/main" xmlns:p="http://schemas.openxmlformats.org/presentationml/2006/main" xmlns:r="http://schemas.openxmlformats.org/officeDocument/2006/relationships" xmlns:p14="http://schemas.microsoft.com/office/powerpoint/2010/main" xmlns:p15="http://schemas.microsoft.com/office/powerpoint/2012/main" xmlns:mc="http://schemas.openxmlformats.org/markup-compatibility/2006" type="blank" preserve="1">
-  <p:cSld name="TWO_OBJECTS_WITH_TEXT">
-    <p:spTree>
-      <p:nvGrpSpPr>
-        <p:cNvPr id="1" name=""/>
-        <p:cNvGrpSpPr/>
-        <p:nvPr/>
-      </p:nvGrpSpPr>
-      <p:grpSpPr>
-        <a:xfrm>
-          <a:off x="0" y="0"/>
-          <a:ext cx="0" cy="0"/>
-          <a:chOff x="0" y="0"/>
-          <a:chExt cx="0" cy="0"/>
-        </a:xfrm>
-      </p:grpSpPr>
-      <p:sp>
-        <p:nvSpPr>
-          <p:cNvPr id="2" name="PlaceHolder 1"/>
-          <p:cNvSpPr>
-            <a:spLocks noGrp="1"/>
-          </p:cNvSpPr>
-          <p:nvPr>
-            <p:ph type="ftr" idx="22"/>
-          </p:nvPr>
-        </p:nvSpPr>
-        <p:spPr/>
-        <p:txBody>
-          <a:bodyPr/>
-          <a:p>
-            <a:r>
-              <a:t>Footer</a:t>
-            </a:r>
-          </a:p>
-        </p:txBody>
-      </p:sp>
-      <p:sp>
-        <p:nvSpPr>
-          <p:cNvPr id="3" name="PlaceHolder 2"/>
-          <p:cNvSpPr>
-            <a:spLocks noGrp="1"/>
-          </p:cNvSpPr>
-          <p:nvPr>
-            <p:ph type="sldNum" idx="23"/>
-          </p:nvPr>
-        </p:nvSpPr>
-        <p:spPr/>
-        <p:txBody>
-          <a:bodyPr/>
-          <a:p>
-            <a:fld id="{9ADC94D0-0B36-481D-81C4-167852B5D9E3}" type="slidenum">
-              <a:t>&lt;#&gt;</a:t>
-            </a:fld>
-          </a:p>
-        </p:txBody>
-      </p:sp>
-      <p:sp>
-        <p:nvSpPr>
-          <p:cNvPr id="4" name="PlaceHolder 3"/>
-          <p:cNvSpPr>
-            <a:spLocks noGrp="1"/>
-          </p:cNvSpPr>
-          <p:nvPr>
-            <p:ph type="dt" idx="24"/>
-          </p:nvPr>
-        </p:nvSpPr>
-        <p:spPr/>
-        <p:txBody>
-          <a:bodyPr/>
-          <a:p>
-            <a:r>
-              <a:rPr lang="es-CO"/>
-              <a:t/>
-            </a:r>
-          </a:p>
-        </p:txBody>
-      </p:sp>
-    </p:spTree>
-  </p:cSld>
-</p:sldLayout>
-</file>
-
-<file path=ppt/slideLayouts/slideLayout9.xml><?xml version="1.0" encoding="utf-8"?>
-<p:sldLayout xmlns:a="http://schemas.openxmlformats.org/drawingml/2006/main" xmlns:p="http://schemas.openxmlformats.org/presentationml/2006/main" xmlns:r="http://schemas.openxmlformats.org/officeDocument/2006/relationships" xmlns:p14="http://schemas.microsoft.com/office/powerpoint/2010/main" xmlns:p15="http://schemas.microsoft.com/office/powerpoint/2012/main" xmlns:mc="http://schemas.openxmlformats.org/markup-compatibility/2006" type="titleOnly" preserve="1">
-  <p:cSld name="TITLE_ONLY">
-    <p:spTree>
-      <p:nvGrpSpPr>
-        <p:cNvPr id="1" name=""/>
-        <p:cNvGrpSpPr/>
-        <p:nvPr/>
-      </p:nvGrpSpPr>
-      <p:grpSpPr>
-        <a:xfrm>
-          <a:off x="0" y="0"/>
-          <a:ext cx="0" cy="0"/>
-          <a:chOff x="0" y="0"/>
-          <a:chExt cx="0" cy="0"/>
-        </a:xfrm>
-      </p:grpSpPr>
-      <p:sp>
-        <p:nvSpPr>
-          <p:cNvPr id="43" name="PlaceHolder 1"/>
-          <p:cNvSpPr>
-            <a:spLocks noGrp="1"/>
-          </p:cNvSpPr>
-          <p:nvPr>
-            <p:ph type="title"/>
-          </p:nvPr>
-        </p:nvSpPr>
-        <p:spPr>
-          <a:xfrm>
-            <a:off x="609480" y="273600"/>
-            <a:ext cx="10972440" cy="1144800"/>
-          </a:xfrm>
-          <a:prstGeom prst="rect">
-            <a:avLst/>
-          </a:prstGeom>
-          <a:noFill/>
-          <a:ln w="0">
-            <a:noFill/>
-          </a:ln>
-        </p:spPr>
-        <p:txBody>
-          <a:bodyPr lIns="0" rIns="0" tIns="0" bIns="0" anchor="ctr">
-            <a:noAutofit/>
-          </a:bodyPr>
-          <a:p>
-            <a:pPr indent="0" algn="ctr">
-              <a:buNone/>
-            </a:pPr>
-            <a:endParaRPr b="0" lang="es-CO" sz="4400" spc="-1" strike="noStrike">
-              <a:solidFill>
-                <a:srgbClr val="000000"/>
-              </a:solidFill>
-              <a:latin typeface="Arial"/>
-            </a:endParaRPr>
-          </a:p>
-        </p:txBody>
-      </p:sp>
-      <p:sp>
-        <p:nvSpPr>
-          <p:cNvPr id="3" name="PlaceHolder 2"/>
-          <p:cNvSpPr>
-            <a:spLocks noGrp="1"/>
-          </p:cNvSpPr>
-          <p:nvPr>
-            <p:ph type="ftr" idx="25"/>
-          </p:nvPr>
-        </p:nvSpPr>
-        <p:spPr/>
-        <p:txBody>
-          <a:bodyPr/>
-          <a:p>
-            <a:r>
-              <a:t>Footer</a:t>
-            </a:r>
-          </a:p>
-        </p:txBody>
-      </p:sp>
-      <p:sp>
-        <p:nvSpPr>
-          <p:cNvPr id="4" name="PlaceHolder 3"/>
-          <p:cNvSpPr>
-            <a:spLocks noGrp="1"/>
-          </p:cNvSpPr>
-          <p:nvPr>
-            <p:ph type="sldNum" idx="26"/>
-          </p:nvPr>
-        </p:nvSpPr>
-        <p:spPr/>
-        <p:txBody>
-          <a:bodyPr/>
-          <a:p>
-            <a:fld id="{8FF9833D-8784-4493-A997-AC85E259619A}" type="slidenum">
-              <a:t>&lt;#&gt;</a:t>
-            </a:fld>
-          </a:p>
-        </p:txBody>
-      </p:sp>
-      <p:sp>
-        <p:nvSpPr>
-          <p:cNvPr id="5" name="PlaceHolder 4"/>
-          <p:cNvSpPr>
-            <a:spLocks noGrp="1"/>
-          </p:cNvSpPr>
-          <p:nvPr>
-            <p:ph type="dt" idx="27"/>
           </p:nvPr>
         </p:nvSpPr>
         <p:spPr/>
@@ -3073,7 +2235,7 @@
         <p:spPr>
           <a:xfrm>
             <a:off x="4038480" y="6356520"/>
-            <a:ext cx="4112640" cy="362880"/>
+            <a:ext cx="4112280" cy="362520"/>
           </a:xfrm>
           <a:prstGeom prst="rect">
             <a:avLst/>
@@ -3145,7 +2307,7 @@
         <p:spPr>
           <a:xfrm>
             <a:off x="8610480" y="6356520"/>
-            <a:ext cx="2741040" cy="362880"/>
+            <a:ext cx="2740680" cy="362520"/>
           </a:xfrm>
           <a:prstGeom prst="rect">
             <a:avLst/>
@@ -3187,7 +2349,7 @@
                 <a:tab algn="l" pos="0"/>
               </a:tabLst>
             </a:pPr>
-            <a:fld id="{2F54AE25-3806-4648-ADC9-A37C89F1458F}" type="slidenum">
+            <a:fld id="{105B2DE6-DB7F-4AC7-AF2B-A69F6352C9E1}" type="slidenum">
               <a:rPr b="0" lang="es-CO" sz="1200" spc="-1" strike="noStrike">
                 <a:solidFill>
                   <a:srgbClr val="888888"/>
@@ -3219,7 +2381,7 @@
         <p:spPr>
           <a:xfrm>
             <a:off x="838080" y="6356520"/>
-            <a:ext cx="2741040" cy="362880"/>
+            <a:ext cx="2740680" cy="362520"/>
           </a:xfrm>
           <a:prstGeom prst="rect">
             <a:avLst/>
@@ -3545,6 +2707,7 @@
   <p:clrMap bg1="lt1" bg2="lt2" tx1="dk1" tx2="dk2" accent1="accent1" accent2="accent2" accent3="accent3" accent4="accent4" accent5="accent5" accent6="accent6" hlink="hlink" folHlink="folHlink"/>
   <p:sldLayoutIdLst>
     <p:sldLayoutId id="2147483649" r:id="rId2"/>
+    <p:sldLayoutId id="2147483650" r:id="rId3"/>
   </p:sldLayoutIdLst>
 </p:sldMaster>
 </file>
@@ -3575,7 +2738,7 @@
       </p:grpSpPr>
       <p:sp>
         <p:nvSpPr>
-          <p:cNvPr id="44" name="PlaceHolder 1"/>
+          <p:cNvPr id="38" name="PlaceHolder 1"/>
           <p:cNvSpPr>
             <a:spLocks noGrp="1"/>
           </p:cNvSpPr>
@@ -3586,7 +2749,7 @@
         <p:spPr>
           <a:xfrm>
             <a:off x="4038480" y="6356520"/>
-            <a:ext cx="4112640" cy="362880"/>
+            <a:ext cx="4112280" cy="362520"/>
           </a:xfrm>
           <a:prstGeom prst="rect">
             <a:avLst/>
@@ -3647,7 +2810,7 @@
       </p:sp>
       <p:sp>
         <p:nvSpPr>
-          <p:cNvPr id="45" name="PlaceHolder 2"/>
+          <p:cNvPr id="39" name="PlaceHolder 2"/>
           <p:cNvSpPr>
             <a:spLocks noGrp="1"/>
           </p:cNvSpPr>
@@ -3658,7 +2821,7 @@
         <p:spPr>
           <a:xfrm>
             <a:off x="8610480" y="6356520"/>
-            <a:ext cx="2741040" cy="362880"/>
+            <a:ext cx="2740680" cy="362520"/>
           </a:xfrm>
           <a:prstGeom prst="rect">
             <a:avLst/>
@@ -3700,7 +2863,7 @@
                 <a:tab algn="l" pos="0"/>
               </a:tabLst>
             </a:pPr>
-            <a:fld id="{031B6ED0-C44F-4144-827F-45603D7354C4}" type="slidenum">
+            <a:fld id="{91CB3530-A171-42FC-8896-74ACFC7A306D}" type="slidenum">
               <a:rPr b="0" lang="es-CO" sz="1200" spc="-1" strike="noStrike">
                 <a:solidFill>
                   <a:srgbClr val="888888"/>
@@ -3721,7 +2884,7 @@
       </p:sp>
       <p:sp>
         <p:nvSpPr>
-          <p:cNvPr id="46" name="PlaceHolder 3"/>
+          <p:cNvPr id="40" name="PlaceHolder 3"/>
           <p:cNvSpPr>
             <a:spLocks noGrp="1"/>
           </p:cNvSpPr>
@@ -3732,7 +2895,7 @@
         <p:spPr>
           <a:xfrm>
             <a:off x="838080" y="6356520"/>
-            <a:ext cx="2741040" cy="362880"/>
+            <a:ext cx="2740680" cy="362520"/>
           </a:xfrm>
           <a:prstGeom prst="rect">
             <a:avLst/>
@@ -3782,9 +2945,7 @@
     </p:spTree>
   </p:cSld>
   <p:clrMap bg1="lt1" bg2="lt2" tx1="dk1" tx2="dk2" accent1="accent1" accent2="accent2" accent3="accent3" accent4="accent4" accent5="accent5" accent6="accent6" hlink="hlink" folHlink="folHlink"/>
-  <p:sldLayoutIdLst>
-    <p:sldLayoutId id="2147483667" r:id="rId2"/>
-  </p:sldLayoutIdLst>
+  <p:sldLayoutIdLst/>
 </p:sldMaster>
 </file>
 
@@ -3814,7 +2975,7 @@
       </p:grpSpPr>
       <p:sp>
         <p:nvSpPr>
-          <p:cNvPr id="47" name="PlaceHolder 1"/>
+          <p:cNvPr id="41" name="PlaceHolder 1"/>
           <p:cNvSpPr>
             <a:spLocks noGrp="1"/>
           </p:cNvSpPr>
@@ -3825,7 +2986,7 @@
         <p:spPr>
           <a:xfrm>
             <a:off x="4038480" y="6356520"/>
-            <a:ext cx="4112640" cy="362880"/>
+            <a:ext cx="4112280" cy="362520"/>
           </a:xfrm>
           <a:prstGeom prst="rect">
             <a:avLst/>
@@ -3886,7 +3047,7 @@
       </p:sp>
       <p:sp>
         <p:nvSpPr>
-          <p:cNvPr id="48" name="PlaceHolder 2"/>
+          <p:cNvPr id="42" name="PlaceHolder 2"/>
           <p:cNvSpPr>
             <a:spLocks noGrp="1"/>
           </p:cNvSpPr>
@@ -3897,7 +3058,7 @@
         <p:spPr>
           <a:xfrm>
             <a:off x="8610480" y="6356520"/>
-            <a:ext cx="2741040" cy="362880"/>
+            <a:ext cx="2740680" cy="362520"/>
           </a:xfrm>
           <a:prstGeom prst="rect">
             <a:avLst/>
@@ -3939,7 +3100,7 @@
                 <a:tab algn="l" pos="0"/>
               </a:tabLst>
             </a:pPr>
-            <a:fld id="{1F2F74B9-0F90-4C24-B43A-11A230C8A700}" type="slidenum">
+            <a:fld id="{17F4EDC4-F4BB-4761-A7FF-A0873DEF221C}" type="slidenum">
               <a:rPr b="0" lang="es-CO" sz="1200" spc="-1" strike="noStrike">
                 <a:solidFill>
                   <a:srgbClr val="888888"/>
@@ -3960,7 +3121,7 @@
       </p:sp>
       <p:sp>
         <p:nvSpPr>
-          <p:cNvPr id="49" name="PlaceHolder 3"/>
+          <p:cNvPr id="43" name="PlaceHolder 3"/>
           <p:cNvSpPr>
             <a:spLocks noGrp="1"/>
           </p:cNvSpPr>
@@ -3971,7 +3132,7 @@
         <p:spPr>
           <a:xfrm>
             <a:off x="838080" y="6356520"/>
-            <a:ext cx="2741040" cy="362880"/>
+            <a:ext cx="2740680" cy="362520"/>
           </a:xfrm>
           <a:prstGeom prst="rect">
             <a:avLst/>
@@ -4021,9 +3182,7 @@
     </p:spTree>
   </p:cSld>
   <p:clrMap bg1="lt1" bg2="lt2" tx1="dk1" tx2="dk2" accent1="accent1" accent2="accent2" accent3="accent3" accent4="accent4" accent5="accent5" accent6="accent6" hlink="hlink" folHlink="folHlink"/>
-  <p:sldLayoutIdLst>
-    <p:sldLayoutId id="2147483669" r:id="rId2"/>
-  </p:sldLayoutIdLst>
+  <p:sldLayoutIdLst/>
 </p:sldMaster>
 </file>
 
@@ -4053,7 +3212,7 @@
       </p:grpSpPr>
       <p:sp>
         <p:nvSpPr>
-          <p:cNvPr id="5" name="PlaceHolder 1"/>
+          <p:cNvPr id="7" name="PlaceHolder 1"/>
           <p:cNvSpPr>
             <a:spLocks noGrp="1"/>
           </p:cNvSpPr>
@@ -4064,7 +3223,7 @@
         <p:spPr>
           <a:xfrm>
             <a:off x="4038480" y="6356520"/>
-            <a:ext cx="4112640" cy="362880"/>
+            <a:ext cx="4112280" cy="362520"/>
           </a:xfrm>
           <a:prstGeom prst="rect">
             <a:avLst/>
@@ -4125,7 +3284,7 @@
       </p:sp>
       <p:sp>
         <p:nvSpPr>
-          <p:cNvPr id="6" name="PlaceHolder 2"/>
+          <p:cNvPr id="8" name="PlaceHolder 2"/>
           <p:cNvSpPr>
             <a:spLocks noGrp="1"/>
           </p:cNvSpPr>
@@ -4136,7 +3295,7 @@
         <p:spPr>
           <a:xfrm>
             <a:off x="8610480" y="6356520"/>
-            <a:ext cx="2741040" cy="362880"/>
+            <a:ext cx="2740680" cy="362520"/>
           </a:xfrm>
           <a:prstGeom prst="rect">
             <a:avLst/>
@@ -4178,7 +3337,7 @@
                 <a:tab algn="l" pos="0"/>
               </a:tabLst>
             </a:pPr>
-            <a:fld id="{83A2ADE6-5597-4552-8814-CB00AF54C236}" type="slidenum">
+            <a:fld id="{93F16C68-4AD0-4E0B-AFA7-C007E7DAB1EB}" type="slidenum">
               <a:rPr b="0" lang="es-CO" sz="1200" spc="-1" strike="noStrike">
                 <a:solidFill>
                   <a:srgbClr val="888888"/>
@@ -4199,7 +3358,7 @@
       </p:sp>
       <p:sp>
         <p:nvSpPr>
-          <p:cNvPr id="7" name="PlaceHolder 3"/>
+          <p:cNvPr id="9" name="PlaceHolder 3"/>
           <p:cNvSpPr>
             <a:spLocks noGrp="1"/>
           </p:cNvSpPr>
@@ -4210,7 +3369,7 @@
         <p:spPr>
           <a:xfrm>
             <a:off x="838080" y="6356520"/>
-            <a:ext cx="2741040" cy="362880"/>
+            <a:ext cx="2740680" cy="362520"/>
           </a:xfrm>
           <a:prstGeom prst="rect">
             <a:avLst/>
@@ -4260,9 +3419,7 @@
     </p:spTree>
   </p:cSld>
   <p:clrMap bg1="lt1" bg2="lt2" tx1="dk1" tx2="dk2" accent1="accent1" accent2="accent2" accent3="accent3" accent4="accent4" accent5="accent5" accent6="accent6" hlink="hlink" folHlink="folHlink"/>
-  <p:sldLayoutIdLst>
-    <p:sldLayoutId id="2147483651" r:id="rId2"/>
-  </p:sldLayoutIdLst>
+  <p:sldLayoutIdLst/>
 </p:sldMaster>
 </file>
 
@@ -4292,7 +3449,7 @@
       </p:grpSpPr>
       <p:sp>
         <p:nvSpPr>
-          <p:cNvPr id="8" name="PlaceHolder 1"/>
+          <p:cNvPr id="10" name="PlaceHolder 1"/>
           <p:cNvSpPr>
             <a:spLocks noGrp="1"/>
           </p:cNvSpPr>
@@ -4303,7 +3460,7 @@
         <p:spPr>
           <a:xfrm>
             <a:off x="4038480" y="6356520"/>
-            <a:ext cx="4112640" cy="362880"/>
+            <a:ext cx="4112280" cy="362520"/>
           </a:xfrm>
           <a:prstGeom prst="rect">
             <a:avLst/>
@@ -4364,7 +3521,7 @@
       </p:sp>
       <p:sp>
         <p:nvSpPr>
-          <p:cNvPr id="9" name="PlaceHolder 2"/>
+          <p:cNvPr id="11" name="PlaceHolder 2"/>
           <p:cNvSpPr>
             <a:spLocks noGrp="1"/>
           </p:cNvSpPr>
@@ -4375,7 +3532,7 @@
         <p:spPr>
           <a:xfrm>
             <a:off x="8610480" y="6356520"/>
-            <a:ext cx="2741040" cy="362880"/>
+            <a:ext cx="2740680" cy="362520"/>
           </a:xfrm>
           <a:prstGeom prst="rect">
             <a:avLst/>
@@ -4417,7 +3574,7 @@
                 <a:tab algn="l" pos="0"/>
               </a:tabLst>
             </a:pPr>
-            <a:fld id="{B109D966-A375-45EA-8D96-46C3EA8FBB3A}" type="slidenum">
+            <a:fld id="{08779825-1454-4BC3-A182-D92F5CEDF011}" type="slidenum">
               <a:rPr b="0" lang="es-CO" sz="1200" spc="-1" strike="noStrike">
                 <a:solidFill>
                   <a:srgbClr val="888888"/>
@@ -4438,7 +3595,7 @@
       </p:sp>
       <p:sp>
         <p:nvSpPr>
-          <p:cNvPr id="10" name="PlaceHolder 3"/>
+          <p:cNvPr id="12" name="PlaceHolder 3"/>
           <p:cNvSpPr>
             <a:spLocks noGrp="1"/>
           </p:cNvSpPr>
@@ -4449,7 +3606,7 @@
         <p:spPr>
           <a:xfrm>
             <a:off x="838080" y="6356520"/>
-            <a:ext cx="2741040" cy="362880"/>
+            <a:ext cx="2740680" cy="362520"/>
           </a:xfrm>
           <a:prstGeom prst="rect">
             <a:avLst/>
@@ -4499,9 +3656,7 @@
     </p:spTree>
   </p:cSld>
   <p:clrMap bg1="lt1" bg2="lt2" tx1="dk1" tx2="dk2" accent1="accent1" accent2="accent2" accent3="accent3" accent4="accent4" accent5="accent5" accent6="accent6" hlink="hlink" folHlink="folHlink"/>
-  <p:sldLayoutIdLst>
-    <p:sldLayoutId id="2147483653" r:id="rId2"/>
-  </p:sldLayoutIdLst>
+  <p:sldLayoutIdLst/>
 </p:sldMaster>
 </file>
 
@@ -4531,7 +3686,7 @@
       </p:grpSpPr>
       <p:sp>
         <p:nvSpPr>
-          <p:cNvPr id="11" name="PlaceHolder 1"/>
+          <p:cNvPr id="13" name="PlaceHolder 1"/>
           <p:cNvSpPr>
             <a:spLocks noGrp="1"/>
           </p:cNvSpPr>
@@ -4557,11 +3712,11 @@
             <a:noAutofit/>
           </a:bodyPr>
           <a:p>
-            <a:pPr indent="0">
+            <a:pPr indent="0" algn="ctr">
               <a:buNone/>
             </a:pPr>
             <a:r>
-              <a:rPr b="0" lang="es-CO" sz="1800" spc="-1" strike="noStrike">
+              <a:rPr b="0" lang="es-CO" sz="4400" spc="-1" strike="noStrike">
                 <a:solidFill>
                   <a:srgbClr val="000000"/>
                 </a:solidFill>
@@ -4569,7 +3724,7 @@
               </a:rPr>
               <a:t>Pulse para editar el formato del texto de título</a:t>
             </a:r>
-            <a:endParaRPr b="0" lang="es-CO" sz="1800" spc="-1" strike="noStrike">
+            <a:endParaRPr b="0" lang="es-CO" sz="4400" spc="-1" strike="noStrike">
               <a:solidFill>
                 <a:srgbClr val="000000"/>
               </a:solidFill>
@@ -4580,7 +3735,7 @@
       </p:sp>
       <p:sp>
         <p:nvSpPr>
-          <p:cNvPr id="12" name="PlaceHolder 2"/>
+          <p:cNvPr id="14" name="PlaceHolder 2"/>
           <p:cNvSpPr>
             <a:spLocks noGrp="1"/>
           </p:cNvSpPr>
@@ -4591,7 +3746,7 @@
         <p:spPr>
           <a:xfrm>
             <a:off x="4038480" y="6356520"/>
-            <a:ext cx="4112640" cy="362880"/>
+            <a:ext cx="4112280" cy="362520"/>
           </a:xfrm>
           <a:prstGeom prst="rect">
             <a:avLst/>
@@ -4652,7 +3807,7 @@
       </p:sp>
       <p:sp>
         <p:nvSpPr>
-          <p:cNvPr id="13" name="PlaceHolder 3"/>
+          <p:cNvPr id="15" name="PlaceHolder 3"/>
           <p:cNvSpPr>
             <a:spLocks noGrp="1"/>
           </p:cNvSpPr>
@@ -4663,7 +3818,7 @@
         <p:spPr>
           <a:xfrm>
             <a:off x="8610480" y="6356520"/>
-            <a:ext cx="2741040" cy="362880"/>
+            <a:ext cx="2740680" cy="362520"/>
           </a:xfrm>
           <a:prstGeom prst="rect">
             <a:avLst/>
@@ -4705,7 +3860,7 @@
                 <a:tab algn="l" pos="0"/>
               </a:tabLst>
             </a:pPr>
-            <a:fld id="{945B3737-5941-4639-A7E3-A5D37D13EAD2}" type="slidenum">
+            <a:fld id="{90BC2949-1423-427D-9547-33B56D24F2AE}" type="slidenum">
               <a:rPr b="0" lang="es-CO" sz="1200" spc="-1" strike="noStrike">
                 <a:solidFill>
                   <a:srgbClr val="888888"/>
@@ -4726,7 +3881,7 @@
       </p:sp>
       <p:sp>
         <p:nvSpPr>
-          <p:cNvPr id="14" name="PlaceHolder 4"/>
+          <p:cNvPr id="16" name="PlaceHolder 4"/>
           <p:cNvSpPr>
             <a:spLocks noGrp="1"/>
           </p:cNvSpPr>
@@ -4737,7 +3892,7 @@
         <p:spPr>
           <a:xfrm>
             <a:off x="838080" y="6356520"/>
-            <a:ext cx="2741040" cy="362880"/>
+            <a:ext cx="2740680" cy="362520"/>
           </a:xfrm>
           <a:prstGeom prst="rect">
             <a:avLst/>
@@ -4787,9 +3942,7 @@
     </p:spTree>
   </p:cSld>
   <p:clrMap bg1="lt1" bg2="lt2" tx1="dk1" tx2="dk2" accent1="accent1" accent2="accent2" accent3="accent3" accent4="accent4" accent5="accent5" accent6="accent6" hlink="hlink" folHlink="folHlink"/>
-  <p:sldLayoutIdLst>
-    <p:sldLayoutId id="2147483655" r:id="rId2"/>
-  </p:sldLayoutIdLst>
+  <p:sldLayoutIdLst/>
 </p:sldMaster>
 </file>
 
@@ -4845,11 +3998,11 @@
             <a:noAutofit/>
           </a:bodyPr>
           <a:p>
-            <a:pPr indent="0">
+            <a:pPr indent="0" algn="ctr">
               <a:buNone/>
             </a:pPr>
             <a:r>
-              <a:rPr b="0" lang="es-CO" sz="1800" spc="-1" strike="noStrike">
+              <a:rPr b="0" lang="es-CO" sz="4400" spc="-1" strike="noStrike">
                 <a:solidFill>
                   <a:srgbClr val="000000"/>
                 </a:solidFill>
@@ -4857,7 +4010,7 @@
               </a:rPr>
               <a:t>Pulse para editar el formato del texto de título</a:t>
             </a:r>
-            <a:endParaRPr b="0" lang="es-CO" sz="1800" spc="-1" strike="noStrike">
+            <a:endParaRPr b="0" lang="es-CO" sz="4400" spc="-1" strike="noStrike">
               <a:solidFill>
                 <a:srgbClr val="000000"/>
               </a:solidFill>
@@ -4906,7 +4059,7 @@
               <a:buChar char=""/>
             </a:pPr>
             <a:r>
-              <a:rPr b="0" lang="es-CO" sz="1800" spc="-1" strike="noStrike">
+              <a:rPr b="0" lang="es-CO" sz="3200" spc="-1" strike="noStrike">
                 <a:solidFill>
                   <a:srgbClr val="000000"/>
                 </a:solidFill>
@@ -4914,7 +4067,7 @@
               </a:rPr>
               <a:t>Pulse para editar el formato de texto del esquema</a:t>
             </a:r>
-            <a:endParaRPr b="0" lang="es-CO" sz="1800" spc="-1" strike="noStrike">
+            <a:endParaRPr b="0" lang="es-CO" sz="3200" spc="-1" strike="noStrike">
               <a:solidFill>
                 <a:srgbClr val="000000"/>
               </a:solidFill>
@@ -4934,7 +4087,7 @@
               <a:buChar char=""/>
             </a:pPr>
             <a:r>
-              <a:rPr b="0" lang="es-CO" sz="1800" spc="-1" strike="noStrike">
+              <a:rPr b="0" lang="es-CO" sz="2800" spc="-1" strike="noStrike">
                 <a:solidFill>
                   <a:srgbClr val="000000"/>
                 </a:solidFill>
@@ -4942,7 +4095,7 @@
               </a:rPr>
               <a:t>Segundo nivel del esquema</a:t>
             </a:r>
-            <a:endParaRPr b="0" lang="es-CO" sz="1800" spc="-1" strike="noStrike">
+            <a:endParaRPr b="0" lang="es-CO" sz="2800" spc="-1" strike="noStrike">
               <a:solidFill>
                 <a:srgbClr val="000000"/>
               </a:solidFill>
@@ -4962,7 +4115,7 @@
               <a:buChar char=""/>
             </a:pPr>
             <a:r>
-              <a:rPr b="0" lang="es-CO" sz="1800" spc="-1" strike="noStrike">
+              <a:rPr b="0" lang="es-CO" sz="2400" spc="-1" strike="noStrike">
                 <a:solidFill>
                   <a:srgbClr val="000000"/>
                 </a:solidFill>
@@ -4970,7 +4123,7 @@
               </a:rPr>
               <a:t>Tercer nivel del esquema</a:t>
             </a:r>
-            <a:endParaRPr b="0" lang="es-CO" sz="1800" spc="-1" strike="noStrike">
+            <a:endParaRPr b="0" lang="es-CO" sz="2400" spc="-1" strike="noStrike">
               <a:solidFill>
                 <a:srgbClr val="000000"/>
               </a:solidFill>
@@ -4990,7 +4143,7 @@
               <a:buChar char=""/>
             </a:pPr>
             <a:r>
-              <a:rPr b="0" lang="es-CO" sz="1800" spc="-1" strike="noStrike">
+              <a:rPr b="0" lang="es-CO" sz="2000" spc="-1" strike="noStrike">
                 <a:solidFill>
                   <a:srgbClr val="000000"/>
                 </a:solidFill>
@@ -4998,7 +4151,7 @@
               </a:rPr>
               <a:t>Cuarto nivel del esquema</a:t>
             </a:r>
-            <a:endParaRPr b="0" lang="es-CO" sz="1800" spc="-1" strike="noStrike">
+            <a:endParaRPr b="0" lang="es-CO" sz="2000" spc="-1" strike="noStrike">
               <a:solidFill>
                 <a:srgbClr val="000000"/>
               </a:solidFill>
@@ -5018,7 +4171,7 @@
               <a:buChar char=""/>
             </a:pPr>
             <a:r>
-              <a:rPr b="0" lang="es-CO" sz="1800" spc="-1" strike="noStrike">
+              <a:rPr b="0" lang="es-CO" sz="2000" spc="-1" strike="noStrike">
                 <a:solidFill>
                   <a:srgbClr val="000000"/>
                 </a:solidFill>
@@ -5026,7 +4179,7 @@
               </a:rPr>
               <a:t>Quinto nivel del esquema</a:t>
             </a:r>
-            <a:endParaRPr b="0" lang="es-CO" sz="1800" spc="-1" strike="noStrike">
+            <a:endParaRPr b="0" lang="es-CO" sz="2000" spc="-1" strike="noStrike">
               <a:solidFill>
                 <a:srgbClr val="000000"/>
               </a:solidFill>
@@ -5046,7 +4199,7 @@
               <a:buChar char=""/>
             </a:pPr>
             <a:r>
-              <a:rPr b="0" lang="es-CO" sz="1800" spc="-1" strike="noStrike">
+              <a:rPr b="0" lang="es-CO" sz="2000" spc="-1" strike="noStrike">
                 <a:solidFill>
                   <a:srgbClr val="000000"/>
                 </a:solidFill>
@@ -5054,7 +4207,7 @@
               </a:rPr>
               <a:t>Sexto nivel del esquema</a:t>
             </a:r>
-            <a:endParaRPr b="0" lang="es-CO" sz="1800" spc="-1" strike="noStrike">
+            <a:endParaRPr b="0" lang="es-CO" sz="2000" spc="-1" strike="noStrike">
               <a:solidFill>
                 <a:srgbClr val="000000"/>
               </a:solidFill>
@@ -5074,7 +4227,7 @@
               <a:buChar char=""/>
             </a:pPr>
             <a:r>
-              <a:rPr b="0" lang="es-CO" sz="1800" spc="-1" strike="noStrike">
+              <a:rPr b="0" lang="es-CO" sz="2000" spc="-1" strike="noStrike">
                 <a:solidFill>
                   <a:srgbClr val="000000"/>
                 </a:solidFill>
@@ -5082,7 +4235,7 @@
               </a:rPr>
               <a:t>Séptimo nivel del esquema</a:t>
             </a:r>
-            <a:endParaRPr b="0" lang="es-CO" sz="1800" spc="-1" strike="noStrike">
+            <a:endParaRPr b="0" lang="es-CO" sz="2000" spc="-1" strike="noStrike">
               <a:solidFill>
                 <a:srgbClr val="000000"/>
               </a:solidFill>
@@ -5104,7 +4257,7 @@
         <p:spPr>
           <a:xfrm>
             <a:off x="4038480" y="6356520"/>
-            <a:ext cx="4112640" cy="362880"/>
+            <a:ext cx="4112280" cy="362520"/>
           </a:xfrm>
           <a:prstGeom prst="rect">
             <a:avLst/>
@@ -5176,7 +4329,7 @@
         <p:spPr>
           <a:xfrm>
             <a:off x="8610480" y="6356520"/>
-            <a:ext cx="2741040" cy="362880"/>
+            <a:ext cx="2740680" cy="362520"/>
           </a:xfrm>
           <a:prstGeom prst="rect">
             <a:avLst/>
@@ -5218,7 +4371,7 @@
                 <a:tab algn="l" pos="0"/>
               </a:tabLst>
             </a:pPr>
-            <a:fld id="{7AD56F42-09EB-44B5-A699-AA38C9EE7F66}" type="slidenum">
+            <a:fld id="{2E4829A7-306B-4580-82DC-0563BBC1337A}" type="slidenum">
               <a:rPr b="0" lang="es-CO" sz="1200" spc="-1" strike="noStrike">
                 <a:solidFill>
                   <a:srgbClr val="888888"/>
@@ -5250,7 +4403,7 @@
         <p:spPr>
           <a:xfrm>
             <a:off x="838080" y="6356520"/>
-            <a:ext cx="2741040" cy="362880"/>
+            <a:ext cx="2740680" cy="362520"/>
           </a:xfrm>
           <a:prstGeom prst="rect">
             <a:avLst/>
@@ -5300,9 +4453,7 @@
     </p:spTree>
   </p:cSld>
   <p:clrMap bg1="lt1" bg2="lt2" tx1="dk1" tx2="dk2" accent1="accent1" accent2="accent2" accent3="accent3" accent4="accent4" accent5="accent5" accent6="accent6" hlink="hlink" folHlink="folHlink"/>
-  <p:sldLayoutIdLst>
-    <p:sldLayoutId id="2147483657" r:id="rId2"/>
-  </p:sldLayoutIdLst>
+  <p:sldLayoutIdLst/>
 </p:sldMaster>
 </file>
 
@@ -5332,7 +4483,7 @@
       </p:grpSpPr>
       <p:sp>
         <p:nvSpPr>
-          <p:cNvPr id="24" name="PlaceHolder 1"/>
+          <p:cNvPr id="22" name="PlaceHolder 1"/>
           <p:cNvSpPr>
             <a:spLocks noGrp="1"/>
           </p:cNvSpPr>
@@ -5343,7 +4494,7 @@
         <p:spPr>
           <a:xfrm>
             <a:off x="4038480" y="6356520"/>
-            <a:ext cx="4112640" cy="362880"/>
+            <a:ext cx="4112280" cy="362520"/>
           </a:xfrm>
           <a:prstGeom prst="rect">
             <a:avLst/>
@@ -5404,7 +4555,7 @@
       </p:sp>
       <p:sp>
         <p:nvSpPr>
-          <p:cNvPr id="25" name="PlaceHolder 2"/>
+          <p:cNvPr id="23" name="PlaceHolder 2"/>
           <p:cNvSpPr>
             <a:spLocks noGrp="1"/>
           </p:cNvSpPr>
@@ -5415,7 +4566,7 @@
         <p:spPr>
           <a:xfrm>
             <a:off x="8610480" y="6356520"/>
-            <a:ext cx="2741040" cy="362880"/>
+            <a:ext cx="2740680" cy="362520"/>
           </a:xfrm>
           <a:prstGeom prst="rect">
             <a:avLst/>
@@ -5457,7 +4608,7 @@
                 <a:tab algn="l" pos="0"/>
               </a:tabLst>
             </a:pPr>
-            <a:fld id="{CF8F1479-081F-4A21-BE7D-78DA393F6DD9}" type="slidenum">
+            <a:fld id="{6DCFF535-6CBA-4BA7-A192-467AFDE4BB44}" type="slidenum">
               <a:rPr b="0" lang="es-CO" sz="1200" spc="-1" strike="noStrike">
                 <a:solidFill>
                   <a:srgbClr val="888888"/>
@@ -5478,7 +4629,7 @@
       </p:sp>
       <p:sp>
         <p:nvSpPr>
-          <p:cNvPr id="26" name="PlaceHolder 3"/>
+          <p:cNvPr id="24" name="PlaceHolder 3"/>
           <p:cNvSpPr>
             <a:spLocks noGrp="1"/>
           </p:cNvSpPr>
@@ -5489,7 +4640,7 @@
         <p:spPr>
           <a:xfrm>
             <a:off x="838080" y="6356520"/>
-            <a:ext cx="2741040" cy="362880"/>
+            <a:ext cx="2740680" cy="362520"/>
           </a:xfrm>
           <a:prstGeom prst="rect">
             <a:avLst/>
@@ -5539,9 +4690,7 @@
     </p:spTree>
   </p:cSld>
   <p:clrMap bg1="lt1" bg2="lt2" tx1="dk1" tx2="dk2" accent1="accent1" accent2="accent2" accent3="accent3" accent4="accent4" accent5="accent5" accent6="accent6" hlink="hlink" folHlink="folHlink"/>
-  <p:sldLayoutIdLst>
-    <p:sldLayoutId id="2147483659" r:id="rId2"/>
-  </p:sldLayoutIdLst>
+  <p:sldLayoutIdLst/>
 </p:sldMaster>
 </file>
 
@@ -5571,7 +4720,7 @@
       </p:grpSpPr>
       <p:sp>
         <p:nvSpPr>
-          <p:cNvPr id="27" name="PlaceHolder 1"/>
+          <p:cNvPr id="25" name="PlaceHolder 1"/>
           <p:cNvSpPr>
             <a:spLocks noGrp="1"/>
           </p:cNvSpPr>
@@ -5597,11 +4746,11 @@
             <a:noAutofit/>
           </a:bodyPr>
           <a:p>
-            <a:pPr indent="0">
+            <a:pPr indent="0" algn="ctr">
               <a:buNone/>
             </a:pPr>
             <a:r>
-              <a:rPr b="0" lang="es-CO" sz="1800" spc="-1" strike="noStrike">
+              <a:rPr b="0" lang="es-CO" sz="4400" spc="-1" strike="noStrike">
                 <a:solidFill>
                   <a:srgbClr val="000000"/>
                 </a:solidFill>
@@ -5609,7 +4758,7 @@
               </a:rPr>
               <a:t>Pulse para editar el formato del texto de título</a:t>
             </a:r>
-            <a:endParaRPr b="0" lang="es-CO" sz="1800" spc="-1" strike="noStrike">
+            <a:endParaRPr b="0" lang="es-CO" sz="4400" spc="-1" strike="noStrike">
               <a:solidFill>
                 <a:srgbClr val="000000"/>
               </a:solidFill>
@@ -5620,7 +4769,7 @@
       </p:sp>
       <p:sp>
         <p:nvSpPr>
-          <p:cNvPr id="28" name="PlaceHolder 2"/>
+          <p:cNvPr id="26" name="PlaceHolder 2"/>
           <p:cNvSpPr>
             <a:spLocks noGrp="1"/>
           </p:cNvSpPr>
@@ -5643,7 +4792,7 @@
         </p:spPr>
         <p:txBody>
           <a:bodyPr lIns="0" rIns="0" tIns="0" bIns="0" anchor="t">
-            <a:normAutofit/>
+            <a:normAutofit fontScale="99052" lnSpcReduction="10000"/>
           </a:bodyPr>
           <a:p>
             <a:pPr marL="432000" indent="-324000">
@@ -5658,7 +4807,7 @@
               <a:buChar char=""/>
             </a:pPr>
             <a:r>
-              <a:rPr b="0" lang="es-CO" sz="1800" spc="-1" strike="noStrike">
+              <a:rPr b="0" lang="es-CO" sz="3200" spc="-1" strike="noStrike">
                 <a:solidFill>
                   <a:srgbClr val="000000"/>
                 </a:solidFill>
@@ -5666,7 +4815,7 @@
               </a:rPr>
               <a:t>Pulse para editar el formato de texto del esquema</a:t>
             </a:r>
-            <a:endParaRPr b="0" lang="es-CO" sz="1800" spc="-1" strike="noStrike">
+            <a:endParaRPr b="0" lang="es-CO" sz="3200" spc="-1" strike="noStrike">
               <a:solidFill>
                 <a:srgbClr val="000000"/>
               </a:solidFill>
@@ -5686,7 +4835,7 @@
               <a:buChar char=""/>
             </a:pPr>
             <a:r>
-              <a:rPr b="0" lang="es-CO" sz="1800" spc="-1" strike="noStrike">
+              <a:rPr b="0" lang="es-CO" sz="2800" spc="-1" strike="noStrike">
                 <a:solidFill>
                   <a:srgbClr val="000000"/>
                 </a:solidFill>
@@ -5694,7 +4843,7 @@
               </a:rPr>
               <a:t>Segundo nivel del esquema</a:t>
             </a:r>
-            <a:endParaRPr b="0" lang="es-CO" sz="1800" spc="-1" strike="noStrike">
+            <a:endParaRPr b="0" lang="es-CO" sz="2800" spc="-1" strike="noStrike">
               <a:solidFill>
                 <a:srgbClr val="000000"/>
               </a:solidFill>
@@ -5714,7 +4863,7 @@
               <a:buChar char=""/>
             </a:pPr>
             <a:r>
-              <a:rPr b="0" lang="es-CO" sz="1800" spc="-1" strike="noStrike">
+              <a:rPr b="0" lang="es-CO" sz="2400" spc="-1" strike="noStrike">
                 <a:solidFill>
                   <a:srgbClr val="000000"/>
                 </a:solidFill>
@@ -5722,7 +4871,7 @@
               </a:rPr>
               <a:t>Tercer nivel del esquema</a:t>
             </a:r>
-            <a:endParaRPr b="0" lang="es-CO" sz="1800" spc="-1" strike="noStrike">
+            <a:endParaRPr b="0" lang="es-CO" sz="2400" spc="-1" strike="noStrike">
               <a:solidFill>
                 <a:srgbClr val="000000"/>
               </a:solidFill>
@@ -5742,7 +4891,7 @@
               <a:buChar char=""/>
             </a:pPr>
             <a:r>
-              <a:rPr b="0" lang="es-CO" sz="1800" spc="-1" strike="noStrike">
+              <a:rPr b="0" lang="es-CO" sz="2000" spc="-1" strike="noStrike">
                 <a:solidFill>
                   <a:srgbClr val="000000"/>
                 </a:solidFill>
@@ -5750,7 +4899,7 @@
               </a:rPr>
               <a:t>Cuarto nivel del esquema</a:t>
             </a:r>
-            <a:endParaRPr b="0" lang="es-CO" sz="1800" spc="-1" strike="noStrike">
+            <a:endParaRPr b="0" lang="es-CO" sz="2000" spc="-1" strike="noStrike">
               <a:solidFill>
                 <a:srgbClr val="000000"/>
               </a:solidFill>
@@ -5770,7 +4919,7 @@
               <a:buChar char=""/>
             </a:pPr>
             <a:r>
-              <a:rPr b="0" lang="es-CO" sz="1800" spc="-1" strike="noStrike">
+              <a:rPr b="0" lang="es-CO" sz="2000" spc="-1" strike="noStrike">
                 <a:solidFill>
                   <a:srgbClr val="000000"/>
                 </a:solidFill>
@@ -5778,7 +4927,7 @@
               </a:rPr>
               <a:t>Quinto nivel del esquema</a:t>
             </a:r>
-            <a:endParaRPr b="0" lang="es-CO" sz="1800" spc="-1" strike="noStrike">
+            <a:endParaRPr b="0" lang="es-CO" sz="2000" spc="-1" strike="noStrike">
               <a:solidFill>
                 <a:srgbClr val="000000"/>
               </a:solidFill>
@@ -5798,7 +4947,7 @@
               <a:buChar char=""/>
             </a:pPr>
             <a:r>
-              <a:rPr b="0" lang="es-CO" sz="1800" spc="-1" strike="noStrike">
+              <a:rPr b="0" lang="es-CO" sz="2000" spc="-1" strike="noStrike">
                 <a:solidFill>
                   <a:srgbClr val="000000"/>
                 </a:solidFill>
@@ -5806,7 +4955,7 @@
               </a:rPr>
               <a:t>Sexto nivel del esquema</a:t>
             </a:r>
-            <a:endParaRPr b="0" lang="es-CO" sz="1800" spc="-1" strike="noStrike">
+            <a:endParaRPr b="0" lang="es-CO" sz="2000" spc="-1" strike="noStrike">
               <a:solidFill>
                 <a:srgbClr val="000000"/>
               </a:solidFill>
@@ -5826,7 +4975,7 @@
               <a:buChar char=""/>
             </a:pPr>
             <a:r>
-              <a:rPr b="0" lang="es-CO" sz="1800" spc="-1" strike="noStrike">
+              <a:rPr b="0" lang="es-CO" sz="2000" spc="-1" strike="noStrike">
                 <a:solidFill>
                   <a:srgbClr val="000000"/>
                 </a:solidFill>
@@ -5834,7 +4983,7 @@
               </a:rPr>
               <a:t>Séptimo nivel del esquema</a:t>
             </a:r>
-            <a:endParaRPr b="0" lang="es-CO" sz="1800" spc="-1" strike="noStrike">
+            <a:endParaRPr b="0" lang="es-CO" sz="2000" spc="-1" strike="noStrike">
               <a:solidFill>
                 <a:srgbClr val="000000"/>
               </a:solidFill>
@@ -5845,7 +4994,7 @@
       </p:sp>
       <p:sp>
         <p:nvSpPr>
-          <p:cNvPr id="29" name="PlaceHolder 3"/>
+          <p:cNvPr id="27" name="PlaceHolder 3"/>
           <p:cNvSpPr>
             <a:spLocks noGrp="1"/>
           </p:cNvSpPr>
@@ -5868,7 +5017,7 @@
         </p:spPr>
         <p:txBody>
           <a:bodyPr lIns="0" rIns="0" tIns="0" bIns="0" anchor="t">
-            <a:normAutofit/>
+            <a:normAutofit fontScale="99052" lnSpcReduction="10000"/>
           </a:bodyPr>
           <a:p>
             <a:pPr marL="432000" indent="-324000">
@@ -5883,7 +5032,7 @@
               <a:buChar char=""/>
             </a:pPr>
             <a:r>
-              <a:rPr b="0" lang="es-CO" sz="1800" spc="-1" strike="noStrike">
+              <a:rPr b="0" lang="es-CO" sz="3200" spc="-1" strike="noStrike">
                 <a:solidFill>
                   <a:srgbClr val="000000"/>
                 </a:solidFill>
@@ -5891,7 +5040,7 @@
               </a:rPr>
               <a:t>Pulse para editar el formato de texto del esquema</a:t>
             </a:r>
-            <a:endParaRPr b="0" lang="es-CO" sz="1800" spc="-1" strike="noStrike">
+            <a:endParaRPr b="0" lang="es-CO" sz="3200" spc="-1" strike="noStrike">
               <a:solidFill>
                 <a:srgbClr val="000000"/>
               </a:solidFill>
@@ -5911,7 +5060,7 @@
               <a:buChar char=""/>
             </a:pPr>
             <a:r>
-              <a:rPr b="0" lang="es-CO" sz="1800" spc="-1" strike="noStrike">
+              <a:rPr b="0" lang="es-CO" sz="2800" spc="-1" strike="noStrike">
                 <a:solidFill>
                   <a:srgbClr val="000000"/>
                 </a:solidFill>
@@ -5919,7 +5068,7 @@
               </a:rPr>
               <a:t>Segundo nivel del esquema</a:t>
             </a:r>
-            <a:endParaRPr b="0" lang="es-CO" sz="1800" spc="-1" strike="noStrike">
+            <a:endParaRPr b="0" lang="es-CO" sz="2800" spc="-1" strike="noStrike">
               <a:solidFill>
                 <a:srgbClr val="000000"/>
               </a:solidFill>
@@ -5939,7 +5088,7 @@
               <a:buChar char=""/>
             </a:pPr>
             <a:r>
-              <a:rPr b="0" lang="es-CO" sz="1800" spc="-1" strike="noStrike">
+              <a:rPr b="0" lang="es-CO" sz="2400" spc="-1" strike="noStrike">
                 <a:solidFill>
                   <a:srgbClr val="000000"/>
                 </a:solidFill>
@@ -5947,7 +5096,7 @@
               </a:rPr>
               <a:t>Tercer nivel del esquema</a:t>
             </a:r>
-            <a:endParaRPr b="0" lang="es-CO" sz="1800" spc="-1" strike="noStrike">
+            <a:endParaRPr b="0" lang="es-CO" sz="2400" spc="-1" strike="noStrike">
               <a:solidFill>
                 <a:srgbClr val="000000"/>
               </a:solidFill>
@@ -5967,7 +5116,7 @@
               <a:buChar char=""/>
             </a:pPr>
             <a:r>
-              <a:rPr b="0" lang="es-CO" sz="1800" spc="-1" strike="noStrike">
+              <a:rPr b="0" lang="es-CO" sz="2000" spc="-1" strike="noStrike">
                 <a:solidFill>
                   <a:srgbClr val="000000"/>
                 </a:solidFill>
@@ -5975,7 +5124,7 @@
               </a:rPr>
               <a:t>Cuarto nivel del esquema</a:t>
             </a:r>
-            <a:endParaRPr b="0" lang="es-CO" sz="1800" spc="-1" strike="noStrike">
+            <a:endParaRPr b="0" lang="es-CO" sz="2000" spc="-1" strike="noStrike">
               <a:solidFill>
                 <a:srgbClr val="000000"/>
               </a:solidFill>
@@ -5995,7 +5144,7 @@
               <a:buChar char=""/>
             </a:pPr>
             <a:r>
-              <a:rPr b="0" lang="es-CO" sz="1800" spc="-1" strike="noStrike">
+              <a:rPr b="0" lang="es-CO" sz="2000" spc="-1" strike="noStrike">
                 <a:solidFill>
                   <a:srgbClr val="000000"/>
                 </a:solidFill>
@@ -6003,7 +5152,7 @@
               </a:rPr>
               <a:t>Quinto nivel del esquema</a:t>
             </a:r>
-            <a:endParaRPr b="0" lang="es-CO" sz="1800" spc="-1" strike="noStrike">
+            <a:endParaRPr b="0" lang="es-CO" sz="2000" spc="-1" strike="noStrike">
               <a:solidFill>
                 <a:srgbClr val="000000"/>
               </a:solidFill>
@@ -6023,7 +5172,7 @@
               <a:buChar char=""/>
             </a:pPr>
             <a:r>
-              <a:rPr b="0" lang="es-CO" sz="1800" spc="-1" strike="noStrike">
+              <a:rPr b="0" lang="es-CO" sz="2000" spc="-1" strike="noStrike">
                 <a:solidFill>
                   <a:srgbClr val="000000"/>
                 </a:solidFill>
@@ -6031,7 +5180,7 @@
               </a:rPr>
               <a:t>Sexto nivel del esquema</a:t>
             </a:r>
-            <a:endParaRPr b="0" lang="es-CO" sz="1800" spc="-1" strike="noStrike">
+            <a:endParaRPr b="0" lang="es-CO" sz="2000" spc="-1" strike="noStrike">
               <a:solidFill>
                 <a:srgbClr val="000000"/>
               </a:solidFill>
@@ -6051,7 +5200,7 @@
               <a:buChar char=""/>
             </a:pPr>
             <a:r>
-              <a:rPr b="0" lang="es-CO" sz="1800" spc="-1" strike="noStrike">
+              <a:rPr b="0" lang="es-CO" sz="2000" spc="-1" strike="noStrike">
                 <a:solidFill>
                   <a:srgbClr val="000000"/>
                 </a:solidFill>
@@ -6059,7 +5208,7 @@
               </a:rPr>
               <a:t>Séptimo nivel del esquema</a:t>
             </a:r>
-            <a:endParaRPr b="0" lang="es-CO" sz="1800" spc="-1" strike="noStrike">
+            <a:endParaRPr b="0" lang="es-CO" sz="2000" spc="-1" strike="noStrike">
               <a:solidFill>
                 <a:srgbClr val="000000"/>
               </a:solidFill>
@@ -6070,7 +5219,7 @@
       </p:sp>
       <p:sp>
         <p:nvSpPr>
-          <p:cNvPr id="30" name="PlaceHolder 4"/>
+          <p:cNvPr id="28" name="PlaceHolder 4"/>
           <p:cNvSpPr>
             <a:spLocks noGrp="1"/>
           </p:cNvSpPr>
@@ -6081,7 +5230,7 @@
         <p:spPr>
           <a:xfrm>
             <a:off x="4038480" y="6356520"/>
-            <a:ext cx="4112640" cy="362880"/>
+            <a:ext cx="4112280" cy="362520"/>
           </a:xfrm>
           <a:prstGeom prst="rect">
             <a:avLst/>
@@ -6142,7 +5291,7 @@
       </p:sp>
       <p:sp>
         <p:nvSpPr>
-          <p:cNvPr id="31" name="PlaceHolder 5"/>
+          <p:cNvPr id="29" name="PlaceHolder 5"/>
           <p:cNvSpPr>
             <a:spLocks noGrp="1"/>
           </p:cNvSpPr>
@@ -6153,7 +5302,7 @@
         <p:spPr>
           <a:xfrm>
             <a:off x="8610480" y="6356520"/>
-            <a:ext cx="2741040" cy="362880"/>
+            <a:ext cx="2740680" cy="362520"/>
           </a:xfrm>
           <a:prstGeom prst="rect">
             <a:avLst/>
@@ -6195,7 +5344,7 @@
                 <a:tab algn="l" pos="0"/>
               </a:tabLst>
             </a:pPr>
-            <a:fld id="{1086FD34-1DFB-4C2B-AEBA-8868C0C931D8}" type="slidenum">
+            <a:fld id="{2BF33D24-0B89-4304-95C5-BF51C92F499F}" type="slidenum">
               <a:rPr b="0" lang="es-CO" sz="1200" spc="-1" strike="noStrike">
                 <a:solidFill>
                   <a:srgbClr val="888888"/>
@@ -6216,7 +5365,7 @@
       </p:sp>
       <p:sp>
         <p:nvSpPr>
-          <p:cNvPr id="32" name="PlaceHolder 6"/>
+          <p:cNvPr id="30" name="PlaceHolder 6"/>
           <p:cNvSpPr>
             <a:spLocks noGrp="1"/>
           </p:cNvSpPr>
@@ -6227,7 +5376,7 @@
         <p:spPr>
           <a:xfrm>
             <a:off x="838080" y="6356520"/>
-            <a:ext cx="2741040" cy="362880"/>
+            <a:ext cx="2740680" cy="362520"/>
           </a:xfrm>
           <a:prstGeom prst="rect">
             <a:avLst/>
@@ -6277,9 +5426,7 @@
     </p:spTree>
   </p:cSld>
   <p:clrMap bg1="lt1" bg2="lt2" tx1="dk1" tx2="dk2" accent1="accent1" accent2="accent2" accent3="accent3" accent4="accent4" accent5="accent5" accent6="accent6" hlink="hlink" folHlink="folHlink"/>
-  <p:sldLayoutIdLst>
-    <p:sldLayoutId id="2147483661" r:id="rId2"/>
-  </p:sldLayoutIdLst>
+  <p:sldLayoutIdLst/>
 </p:sldMaster>
 </file>
 
@@ -6309,7 +5456,7 @@
       </p:grpSpPr>
       <p:sp>
         <p:nvSpPr>
-          <p:cNvPr id="36" name="PlaceHolder 1"/>
+          <p:cNvPr id="31" name="PlaceHolder 1"/>
           <p:cNvSpPr>
             <a:spLocks noGrp="1"/>
           </p:cNvSpPr>
@@ -6320,7 +5467,7 @@
         <p:spPr>
           <a:xfrm>
             <a:off x="4038480" y="6356520"/>
-            <a:ext cx="4112640" cy="362880"/>
+            <a:ext cx="4112280" cy="362520"/>
           </a:xfrm>
           <a:prstGeom prst="rect">
             <a:avLst/>
@@ -6381,7 +5528,7 @@
       </p:sp>
       <p:sp>
         <p:nvSpPr>
-          <p:cNvPr id="37" name="PlaceHolder 2"/>
+          <p:cNvPr id="32" name="PlaceHolder 2"/>
           <p:cNvSpPr>
             <a:spLocks noGrp="1"/>
           </p:cNvSpPr>
@@ -6392,7 +5539,7 @@
         <p:spPr>
           <a:xfrm>
             <a:off x="8610480" y="6356520"/>
-            <a:ext cx="2741040" cy="362880"/>
+            <a:ext cx="2740680" cy="362520"/>
           </a:xfrm>
           <a:prstGeom prst="rect">
             <a:avLst/>
@@ -6434,7 +5581,7 @@
                 <a:tab algn="l" pos="0"/>
               </a:tabLst>
             </a:pPr>
-            <a:fld id="{84030D88-3958-44E7-98D8-F62234B1C382}" type="slidenum">
+            <a:fld id="{5F37ED4F-5D15-4918-8677-DCDD5D5248D9}" type="slidenum">
               <a:rPr b="0" lang="es-CO" sz="1200" spc="-1" strike="noStrike">
                 <a:solidFill>
                   <a:srgbClr val="888888"/>
@@ -6455,7 +5602,7 @@
       </p:sp>
       <p:sp>
         <p:nvSpPr>
-          <p:cNvPr id="38" name="PlaceHolder 3"/>
+          <p:cNvPr id="33" name="PlaceHolder 3"/>
           <p:cNvSpPr>
             <a:spLocks noGrp="1"/>
           </p:cNvSpPr>
@@ -6466,7 +5613,7 @@
         <p:spPr>
           <a:xfrm>
             <a:off x="838080" y="6356520"/>
-            <a:ext cx="2741040" cy="362880"/>
+            <a:ext cx="2740680" cy="362520"/>
           </a:xfrm>
           <a:prstGeom prst="rect">
             <a:avLst/>
@@ -6516,9 +5663,7 @@
     </p:spTree>
   </p:cSld>
   <p:clrMap bg1="lt1" bg2="lt2" tx1="dk1" tx2="dk2" accent1="accent1" accent2="accent2" accent3="accent3" accent4="accent4" accent5="accent5" accent6="accent6" hlink="hlink" folHlink="folHlink"/>
-  <p:sldLayoutIdLst>
-    <p:sldLayoutId id="2147483663" r:id="rId2"/>
-  </p:sldLayoutIdLst>
+  <p:sldLayoutIdLst/>
 </p:sldMaster>
 </file>
 
@@ -6548,7 +5693,7 @@
       </p:grpSpPr>
       <p:sp>
         <p:nvSpPr>
-          <p:cNvPr id="39" name="PlaceHolder 1"/>
+          <p:cNvPr id="34" name="PlaceHolder 1"/>
           <p:cNvSpPr>
             <a:spLocks noGrp="1"/>
           </p:cNvSpPr>
@@ -6574,11 +5719,11 @@
             <a:noAutofit/>
           </a:bodyPr>
           <a:p>
-            <a:pPr indent="0">
+            <a:pPr indent="0" algn="ctr">
               <a:buNone/>
             </a:pPr>
             <a:r>
-              <a:rPr b="0" lang="es-CO" sz="1800" spc="-1" strike="noStrike">
+              <a:rPr b="0" lang="es-CO" sz="4400" spc="-1" strike="noStrike">
                 <a:solidFill>
                   <a:srgbClr val="000000"/>
                 </a:solidFill>
@@ -6586,7 +5731,7 @@
               </a:rPr>
               <a:t>Pulse para editar el formato del texto de título</a:t>
             </a:r>
-            <a:endParaRPr b="0" lang="es-CO" sz="1800" spc="-1" strike="noStrike">
+            <a:endParaRPr b="0" lang="es-CO" sz="4400" spc="-1" strike="noStrike">
               <a:solidFill>
                 <a:srgbClr val="000000"/>
               </a:solidFill>
@@ -6597,7 +5742,7 @@
       </p:sp>
       <p:sp>
         <p:nvSpPr>
-          <p:cNvPr id="40" name="PlaceHolder 2"/>
+          <p:cNvPr id="35" name="PlaceHolder 2"/>
           <p:cNvSpPr>
             <a:spLocks noGrp="1"/>
           </p:cNvSpPr>
@@ -6608,7 +5753,7 @@
         <p:spPr>
           <a:xfrm>
             <a:off x="4038480" y="6356520"/>
-            <a:ext cx="4112640" cy="362880"/>
+            <a:ext cx="4112280" cy="362520"/>
           </a:xfrm>
           <a:prstGeom prst="rect">
             <a:avLst/>
@@ -6669,7 +5814,7 @@
       </p:sp>
       <p:sp>
         <p:nvSpPr>
-          <p:cNvPr id="41" name="PlaceHolder 3"/>
+          <p:cNvPr id="36" name="PlaceHolder 3"/>
           <p:cNvSpPr>
             <a:spLocks noGrp="1"/>
           </p:cNvSpPr>
@@ -6680,7 +5825,7 @@
         <p:spPr>
           <a:xfrm>
             <a:off x="8610480" y="6356520"/>
-            <a:ext cx="2741040" cy="362880"/>
+            <a:ext cx="2740680" cy="362520"/>
           </a:xfrm>
           <a:prstGeom prst="rect">
             <a:avLst/>
@@ -6722,7 +5867,7 @@
                 <a:tab algn="l" pos="0"/>
               </a:tabLst>
             </a:pPr>
-            <a:fld id="{01D0A102-61A0-412C-BA75-0188554E24E1}" type="slidenum">
+            <a:fld id="{A5CA3E9F-C8DF-4875-9E7B-8D2C984B5D38}" type="slidenum">
               <a:rPr b="0" lang="es-CO" sz="1200" spc="-1" strike="noStrike">
                 <a:solidFill>
                   <a:srgbClr val="888888"/>
@@ -6743,7 +5888,7 @@
       </p:sp>
       <p:sp>
         <p:nvSpPr>
-          <p:cNvPr id="42" name="PlaceHolder 4"/>
+          <p:cNvPr id="37" name="PlaceHolder 4"/>
           <p:cNvSpPr>
             <a:spLocks noGrp="1"/>
           </p:cNvSpPr>
@@ -6754,7 +5899,7 @@
         <p:spPr>
           <a:xfrm>
             <a:off x="838080" y="6356520"/>
-            <a:ext cx="2741040" cy="362880"/>
+            <a:ext cx="2740680" cy="362520"/>
           </a:xfrm>
           <a:prstGeom prst="rect">
             <a:avLst/>
@@ -6804,9 +5949,7 @@
     </p:spTree>
   </p:cSld>
   <p:clrMap bg1="lt1" bg2="lt2" tx1="dk1" tx2="dk2" accent1="accent1" accent2="accent2" accent3="accent3" accent4="accent4" accent5="accent5" accent6="accent6" hlink="hlink" folHlink="folHlink"/>
-  <p:sldLayoutIdLst>
-    <p:sldLayoutId id="2147483665" r:id="rId2"/>
-  </p:sldLayoutIdLst>
+  <p:sldLayoutIdLst/>
 </p:sldMaster>
 </file>
 
@@ -6829,21 +5972,21 @@
       </p:grpSpPr>
       <p:grpSp>
         <p:nvGrpSpPr>
-          <p:cNvPr id="56" name="Google Shape;89;g1f213c8c16b_0_0"/>
+          <p:cNvPr id="50" name="Google Shape;89;g1f213c8c16b_0_0"/>
           <p:cNvGrpSpPr/>
           <p:nvPr/>
         </p:nvGrpSpPr>
         <p:grpSpPr>
           <a:xfrm>
             <a:off x="0" y="0"/>
-            <a:ext cx="12189960" cy="6855840"/>
+            <a:ext cx="12189600" cy="6855480"/>
             <a:chOff x="0" y="0"/>
-            <a:chExt cx="12189960" cy="6855840"/>
+            <a:chExt cx="12189600" cy="6855480"/>
           </a:xfrm>
         </p:grpSpPr>
         <p:pic>
           <p:nvPicPr>
-            <p:cNvPr id="57" name="Google Shape;90;g1f213c8c16b_0_0" descr=""/>
+            <p:cNvPr id="51" name="Google Shape;90;g1f213c8c16b_0_0" descr=""/>
             <p:cNvPicPr/>
             <p:nvPr/>
           </p:nvPicPr>
@@ -6855,7 +5998,7 @@
           <p:spPr>
             <a:xfrm>
               <a:off x="0" y="0"/>
-              <a:ext cx="12189960" cy="6855840"/>
+              <a:ext cx="12189600" cy="6855480"/>
             </a:xfrm>
             <a:prstGeom prst="rect">
               <a:avLst/>
@@ -6867,7 +6010,7 @@
         </p:pic>
         <p:pic>
           <p:nvPicPr>
-            <p:cNvPr id="58" name="Google Shape;91;g1f213c8c16b_0_0" descr=""/>
+            <p:cNvPr id="52" name="Google Shape;91;g1f213c8c16b_0_0" descr=""/>
             <p:cNvPicPr/>
             <p:nvPr/>
           </p:nvPicPr>
@@ -6878,7 +6021,7 @@
           <p:spPr>
             <a:xfrm>
               <a:off x="0" y="0"/>
-              <a:ext cx="12189960" cy="6855840"/>
+              <a:ext cx="12189600" cy="6855480"/>
             </a:xfrm>
             <a:prstGeom prst="rect">
               <a:avLst/>
@@ -6891,7 +6034,7 @@
       </p:grpSp>
       <p:pic>
         <p:nvPicPr>
-          <p:cNvPr id="59" name="Google Shape;92;g1f213c8c16b_0_0" descr=""/>
+          <p:cNvPr id="53" name="Google Shape;92;g1f213c8c16b_0_0" descr=""/>
           <p:cNvPicPr/>
           <p:nvPr/>
         </p:nvPicPr>
@@ -6902,7 +6045,7 @@
         <p:spPr>
           <a:xfrm>
             <a:off x="4219200" y="647640"/>
-            <a:ext cx="3751920" cy="1796760"/>
+            <a:ext cx="3751560" cy="1796400"/>
           </a:xfrm>
           <a:prstGeom prst="rect">
             <a:avLst/>
@@ -6914,14 +6057,14 @@
       </p:pic>
       <p:sp>
         <p:nvSpPr>
-          <p:cNvPr id="60" name="Google Shape;93;g1f213c8c16b_0_0"/>
+          <p:cNvPr id="54" name="Google Shape;93;g1f213c8c16b_0_0"/>
           <p:cNvSpPr/>
           <p:nvPr/>
         </p:nvSpPr>
         <p:spPr>
           <a:xfrm>
             <a:off x="2158560" y="2392560"/>
-            <a:ext cx="7872480" cy="1156320"/>
+            <a:ext cx="7872120" cy="1157040"/>
           </a:xfrm>
           <a:prstGeom prst="rect">
             <a:avLst/>
@@ -6971,14 +6114,14 @@
       </p:sp>
       <p:sp>
         <p:nvSpPr>
-          <p:cNvPr id="61" name="Google Shape;94;g1f213c8c16b_0_0"/>
+          <p:cNvPr id="55" name="Google Shape;94;g1f213c8c16b_0_0"/>
           <p:cNvSpPr/>
           <p:nvPr/>
         </p:nvSpPr>
         <p:spPr>
           <a:xfrm>
             <a:off x="2185200" y="3582000"/>
-            <a:ext cx="7872480" cy="699120"/>
+            <a:ext cx="7872120" cy="699840"/>
           </a:xfrm>
           <a:prstGeom prst="rect">
             <a:avLst/>
@@ -7038,7 +6181,7 @@
       </p:sp>
       <p:pic>
         <p:nvPicPr>
-          <p:cNvPr id="62" name="Google Shape;95;g1f213c8c16b_0_0" descr=""/>
+          <p:cNvPr id="56" name="Google Shape;95;g1f213c8c16b_0_0" descr=""/>
           <p:cNvPicPr/>
           <p:nvPr/>
         </p:nvPicPr>
@@ -7049,7 +6192,7 @@
         <p:spPr>
           <a:xfrm>
             <a:off x="9712800" y="5933520"/>
-            <a:ext cx="2162880" cy="667440"/>
+            <a:ext cx="2162520" cy="667080"/>
           </a:xfrm>
           <a:prstGeom prst="rect">
             <a:avLst/>
@@ -7061,21 +6204,21 @@
       </p:pic>
       <p:grpSp>
         <p:nvGrpSpPr>
-          <p:cNvPr id="63" name="Google Shape;96;g1f213c8c16b_0_0"/>
+          <p:cNvPr id="57" name="Google Shape;96;g1f213c8c16b_0_0"/>
           <p:cNvGrpSpPr/>
           <p:nvPr/>
         </p:nvGrpSpPr>
         <p:grpSpPr>
           <a:xfrm>
             <a:off x="626400" y="254520"/>
-            <a:ext cx="11249280" cy="981000"/>
+            <a:ext cx="11248920" cy="980640"/>
             <a:chOff x="626400" y="254520"/>
-            <a:chExt cx="11249280" cy="981000"/>
+            <a:chExt cx="11248920" cy="980640"/>
           </a:xfrm>
         </p:grpSpPr>
         <p:pic>
           <p:nvPicPr>
-            <p:cNvPr id="64" name="Google Shape;97;g1f213c8c16b_0_0" descr=""/>
+            <p:cNvPr id="58" name="Google Shape;97;g1f213c8c16b_0_0" descr=""/>
             <p:cNvPicPr/>
             <p:nvPr/>
           </p:nvPicPr>
@@ -7086,7 +6229,7 @@
           <p:spPr>
             <a:xfrm>
               <a:off x="10059840" y="254520"/>
-              <a:ext cx="1815840" cy="981000"/>
+              <a:ext cx="1815480" cy="980640"/>
             </a:xfrm>
             <a:prstGeom prst="rect">
               <a:avLst/>
@@ -7098,7 +6241,7 @@
         </p:pic>
         <p:pic>
           <p:nvPicPr>
-            <p:cNvPr id="65" name="Google Shape;98;g1f213c8c16b_0_0" descr=""/>
+            <p:cNvPr id="59" name="Google Shape;98;g1f213c8c16b_0_0" descr=""/>
             <p:cNvPicPr/>
             <p:nvPr/>
           </p:nvPicPr>
@@ -7109,7 +6252,7 @@
           <p:spPr>
             <a:xfrm>
               <a:off x="626400" y="484200"/>
-              <a:ext cx="1503720" cy="522360"/>
+              <a:ext cx="1503360" cy="522000"/>
             </a:xfrm>
             <a:prstGeom prst="rect">
               <a:avLst/>
@@ -7122,14 +6265,14 @@
       </p:grpSp>
       <p:sp>
         <p:nvSpPr>
-          <p:cNvPr id="66" name="Google Shape;99;g1f213c8c16b_0_0"/>
+          <p:cNvPr id="60" name="Google Shape;99;g1f213c8c16b_0_0"/>
           <p:cNvSpPr/>
           <p:nvPr/>
         </p:nvSpPr>
         <p:spPr>
           <a:xfrm>
             <a:off x="4545360" y="4447800"/>
-            <a:ext cx="2817720" cy="921240"/>
+            <a:ext cx="2817360" cy="920880"/>
           </a:xfrm>
           <a:prstGeom prst="rect">
             <a:avLst/>
@@ -7229,6 +6372,228 @@
           </a:p>
         </p:txBody>
       </p:sp>
+    </p:spTree>
+  </p:cSld>
+  <mc:AlternateContent>
+    <mc:Choice Requires="p14">
+      <p:transition spd="slow" p14:dur="2000"/>
+    </mc:Choice>
+    <mc:Fallback>
+      <p:transition spd="slow"/>
+    </mc:Fallback>
+  </mc:AlternateContent>
+</p:sld>
+</file>
+
+<file path=ppt/slides/slide10.xml><?xml version="1.0" encoding="utf-8"?>
+<p:sld xmlns:a="http://schemas.openxmlformats.org/drawingml/2006/main" xmlns:p="http://schemas.openxmlformats.org/presentationml/2006/main" xmlns:r="http://schemas.openxmlformats.org/officeDocument/2006/relationships" xmlns:p14="http://schemas.microsoft.com/office/powerpoint/2010/main" xmlns:p15="http://schemas.microsoft.com/office/powerpoint/2012/main" xmlns:mc="http://schemas.openxmlformats.org/markup-compatibility/2006">
+  <p:cSld>
+    <p:spTree>
+      <p:nvGrpSpPr>
+        <p:cNvPr id="1" name=""/>
+        <p:cNvGrpSpPr/>
+        <p:nvPr/>
+      </p:nvGrpSpPr>
+      <p:grpSpPr>
+        <a:xfrm>
+          <a:off x="0" y="0"/>
+          <a:ext cx="0" cy="0"/>
+          <a:chOff x="0" y="0"/>
+          <a:chExt cx="0" cy="0"/>
+        </a:xfrm>
+      </p:grpSpPr>
+      <p:grpSp>
+        <p:nvGrpSpPr>
+          <p:cNvPr id="148" name="Google Shape;323;g1f213c8c16b_0_222"/>
+          <p:cNvGrpSpPr/>
+          <p:nvPr/>
+        </p:nvGrpSpPr>
+        <p:grpSpPr>
+          <a:xfrm>
+            <a:off x="0" y="0"/>
+            <a:ext cx="12189600" cy="6855480"/>
+            <a:chOff x="0" y="0"/>
+            <a:chExt cx="12189600" cy="6855480"/>
+          </a:xfrm>
+        </p:grpSpPr>
+        <p:pic>
+          <p:nvPicPr>
+            <p:cNvPr id="149" name="Google Shape;324;g1f213c8c16b_0_222" descr=""/>
+            <p:cNvPicPr/>
+            <p:nvPr/>
+          </p:nvPicPr>
+          <p:blipFill>
+            <a:blip r:embed="rId1"/>
+            <a:srcRect l="7813" t="0" r="7813" b="7535"/>
+            <a:stretch/>
+          </p:blipFill>
+          <p:spPr>
+            <a:xfrm>
+              <a:off x="0" y="0"/>
+              <a:ext cx="12189600" cy="6855480"/>
+            </a:xfrm>
+            <a:prstGeom prst="rect">
+              <a:avLst/>
+            </a:prstGeom>
+            <a:ln w="0">
+              <a:noFill/>
+            </a:ln>
+          </p:spPr>
+        </p:pic>
+        <p:pic>
+          <p:nvPicPr>
+            <p:cNvPr id="150" name="Google Shape;325;g1f213c8c16b_0_222" descr=""/>
+            <p:cNvPicPr/>
+            <p:nvPr/>
+          </p:nvPicPr>
+          <p:blipFill>
+            <a:blip r:embed="rId2"/>
+            <a:stretch/>
+          </p:blipFill>
+          <p:spPr>
+            <a:xfrm>
+              <a:off x="0" y="0"/>
+              <a:ext cx="12189600" cy="6855480"/>
+            </a:xfrm>
+            <a:prstGeom prst="rect">
+              <a:avLst/>
+            </a:prstGeom>
+            <a:ln w="0">
+              <a:noFill/>
+            </a:ln>
+          </p:spPr>
+        </p:pic>
+      </p:grpSp>
+      <p:pic>
+        <p:nvPicPr>
+          <p:cNvPr id="151" name="Google Shape;326;g1f213c8c16b_0_222" descr=""/>
+          <p:cNvPicPr/>
+          <p:nvPr/>
+        </p:nvPicPr>
+        <p:blipFill>
+          <a:blip r:embed="rId3"/>
+          <a:stretch/>
+        </p:blipFill>
+        <p:spPr>
+          <a:xfrm>
+            <a:off x="2340720" y="1970640"/>
+            <a:ext cx="7508520" cy="2913840"/>
+          </a:xfrm>
+          <a:prstGeom prst="rect">
+            <a:avLst/>
+          </a:prstGeom>
+          <a:ln w="0">
+            <a:noFill/>
+          </a:ln>
+        </p:spPr>
+      </p:pic>
+      <p:pic>
+        <p:nvPicPr>
+          <p:cNvPr id="152" name="Google Shape;327;g1f213c8c16b_0_222" descr=""/>
+          <p:cNvPicPr/>
+          <p:nvPr/>
+        </p:nvPicPr>
+        <p:blipFill>
+          <a:blip r:embed="rId4"/>
+          <a:stretch/>
+        </p:blipFill>
+        <p:spPr>
+          <a:xfrm>
+            <a:off x="4592160" y="324000"/>
+            <a:ext cx="3004920" cy="1438560"/>
+          </a:xfrm>
+          <a:prstGeom prst="rect">
+            <a:avLst/>
+          </a:prstGeom>
+          <a:ln w="0">
+            <a:noFill/>
+          </a:ln>
+        </p:spPr>
+      </p:pic>
+      <p:pic>
+        <p:nvPicPr>
+          <p:cNvPr id="153" name="Google Shape;328;g1f213c8c16b_0_222" descr=""/>
+          <p:cNvPicPr/>
+          <p:nvPr/>
+        </p:nvPicPr>
+        <p:blipFill>
+          <a:blip r:embed="rId5"/>
+          <a:stretch/>
+        </p:blipFill>
+        <p:spPr>
+          <a:xfrm>
+            <a:off x="9712800" y="5933520"/>
+            <a:ext cx="2162520" cy="667080"/>
+          </a:xfrm>
+          <a:prstGeom prst="rect">
+            <a:avLst/>
+          </a:prstGeom>
+          <a:ln w="0">
+            <a:noFill/>
+          </a:ln>
+        </p:spPr>
+      </p:pic>
+      <p:grpSp>
+        <p:nvGrpSpPr>
+          <p:cNvPr id="154" name="Google Shape;329;g1f213c8c16b_0_222"/>
+          <p:cNvGrpSpPr/>
+          <p:nvPr/>
+        </p:nvGrpSpPr>
+        <p:grpSpPr>
+          <a:xfrm>
+            <a:off x="626400" y="254520"/>
+            <a:ext cx="11248920" cy="980640"/>
+            <a:chOff x="626400" y="254520"/>
+            <a:chExt cx="11248920" cy="980640"/>
+          </a:xfrm>
+        </p:grpSpPr>
+        <p:pic>
+          <p:nvPicPr>
+            <p:cNvPr id="155" name="Google Shape;330;g1f213c8c16b_0_222" descr=""/>
+            <p:cNvPicPr/>
+            <p:nvPr/>
+          </p:nvPicPr>
+          <p:blipFill>
+            <a:blip r:embed="rId6"/>
+            <a:stretch/>
+          </p:blipFill>
+          <p:spPr>
+            <a:xfrm>
+              <a:off x="10059840" y="254520"/>
+              <a:ext cx="1815480" cy="980640"/>
+            </a:xfrm>
+            <a:prstGeom prst="rect">
+              <a:avLst/>
+            </a:prstGeom>
+            <a:ln w="0">
+              <a:noFill/>
+            </a:ln>
+          </p:spPr>
+        </p:pic>
+        <p:pic>
+          <p:nvPicPr>
+            <p:cNvPr id="156" name="Google Shape;331;g1f213c8c16b_0_222" descr=""/>
+            <p:cNvPicPr/>
+            <p:nvPr/>
+          </p:nvPicPr>
+          <p:blipFill>
+            <a:blip r:embed="rId7"/>
+            <a:stretch/>
+          </p:blipFill>
+          <p:spPr>
+            <a:xfrm>
+              <a:off x="626400" y="484200"/>
+              <a:ext cx="1503360" cy="522000"/>
+            </a:xfrm>
+            <a:prstGeom prst="rect">
+              <a:avLst/>
+            </a:prstGeom>
+            <a:ln w="0">
+              <a:noFill/>
+            </a:ln>
+          </p:spPr>
+        </p:pic>
+      </p:grpSp>
     </p:spTree>
   </p:cSld>
   <mc:AlternateContent>
@@ -7261,21 +6626,21 @@
       </p:grpSpPr>
       <p:grpSp>
         <p:nvGrpSpPr>
-          <p:cNvPr id="67" name="Google Shape;105;g1f213c8c16b_0_15"/>
+          <p:cNvPr id="61" name="Google Shape;105;g1f213c8c16b_0_15"/>
           <p:cNvGrpSpPr/>
           <p:nvPr/>
         </p:nvGrpSpPr>
         <p:grpSpPr>
           <a:xfrm>
             <a:off x="0" y="0"/>
-            <a:ext cx="12189960" cy="6855840"/>
+            <a:ext cx="12189600" cy="6855480"/>
             <a:chOff x="0" y="0"/>
-            <a:chExt cx="12189960" cy="6855840"/>
+            <a:chExt cx="12189600" cy="6855480"/>
           </a:xfrm>
         </p:grpSpPr>
         <p:pic>
           <p:nvPicPr>
-            <p:cNvPr id="68" name="Google Shape;106;g1f213c8c16b_0_15" descr=""/>
+            <p:cNvPr id="62" name="Google Shape;106;g1f213c8c16b_0_15" descr=""/>
             <p:cNvPicPr/>
             <p:nvPr/>
           </p:nvPicPr>
@@ -7287,7 +6652,7 @@
           <p:spPr>
             <a:xfrm>
               <a:off x="0" y="0"/>
-              <a:ext cx="12189960" cy="6855840"/>
+              <a:ext cx="12189600" cy="6855480"/>
             </a:xfrm>
             <a:prstGeom prst="rect">
               <a:avLst/>
@@ -7299,7 +6664,7 @@
         </p:pic>
         <p:pic>
           <p:nvPicPr>
-            <p:cNvPr id="69" name="Google Shape;107;g1f213c8c16b_0_15" descr=""/>
+            <p:cNvPr id="63" name="Google Shape;107;g1f213c8c16b_0_15" descr=""/>
             <p:cNvPicPr/>
             <p:nvPr/>
           </p:nvPicPr>
@@ -7310,7 +6675,7 @@
           <p:spPr>
             <a:xfrm>
               <a:off x="0" y="0"/>
-              <a:ext cx="12189960" cy="6855840"/>
+              <a:ext cx="12189600" cy="6855480"/>
             </a:xfrm>
             <a:prstGeom prst="rect">
               <a:avLst/>
@@ -7323,7 +6688,7 @@
       </p:grpSp>
       <p:pic>
         <p:nvPicPr>
-          <p:cNvPr id="70" name="Google Shape;108;g1f213c8c16b_0_15" descr=""/>
+          <p:cNvPr id="64" name="Google Shape;108;g1f213c8c16b_0_15" descr=""/>
           <p:cNvPicPr/>
           <p:nvPr/>
         </p:nvPicPr>
@@ -7334,7 +6699,7 @@
         <p:spPr>
           <a:xfrm>
             <a:off x="4815360" y="165600"/>
-            <a:ext cx="2337120" cy="1118520"/>
+            <a:ext cx="2336760" cy="1118160"/>
           </a:xfrm>
           <a:prstGeom prst="rect">
             <a:avLst/>
@@ -7346,14 +6711,14 @@
       </p:pic>
       <p:sp>
         <p:nvSpPr>
-          <p:cNvPr id="71" name="Google Shape;109;g1f213c8c16b_0_15"/>
+          <p:cNvPr id="65" name="Google Shape;109;g1f213c8c16b_0_15"/>
           <p:cNvSpPr/>
           <p:nvPr/>
         </p:nvSpPr>
         <p:spPr>
           <a:xfrm>
             <a:off x="2753640" y="1352160"/>
-            <a:ext cx="7104960" cy="851760"/>
+            <a:ext cx="7104600" cy="852480"/>
           </a:xfrm>
           <a:prstGeom prst="rect">
             <a:avLst/>
@@ -7403,14 +6768,14 @@
       </p:sp>
       <p:sp>
         <p:nvSpPr>
-          <p:cNvPr id="72" name="Google Shape;110;g1f213c8c16b_0_15"/>
+          <p:cNvPr id="66" name="Google Shape;110;g1f213c8c16b_0_15"/>
           <p:cNvSpPr/>
           <p:nvPr/>
         </p:nvSpPr>
         <p:spPr>
           <a:xfrm>
             <a:off x="3476160" y="2461320"/>
-            <a:ext cx="788040" cy="788040"/>
+            <a:ext cx="787680" cy="787680"/>
           </a:xfrm>
           <a:prstGeom prst="ellipse">
             <a:avLst/>
@@ -7418,7 +6783,7 @@
           <a:solidFill>
             <a:srgbClr val="adf6fe"/>
           </a:solidFill>
-          <a:ln w="12700">
+          <a:ln w="12600">
             <a:solidFill>
               <a:srgbClr val="31538f"/>
             </a:solidFill>
@@ -7455,14 +6820,14 @@
       </p:sp>
       <p:sp>
         <p:nvSpPr>
-          <p:cNvPr id="73" name="Google Shape;111;g1f213c8c16b_0_15"/>
+          <p:cNvPr id="67" name="Google Shape;111;g1f213c8c16b_0_15"/>
           <p:cNvSpPr/>
           <p:nvPr/>
         </p:nvSpPr>
         <p:spPr>
           <a:xfrm>
             <a:off x="3476160" y="3603960"/>
-            <a:ext cx="788040" cy="788040"/>
+            <a:ext cx="787680" cy="787680"/>
           </a:xfrm>
           <a:prstGeom prst="ellipse">
             <a:avLst/>
@@ -7470,7 +6835,7 @@
           <a:solidFill>
             <a:srgbClr val="adf6fe"/>
           </a:solidFill>
-          <a:ln w="12700">
+          <a:ln w="12600">
             <a:solidFill>
               <a:srgbClr val="31538f"/>
             </a:solidFill>
@@ -7507,14 +6872,14 @@
       </p:sp>
       <p:sp>
         <p:nvSpPr>
-          <p:cNvPr id="74" name="Google Shape;112;g1f213c8c16b_0_15"/>
+          <p:cNvPr id="68" name="Google Shape;112;g1f213c8c16b_0_15"/>
           <p:cNvSpPr/>
           <p:nvPr/>
         </p:nvSpPr>
         <p:spPr>
           <a:xfrm>
             <a:off x="3476160" y="4757760"/>
-            <a:ext cx="788040" cy="788040"/>
+            <a:ext cx="787680" cy="787680"/>
           </a:xfrm>
           <a:prstGeom prst="ellipse">
             <a:avLst/>
@@ -7522,7 +6887,7 @@
           <a:solidFill>
             <a:srgbClr val="adf6fe"/>
           </a:solidFill>
-          <a:ln w="12700">
+          <a:ln w="12600">
             <a:solidFill>
               <a:srgbClr val="31538f"/>
             </a:solidFill>
@@ -7540,14 +6905,6 @@
             <a:noAutofit/>
           </a:bodyPr>
           <a:p>
-            <a:pPr algn="ctr">
-              <a:lnSpc>
-                <a:spcPct val="100000"/>
-              </a:lnSpc>
-              <a:tabLst>
-                <a:tab algn="l" pos="0"/>
-              </a:tabLst>
-            </a:pPr>
             <a:endParaRPr b="0" lang="es-CO" sz="1400" spc="-1" strike="noStrike">
               <a:solidFill>
                 <a:srgbClr val="000000"/>
@@ -7559,14 +6916,14 @@
       </p:sp>
       <p:sp>
         <p:nvSpPr>
-          <p:cNvPr id="75" name="Google Shape;113;g1f213c8c16b_0_15"/>
+          <p:cNvPr id="69" name="Google Shape;113;g1f213c8c16b_0_15"/>
           <p:cNvSpPr/>
           <p:nvPr/>
         </p:nvSpPr>
         <p:spPr>
           <a:xfrm>
             <a:off x="4630320" y="2580840"/>
-            <a:ext cx="4188960" cy="658440"/>
+            <a:ext cx="4188600" cy="658080"/>
           </a:xfrm>
           <a:prstGeom prst="roundRect">
             <a:avLst>
@@ -7576,7 +6933,7 @@
           <a:solidFill>
             <a:srgbClr val="adf6fe"/>
           </a:solidFill>
-          <a:ln w="12700">
+          <a:ln w="12600">
             <a:solidFill>
               <a:srgbClr val="31538f"/>
             </a:solidFill>
@@ -7594,14 +6951,6 @@
             <a:noAutofit/>
           </a:bodyPr>
           <a:p>
-            <a:pPr algn="ctr">
-              <a:lnSpc>
-                <a:spcPct val="100000"/>
-              </a:lnSpc>
-              <a:tabLst>
-                <a:tab algn="l" pos="0"/>
-              </a:tabLst>
-            </a:pPr>
             <a:endParaRPr b="0" lang="es-CO" sz="1400" spc="-1" strike="noStrike">
               <a:solidFill>
                 <a:srgbClr val="000000"/>
@@ -7613,14 +6962,14 @@
       </p:sp>
       <p:sp>
         <p:nvSpPr>
-          <p:cNvPr id="76" name="Google Shape;114;g1f213c8c16b_0_15"/>
+          <p:cNvPr id="70" name="Google Shape;114;g1f213c8c16b_0_15"/>
           <p:cNvSpPr/>
           <p:nvPr/>
         </p:nvSpPr>
         <p:spPr>
           <a:xfrm>
             <a:off x="4630320" y="3668760"/>
-            <a:ext cx="4188960" cy="658440"/>
+            <a:ext cx="4188600" cy="658080"/>
           </a:xfrm>
           <a:prstGeom prst="roundRect">
             <a:avLst>
@@ -7630,7 +6979,7 @@
           <a:solidFill>
             <a:srgbClr val="adf6fe"/>
           </a:solidFill>
-          <a:ln w="12700">
+          <a:ln w="12600">
             <a:solidFill>
               <a:srgbClr val="31538f"/>
             </a:solidFill>
@@ -7648,14 +6997,6 @@
             <a:noAutofit/>
           </a:bodyPr>
           <a:p>
-            <a:pPr algn="ctr">
-              <a:lnSpc>
-                <a:spcPct val="100000"/>
-              </a:lnSpc>
-              <a:tabLst>
-                <a:tab algn="l" pos="0"/>
-              </a:tabLst>
-            </a:pPr>
             <a:endParaRPr b="0" lang="es-CO" sz="1400" spc="-1" strike="noStrike">
               <a:solidFill>
                 <a:srgbClr val="000000"/>
@@ -7667,14 +7008,14 @@
       </p:sp>
       <p:sp>
         <p:nvSpPr>
-          <p:cNvPr id="77" name="Google Shape;115;g1f213c8c16b_0_15"/>
+          <p:cNvPr id="71" name="Google Shape;115;g1f213c8c16b_0_15"/>
           <p:cNvSpPr/>
           <p:nvPr/>
         </p:nvSpPr>
         <p:spPr>
           <a:xfrm>
             <a:off x="4630320" y="4822560"/>
-            <a:ext cx="4188960" cy="658440"/>
+            <a:ext cx="4188600" cy="658080"/>
           </a:xfrm>
           <a:prstGeom prst="roundRect">
             <a:avLst>
@@ -7684,7 +7025,7 @@
           <a:solidFill>
             <a:srgbClr val="adf6fe"/>
           </a:solidFill>
-          <a:ln w="12700">
+          <a:ln w="12600">
             <a:solidFill>
               <a:srgbClr val="31538f"/>
             </a:solidFill>
@@ -7702,14 +7043,6 @@
             <a:noAutofit/>
           </a:bodyPr>
           <a:p>
-            <a:pPr algn="ctr">
-              <a:lnSpc>
-                <a:spcPct val="100000"/>
-              </a:lnSpc>
-              <a:tabLst>
-                <a:tab algn="l" pos="0"/>
-              </a:tabLst>
-            </a:pPr>
             <a:endParaRPr b="0" lang="es-CO" sz="1400" spc="-1" strike="noStrike">
               <a:solidFill>
                 <a:srgbClr val="000000"/>
@@ -7721,14 +7054,14 @@
       </p:sp>
       <p:sp>
         <p:nvSpPr>
-          <p:cNvPr id="78" name="Google Shape;116;g1f213c8c16b_0_15"/>
+          <p:cNvPr id="72" name="Google Shape;116;g1f213c8c16b_0_15"/>
           <p:cNvSpPr/>
           <p:nvPr/>
         </p:nvSpPr>
         <p:spPr>
           <a:xfrm>
             <a:off x="3587040" y="2520000"/>
-            <a:ext cx="584640" cy="699120"/>
+            <a:ext cx="584280" cy="699840"/>
           </a:xfrm>
           <a:prstGeom prst="rect">
             <a:avLst/>
@@ -7778,14 +7111,14 @@
       </p:sp>
       <p:sp>
         <p:nvSpPr>
-          <p:cNvPr id="79" name="Google Shape;117;g1f213c8c16b_0_15"/>
+          <p:cNvPr id="73" name="Google Shape;117;g1f213c8c16b_0_15"/>
           <p:cNvSpPr/>
           <p:nvPr/>
         </p:nvSpPr>
         <p:spPr>
           <a:xfrm>
             <a:off x="3594960" y="3687480"/>
-            <a:ext cx="584640" cy="699120"/>
+            <a:ext cx="584280" cy="699840"/>
           </a:xfrm>
           <a:prstGeom prst="rect">
             <a:avLst/>
@@ -7835,14 +7168,14 @@
       </p:sp>
       <p:sp>
         <p:nvSpPr>
-          <p:cNvPr id="80" name="Google Shape;118;g1f213c8c16b_0_15"/>
+          <p:cNvPr id="74" name="Google Shape;118;g1f213c8c16b_0_15"/>
           <p:cNvSpPr/>
           <p:nvPr/>
         </p:nvSpPr>
         <p:spPr>
           <a:xfrm>
             <a:off x="3578040" y="4822560"/>
-            <a:ext cx="584640" cy="699120"/>
+            <a:ext cx="584280" cy="699840"/>
           </a:xfrm>
           <a:prstGeom prst="rect">
             <a:avLst/>
@@ -7892,14 +7225,14 @@
       </p:sp>
       <p:sp>
         <p:nvSpPr>
-          <p:cNvPr id="81" name="Google Shape;119;g1f213c8c16b_0_15"/>
+          <p:cNvPr id="75" name="Google Shape;119;g1f213c8c16b_0_15"/>
           <p:cNvSpPr/>
           <p:nvPr/>
         </p:nvSpPr>
         <p:spPr>
           <a:xfrm>
             <a:off x="4815360" y="2582640"/>
-            <a:ext cx="3792960" cy="485640"/>
+            <a:ext cx="3792600" cy="486360"/>
           </a:xfrm>
           <a:prstGeom prst="rect">
             <a:avLst/>
@@ -7949,14 +7282,14 @@
       </p:sp>
       <p:sp>
         <p:nvSpPr>
-          <p:cNvPr id="82" name="Google Shape;120;g1f213c8c16b_0_15"/>
+          <p:cNvPr id="76" name="Google Shape;120;g1f213c8c16b_0_15"/>
           <p:cNvSpPr/>
           <p:nvPr/>
         </p:nvSpPr>
         <p:spPr>
           <a:xfrm>
             <a:off x="4828320" y="3687480"/>
-            <a:ext cx="3792960" cy="729720"/>
+            <a:ext cx="3792600" cy="730440"/>
           </a:xfrm>
           <a:prstGeom prst="rect">
             <a:avLst/>
@@ -8006,14 +7339,14 @@
       </p:sp>
       <p:sp>
         <p:nvSpPr>
-          <p:cNvPr id="83" name="Google Shape;121;g1f213c8c16b_0_15"/>
+          <p:cNvPr id="77" name="Google Shape;121;g1f213c8c16b_0_15"/>
           <p:cNvSpPr/>
           <p:nvPr/>
         </p:nvSpPr>
         <p:spPr>
           <a:xfrm>
             <a:off x="4862520" y="4844880"/>
-            <a:ext cx="3792960" cy="699480"/>
+            <a:ext cx="3792600" cy="700200"/>
           </a:xfrm>
           <a:prstGeom prst="rect">
             <a:avLst/>
@@ -8069,22 +7402,22 @@
       </p:sp>
       <p:cxnSp>
         <p:nvCxnSpPr>
-          <p:cNvPr id="84" name="Google Shape;122;g1f213c8c16b_0_15"/>
+          <p:cNvPr id="78" name="Google Shape;122;g1f213c8c16b_0_15"/>
           <p:cNvCxnSpPr>
-            <a:stCxn id="72" idx="4"/>
-            <a:endCxn id="73" idx="0"/>
+            <a:stCxn id="66" idx="4"/>
+            <a:endCxn id="67" idx="0"/>
           </p:cNvCxnSpPr>
           <p:nvPr/>
         </p:nvCxnSpPr>
         <p:spPr>
           <a:xfrm>
-            <a:off x="3870360" y="3249360"/>
-            <a:ext cx="360" cy="354960"/>
+            <a:off x="3870000" y="3249000"/>
+            <a:ext cx="360" cy="355320"/>
           </a:xfrm>
           <a:prstGeom prst="straightConnector1">
             <a:avLst/>
           </a:prstGeom>
-          <a:ln w="38100">
+          <a:ln w="38160">
             <a:solidFill>
               <a:srgbClr val="d2a6ff"/>
             </a:solidFill>
@@ -8094,21 +7427,21 @@
       </p:cxnSp>
       <p:cxnSp>
         <p:nvCxnSpPr>
-          <p:cNvPr id="85" name="Google Shape;123;g1f213c8c16b_0_15"/>
+          <p:cNvPr id="79" name="Google Shape;123;g1f213c8c16b_0_15"/>
           <p:cNvCxnSpPr>
-            <a:stCxn id="79" idx="2"/>
+            <a:stCxn id="73" idx="2"/>
           </p:cNvCxnSpPr>
           <p:nvPr/>
         </p:nvCxnSpPr>
         <p:spPr>
           <a:xfrm>
-            <a:off x="3887280" y="4386600"/>
-            <a:ext cx="3240" cy="355680"/>
+            <a:off x="3886920" y="4387320"/>
+            <a:ext cx="3960" cy="355320"/>
           </a:xfrm>
           <a:prstGeom prst="straightConnector1">
             <a:avLst/>
           </a:prstGeom>
-          <a:ln w="38100">
+          <a:ln w="38160">
             <a:solidFill>
               <a:srgbClr val="d2a6ff"/>
             </a:solidFill>
@@ -8118,21 +7451,21 @@
       </p:cxnSp>
       <p:grpSp>
         <p:nvGrpSpPr>
-          <p:cNvPr id="86" name="Google Shape;124;g1f213c8c16b_0_15"/>
+          <p:cNvPr id="80" name="Google Shape;124;g1f213c8c16b_0_15"/>
           <p:cNvGrpSpPr/>
           <p:nvPr/>
         </p:nvGrpSpPr>
         <p:grpSpPr>
           <a:xfrm>
             <a:off x="626400" y="254520"/>
-            <a:ext cx="11249280" cy="981000"/>
+            <a:ext cx="11248920" cy="980640"/>
             <a:chOff x="626400" y="254520"/>
-            <a:chExt cx="11249280" cy="981000"/>
+            <a:chExt cx="11248920" cy="980640"/>
           </a:xfrm>
         </p:grpSpPr>
         <p:pic>
           <p:nvPicPr>
-            <p:cNvPr id="87" name="Google Shape;125;g1f213c8c16b_0_15" descr=""/>
+            <p:cNvPr id="81" name="Google Shape;125;g1f213c8c16b_0_15" descr=""/>
             <p:cNvPicPr/>
             <p:nvPr/>
           </p:nvPicPr>
@@ -8143,7 +7476,7 @@
           <p:spPr>
             <a:xfrm>
               <a:off x="10059840" y="254520"/>
-              <a:ext cx="1815840" cy="981000"/>
+              <a:ext cx="1815480" cy="980640"/>
             </a:xfrm>
             <a:prstGeom prst="rect">
               <a:avLst/>
@@ -8155,7 +7488,7 @@
         </p:pic>
         <p:pic>
           <p:nvPicPr>
-            <p:cNvPr id="88" name="Google Shape;126;g1f213c8c16b_0_15" descr=""/>
+            <p:cNvPr id="82" name="Google Shape;126;g1f213c8c16b_0_15" descr=""/>
             <p:cNvPicPr/>
             <p:nvPr/>
           </p:nvPicPr>
@@ -8166,7 +7499,7 @@
           <p:spPr>
             <a:xfrm>
               <a:off x="626400" y="484200"/>
-              <a:ext cx="1503720" cy="522360"/>
+              <a:ext cx="1503360" cy="522000"/>
             </a:xfrm>
             <a:prstGeom prst="rect">
               <a:avLst/>
@@ -8209,21 +7542,21 @@
       </p:grpSpPr>
       <p:grpSp>
         <p:nvGrpSpPr>
-          <p:cNvPr id="89" name="Google Shape;266;g1f213c8c16b_0_ 20"/>
+          <p:cNvPr id="83" name="Google Shape;266;g1f213c8c16b_0_ 20"/>
           <p:cNvGrpSpPr/>
           <p:nvPr/>
         </p:nvGrpSpPr>
         <p:grpSpPr>
           <a:xfrm>
             <a:off x="49320" y="0"/>
-            <a:ext cx="12189960" cy="6855840"/>
+            <a:ext cx="12189600" cy="6855480"/>
             <a:chOff x="49320" y="0"/>
-            <a:chExt cx="12189960" cy="6855840"/>
+            <a:chExt cx="12189600" cy="6855480"/>
           </a:xfrm>
         </p:grpSpPr>
         <p:pic>
           <p:nvPicPr>
-            <p:cNvPr id="90" name="Google Shape;267;g1f213c8c16b_0_ 20" descr=""/>
+            <p:cNvPr id="84" name="Google Shape;267;g1f213c8c16b_0_ 20" descr=""/>
             <p:cNvPicPr/>
             <p:nvPr/>
           </p:nvPicPr>
@@ -8235,7 +7568,7 @@
           <p:spPr>
             <a:xfrm>
               <a:off x="49320" y="0"/>
-              <a:ext cx="12189960" cy="6855840"/>
+              <a:ext cx="12189600" cy="6855480"/>
             </a:xfrm>
             <a:prstGeom prst="rect">
               <a:avLst/>
@@ -8247,7 +7580,7 @@
         </p:pic>
         <p:pic>
           <p:nvPicPr>
-            <p:cNvPr id="91" name="Google Shape;268;g1f213c8c16b_0_ 20" descr=""/>
+            <p:cNvPr id="85" name="Google Shape;268;g1f213c8c16b_0_ 20" descr=""/>
             <p:cNvPicPr/>
             <p:nvPr/>
           </p:nvPicPr>
@@ -8258,7 +7591,7 @@
           <p:spPr>
             <a:xfrm>
               <a:off x="49320" y="0"/>
-              <a:ext cx="12189960" cy="6855840"/>
+              <a:ext cx="12189600" cy="6855480"/>
             </a:xfrm>
             <a:prstGeom prst="rect">
               <a:avLst/>
@@ -8271,7 +7604,7 @@
       </p:grpSp>
       <p:pic>
         <p:nvPicPr>
-          <p:cNvPr id="92" name="Google Shape;269;g1f213c8c16b_0_ 20" descr=""/>
+          <p:cNvPr id="86" name="Google Shape;269;g1f213c8c16b_0_ 20" descr=""/>
           <p:cNvPicPr/>
           <p:nvPr/>
         </p:nvPicPr>
@@ -8282,7 +7615,7 @@
         <p:spPr>
           <a:xfrm>
             <a:off x="4815360" y="165600"/>
-            <a:ext cx="2337120" cy="1118520"/>
+            <a:ext cx="2336760" cy="1118160"/>
           </a:xfrm>
           <a:prstGeom prst="rect">
             <a:avLst/>
@@ -8294,21 +7627,21 @@
       </p:pic>
       <p:grpSp>
         <p:nvGrpSpPr>
-          <p:cNvPr id="93" name="Google Shape;287;g1f213c8c16b_0_ 20"/>
+          <p:cNvPr id="87" name="Google Shape;287;g1f213c8c16b_0_ 20"/>
           <p:cNvGrpSpPr/>
           <p:nvPr/>
         </p:nvGrpSpPr>
         <p:grpSpPr>
           <a:xfrm>
             <a:off x="626400" y="254520"/>
-            <a:ext cx="11249280" cy="981000"/>
+            <a:ext cx="11248920" cy="980640"/>
             <a:chOff x="626400" y="254520"/>
-            <a:chExt cx="11249280" cy="981000"/>
+            <a:chExt cx="11248920" cy="980640"/>
           </a:xfrm>
         </p:grpSpPr>
         <p:pic>
           <p:nvPicPr>
-            <p:cNvPr id="94" name="Google Shape;288;g1f213c8c16b_0_ 20" descr=""/>
+            <p:cNvPr id="88" name="Google Shape;288;g1f213c8c16b_0_ 20" descr=""/>
             <p:cNvPicPr/>
             <p:nvPr/>
           </p:nvPicPr>
@@ -8319,7 +7652,7 @@
           <p:spPr>
             <a:xfrm>
               <a:off x="10059840" y="254520"/>
-              <a:ext cx="1815840" cy="981000"/>
+              <a:ext cx="1815480" cy="980640"/>
             </a:xfrm>
             <a:prstGeom prst="rect">
               <a:avLst/>
@@ -8331,7 +7664,7 @@
         </p:pic>
         <p:pic>
           <p:nvPicPr>
-            <p:cNvPr id="95" name="Google Shape;289;g1f213c8c16b_0_ 20" descr=""/>
+            <p:cNvPr id="89" name="Google Shape;289;g1f213c8c16b_0_ 20" descr=""/>
             <p:cNvPicPr/>
             <p:nvPr/>
           </p:nvPicPr>
@@ -8342,7 +7675,7 @@
           <p:spPr>
             <a:xfrm>
               <a:off x="626400" y="484200"/>
-              <a:ext cx="1503720" cy="522360"/>
+              <a:ext cx="1503360" cy="522000"/>
             </a:xfrm>
             <a:prstGeom prst="rect">
               <a:avLst/>
@@ -8355,14 +7688,14 @@
       </p:grpSp>
       <p:sp>
         <p:nvSpPr>
-          <p:cNvPr id="96" name="Google Shape;253;g1f213c8c16b_0_ 20"/>
+          <p:cNvPr id="90" name="Google Shape;253;g1f213c8c16b_0_ 20"/>
           <p:cNvSpPr/>
           <p:nvPr/>
         </p:nvSpPr>
         <p:spPr>
           <a:xfrm>
             <a:off x="1440000" y="1080000"/>
-            <a:ext cx="9358920" cy="638280"/>
+            <a:ext cx="9358560" cy="639000"/>
           </a:xfrm>
           <a:prstGeom prst="rect">
             <a:avLst/>
@@ -8418,7 +7751,7 @@
       </p:sp>
       <p:pic>
         <p:nvPicPr>
-          <p:cNvPr id="97" name="" descr=""/>
+          <p:cNvPr id="91" name="" descr=""/>
           <p:cNvPicPr/>
           <p:nvPr/>
         </p:nvPicPr>
@@ -8429,7 +7762,7 @@
         <p:spPr>
           <a:xfrm>
             <a:off x="372240" y="2700000"/>
-            <a:ext cx="4854240" cy="2520000"/>
+            <a:ext cx="4853880" cy="2519640"/>
           </a:xfrm>
           <a:prstGeom prst="rect">
             <a:avLst/>
@@ -8441,7 +7774,7 @@
       </p:pic>
       <p:pic>
         <p:nvPicPr>
-          <p:cNvPr id="98" name="" descr=""/>
+          <p:cNvPr id="92" name="" descr=""/>
           <p:cNvPicPr/>
           <p:nvPr/>
         </p:nvPicPr>
@@ -8452,7 +7785,7 @@
         <p:spPr>
           <a:xfrm>
             <a:off x="5040000" y="1504080"/>
-            <a:ext cx="7380000" cy="5533560"/>
+            <a:ext cx="7379640" cy="5533200"/>
           </a:xfrm>
           <a:prstGeom prst="rect">
             <a:avLst/>
@@ -8494,21 +7827,21 @@
       </p:grpSpPr>
       <p:grpSp>
         <p:nvGrpSpPr>
-          <p:cNvPr id="99" name="Google Shape;266;g1f213c8c16b_0_ 1"/>
+          <p:cNvPr id="93" name="Google Shape;266;g1f213c8c16b_0_ 1"/>
           <p:cNvGrpSpPr/>
           <p:nvPr/>
         </p:nvGrpSpPr>
         <p:grpSpPr>
           <a:xfrm>
             <a:off x="49320" y="0"/>
-            <a:ext cx="12189960" cy="6855840"/>
+            <a:ext cx="12189600" cy="6855480"/>
             <a:chOff x="49320" y="0"/>
-            <a:chExt cx="12189960" cy="6855840"/>
+            <a:chExt cx="12189600" cy="6855480"/>
           </a:xfrm>
         </p:grpSpPr>
         <p:pic>
           <p:nvPicPr>
-            <p:cNvPr id="100" name="Google Shape;267;g1f213c8c16b_0_ 1" descr=""/>
+            <p:cNvPr id="94" name="Google Shape;267;g1f213c8c16b_0_ 1" descr=""/>
             <p:cNvPicPr/>
             <p:nvPr/>
           </p:nvPicPr>
@@ -8520,7 +7853,7 @@
           <p:spPr>
             <a:xfrm>
               <a:off x="49320" y="0"/>
-              <a:ext cx="12189960" cy="6855840"/>
+              <a:ext cx="12189600" cy="6855480"/>
             </a:xfrm>
             <a:prstGeom prst="rect">
               <a:avLst/>
@@ -8532,7 +7865,7 @@
         </p:pic>
         <p:pic>
           <p:nvPicPr>
-            <p:cNvPr id="101" name="Google Shape;268;g1f213c8c16b_0_ 1" descr=""/>
+            <p:cNvPr id="95" name="Google Shape;268;g1f213c8c16b_0_ 1" descr=""/>
             <p:cNvPicPr/>
             <p:nvPr/>
           </p:nvPicPr>
@@ -8543,7 +7876,7 @@
           <p:spPr>
             <a:xfrm>
               <a:off x="49320" y="0"/>
-              <a:ext cx="12189960" cy="6855840"/>
+              <a:ext cx="12189600" cy="6855480"/>
             </a:xfrm>
             <a:prstGeom prst="rect">
               <a:avLst/>
@@ -8556,7 +7889,7 @@
       </p:grpSp>
       <p:pic>
         <p:nvPicPr>
-          <p:cNvPr id="102" name="Google Shape;269;g1f213c8c16b_0_ 1" descr=""/>
+          <p:cNvPr id="96" name="Google Shape;269;g1f213c8c16b_0_ 1" descr=""/>
           <p:cNvPicPr/>
           <p:nvPr/>
         </p:nvPicPr>
@@ -8567,7 +7900,7 @@
         <p:spPr>
           <a:xfrm>
             <a:off x="4815360" y="165600"/>
-            <a:ext cx="2337120" cy="1118520"/>
+            <a:ext cx="2336760" cy="1118160"/>
           </a:xfrm>
           <a:prstGeom prst="rect">
             <a:avLst/>
@@ -8579,21 +7912,21 @@
       </p:pic>
       <p:grpSp>
         <p:nvGrpSpPr>
-          <p:cNvPr id="103" name="Google Shape;287;g1f213c8c16b_0_ 1"/>
+          <p:cNvPr id="97" name="Google Shape;287;g1f213c8c16b_0_ 1"/>
           <p:cNvGrpSpPr/>
           <p:nvPr/>
         </p:nvGrpSpPr>
         <p:grpSpPr>
           <a:xfrm>
             <a:off x="626400" y="254520"/>
-            <a:ext cx="11249280" cy="981000"/>
+            <a:ext cx="11248920" cy="980640"/>
             <a:chOff x="626400" y="254520"/>
-            <a:chExt cx="11249280" cy="981000"/>
+            <a:chExt cx="11248920" cy="980640"/>
           </a:xfrm>
         </p:grpSpPr>
         <p:pic>
           <p:nvPicPr>
-            <p:cNvPr id="104" name="Google Shape;288;g1f213c8c16b_0_ 1" descr=""/>
+            <p:cNvPr id="98" name="Google Shape;288;g1f213c8c16b_0_ 1" descr=""/>
             <p:cNvPicPr/>
             <p:nvPr/>
           </p:nvPicPr>
@@ -8604,7 +7937,7 @@
           <p:spPr>
             <a:xfrm>
               <a:off x="10059840" y="254520"/>
-              <a:ext cx="1815840" cy="981000"/>
+              <a:ext cx="1815480" cy="980640"/>
             </a:xfrm>
             <a:prstGeom prst="rect">
               <a:avLst/>
@@ -8616,7 +7949,7 @@
         </p:pic>
         <p:pic>
           <p:nvPicPr>
-            <p:cNvPr id="105" name="Google Shape;289;g1f213c8c16b_0_ 1" descr=""/>
+            <p:cNvPr id="99" name="Google Shape;289;g1f213c8c16b_0_ 1" descr=""/>
             <p:cNvPicPr/>
             <p:nvPr/>
           </p:nvPicPr>
@@ -8627,7 +7960,7 @@
           <p:spPr>
             <a:xfrm>
               <a:off x="626400" y="484200"/>
-              <a:ext cx="1503720" cy="522360"/>
+              <a:ext cx="1503360" cy="522000"/>
             </a:xfrm>
             <a:prstGeom prst="rect">
               <a:avLst/>
@@ -8640,14 +7973,14 @@
       </p:grpSp>
       <p:sp>
         <p:nvSpPr>
-          <p:cNvPr id="106" name="Google Shape;253;g1f213c8c16b_0_ 1"/>
+          <p:cNvPr id="100" name="Google Shape;253;g1f213c8c16b_0_ 1"/>
           <p:cNvSpPr/>
           <p:nvPr/>
         </p:nvSpPr>
         <p:spPr>
           <a:xfrm>
             <a:off x="1440000" y="1080000"/>
-            <a:ext cx="9358920" cy="638280"/>
+            <a:ext cx="9358560" cy="637920"/>
           </a:xfrm>
           <a:prstGeom prst="rect">
             <a:avLst/>
@@ -8668,20 +8001,6 @@
             <a:spAutoFit/>
           </a:bodyPr>
           <a:p>
-            <a:pPr algn="ctr">
-              <a:lnSpc>
-                <a:spcPct val="100000"/>
-              </a:lnSpc>
-              <a:spcBef>
-                <a:spcPts val="1191"/>
-              </a:spcBef>
-              <a:spcAft>
-                <a:spcPts val="992"/>
-              </a:spcAft>
-              <a:tabLst>
-                <a:tab algn="l" pos="0"/>
-              </a:tabLst>
-            </a:pPr>
             <a:endParaRPr b="0" lang="es-CO" sz="1800" spc="-1" strike="noStrike">
               <a:solidFill>
                 <a:srgbClr val="000000"/>
@@ -8693,7 +8012,7 @@
       </p:sp>
       <p:pic>
         <p:nvPicPr>
-          <p:cNvPr id="107" name="" descr=""/>
+          <p:cNvPr id="101" name="" descr=""/>
           <p:cNvPicPr/>
           <p:nvPr/>
         </p:nvPicPr>
@@ -8704,7 +8023,7 @@
         <p:spPr>
           <a:xfrm>
             <a:off x="3060000" y="900000"/>
-            <a:ext cx="5536440" cy="5802840"/>
+            <a:ext cx="5536080" cy="5802480"/>
           </a:xfrm>
           <a:prstGeom prst="rect">
             <a:avLst/>
@@ -8746,21 +8065,21 @@
       </p:grpSpPr>
       <p:grpSp>
         <p:nvGrpSpPr>
-          <p:cNvPr id="108" name="Google Shape;266;g1f213c8c16b_0_ 2"/>
+          <p:cNvPr id="102" name="Google Shape;266;g1f213c8c16b_0_ 2"/>
           <p:cNvGrpSpPr/>
           <p:nvPr/>
         </p:nvGrpSpPr>
         <p:grpSpPr>
           <a:xfrm>
             <a:off x="49320" y="0"/>
-            <a:ext cx="12189960" cy="6855840"/>
+            <a:ext cx="12189600" cy="6855480"/>
             <a:chOff x="49320" y="0"/>
-            <a:chExt cx="12189960" cy="6855840"/>
+            <a:chExt cx="12189600" cy="6855480"/>
           </a:xfrm>
         </p:grpSpPr>
         <p:pic>
           <p:nvPicPr>
-            <p:cNvPr id="109" name="Google Shape;267;g1f213c8c16b_0_ 2" descr=""/>
+            <p:cNvPr id="103" name="Google Shape;267;g1f213c8c16b_0_ 2" descr=""/>
             <p:cNvPicPr/>
             <p:nvPr/>
           </p:nvPicPr>
@@ -8772,7 +8091,7 @@
           <p:spPr>
             <a:xfrm>
               <a:off x="49320" y="0"/>
-              <a:ext cx="12189960" cy="6855840"/>
+              <a:ext cx="12189600" cy="6855480"/>
             </a:xfrm>
             <a:prstGeom prst="rect">
               <a:avLst/>
@@ -8784,7 +8103,7 @@
         </p:pic>
         <p:pic>
           <p:nvPicPr>
-            <p:cNvPr id="110" name="Google Shape;268;g1f213c8c16b_0_ 2" descr=""/>
+            <p:cNvPr id="104" name="Google Shape;268;g1f213c8c16b_0_ 2" descr=""/>
             <p:cNvPicPr/>
             <p:nvPr/>
           </p:nvPicPr>
@@ -8795,7 +8114,7 @@
           <p:spPr>
             <a:xfrm>
               <a:off x="49320" y="0"/>
-              <a:ext cx="12189960" cy="6855840"/>
+              <a:ext cx="12189600" cy="6855480"/>
             </a:xfrm>
             <a:prstGeom prst="rect">
               <a:avLst/>
@@ -8808,7 +8127,7 @@
       </p:grpSp>
       <p:pic>
         <p:nvPicPr>
-          <p:cNvPr id="111" name="Google Shape;269;g1f213c8c16b_0_ 2" descr=""/>
+          <p:cNvPr id="105" name="Google Shape;269;g1f213c8c16b_0_ 2" descr=""/>
           <p:cNvPicPr/>
           <p:nvPr/>
         </p:nvPicPr>
@@ -8819,7 +8138,7 @@
         <p:spPr>
           <a:xfrm>
             <a:off x="4815360" y="165600"/>
-            <a:ext cx="2337120" cy="1118520"/>
+            <a:ext cx="2336760" cy="1118160"/>
           </a:xfrm>
           <a:prstGeom prst="rect">
             <a:avLst/>
@@ -8831,21 +8150,21 @@
       </p:pic>
       <p:grpSp>
         <p:nvGrpSpPr>
-          <p:cNvPr id="112" name="Google Shape;287;g1f213c8c16b_0_ 2"/>
+          <p:cNvPr id="106" name="Google Shape;287;g1f213c8c16b_0_ 2"/>
           <p:cNvGrpSpPr/>
           <p:nvPr/>
         </p:nvGrpSpPr>
         <p:grpSpPr>
           <a:xfrm>
             <a:off x="626400" y="254520"/>
-            <a:ext cx="11249280" cy="981000"/>
+            <a:ext cx="11248920" cy="980640"/>
             <a:chOff x="626400" y="254520"/>
-            <a:chExt cx="11249280" cy="981000"/>
+            <a:chExt cx="11248920" cy="980640"/>
           </a:xfrm>
         </p:grpSpPr>
         <p:pic>
           <p:nvPicPr>
-            <p:cNvPr id="113" name="Google Shape;288;g1f213c8c16b_0_ 2" descr=""/>
+            <p:cNvPr id="107" name="Google Shape;288;g1f213c8c16b_0_ 2" descr=""/>
             <p:cNvPicPr/>
             <p:nvPr/>
           </p:nvPicPr>
@@ -8856,7 +8175,7 @@
           <p:spPr>
             <a:xfrm>
               <a:off x="10059840" y="254520"/>
-              <a:ext cx="1815840" cy="981000"/>
+              <a:ext cx="1815480" cy="980640"/>
             </a:xfrm>
             <a:prstGeom prst="rect">
               <a:avLst/>
@@ -8868,7 +8187,7 @@
         </p:pic>
         <p:pic>
           <p:nvPicPr>
-            <p:cNvPr id="114" name="Google Shape;289;g1f213c8c16b_0_ 2" descr=""/>
+            <p:cNvPr id="108" name="Google Shape;289;g1f213c8c16b_0_ 2" descr=""/>
             <p:cNvPicPr/>
             <p:nvPr/>
           </p:nvPicPr>
@@ -8879,7 +8198,7 @@
           <p:spPr>
             <a:xfrm>
               <a:off x="626400" y="484200"/>
-              <a:ext cx="1503720" cy="522360"/>
+              <a:ext cx="1503360" cy="522000"/>
             </a:xfrm>
             <a:prstGeom prst="rect">
               <a:avLst/>
@@ -8892,14 +8211,14 @@
       </p:grpSp>
       <p:sp>
         <p:nvSpPr>
-          <p:cNvPr id="115" name="Google Shape;253;g1f213c8c16b_0_ 2"/>
+          <p:cNvPr id="109" name="Google Shape;253;g1f213c8c16b_0_ 2"/>
           <p:cNvSpPr/>
           <p:nvPr/>
         </p:nvSpPr>
         <p:spPr>
           <a:xfrm>
             <a:off x="1440000" y="1080000"/>
-            <a:ext cx="9358920" cy="638280"/>
+            <a:ext cx="9358560" cy="637920"/>
           </a:xfrm>
           <a:prstGeom prst="rect">
             <a:avLst/>
@@ -8931,7 +8250,7 @@
       </p:sp>
       <p:pic>
         <p:nvPicPr>
-          <p:cNvPr id="116" name="" descr=""/>
+          <p:cNvPr id="110" name="" descr=""/>
           <p:cNvPicPr/>
           <p:nvPr/>
         </p:nvPicPr>
@@ -8942,7 +8261,7 @@
         <p:spPr>
           <a:xfrm>
             <a:off x="1800000" y="1800000"/>
-            <a:ext cx="8640000" cy="4859640"/>
+            <a:ext cx="8639640" cy="4859280"/>
           </a:xfrm>
           <a:prstGeom prst="rect">
             <a:avLst/>
@@ -8984,21 +8303,21 @@
       </p:grpSpPr>
       <p:grpSp>
         <p:nvGrpSpPr>
-          <p:cNvPr id="117" name="Google Shape;266;g1f213c8c16b_0_ 3"/>
+          <p:cNvPr id="111" name="Google Shape;266;g1f213c8c16b_0_ 3"/>
           <p:cNvGrpSpPr/>
           <p:nvPr/>
         </p:nvGrpSpPr>
         <p:grpSpPr>
           <a:xfrm>
             <a:off x="49320" y="0"/>
-            <a:ext cx="12189960" cy="6855840"/>
+            <a:ext cx="12189600" cy="6855480"/>
             <a:chOff x="49320" y="0"/>
-            <a:chExt cx="12189960" cy="6855840"/>
+            <a:chExt cx="12189600" cy="6855480"/>
           </a:xfrm>
         </p:grpSpPr>
         <p:pic>
           <p:nvPicPr>
-            <p:cNvPr id="118" name="Google Shape;267;g1f213c8c16b_0_ 3" descr=""/>
+            <p:cNvPr id="112" name="Google Shape;267;g1f213c8c16b_0_ 3" descr=""/>
             <p:cNvPicPr/>
             <p:nvPr/>
           </p:nvPicPr>
@@ -9010,7 +8329,7 @@
           <p:spPr>
             <a:xfrm>
               <a:off x="49320" y="0"/>
-              <a:ext cx="12189960" cy="6855840"/>
+              <a:ext cx="12189600" cy="6855480"/>
             </a:xfrm>
             <a:prstGeom prst="rect">
               <a:avLst/>
@@ -9022,7 +8341,7 @@
         </p:pic>
         <p:pic>
           <p:nvPicPr>
-            <p:cNvPr id="119" name="Google Shape;268;g1f213c8c16b_0_ 3" descr=""/>
+            <p:cNvPr id="113" name="Google Shape;268;g1f213c8c16b_0_ 3" descr=""/>
             <p:cNvPicPr/>
             <p:nvPr/>
           </p:nvPicPr>
@@ -9033,7 +8352,7 @@
           <p:spPr>
             <a:xfrm>
               <a:off x="49320" y="0"/>
-              <a:ext cx="12189960" cy="6855840"/>
+              <a:ext cx="12189600" cy="6855480"/>
             </a:xfrm>
             <a:prstGeom prst="rect">
               <a:avLst/>
@@ -9046,7 +8365,7 @@
       </p:grpSp>
       <p:pic>
         <p:nvPicPr>
-          <p:cNvPr id="120" name="Google Shape;269;g1f213c8c16b_0_ 3" descr=""/>
+          <p:cNvPr id="114" name="Google Shape;269;g1f213c8c16b_0_ 3" descr=""/>
           <p:cNvPicPr/>
           <p:nvPr/>
         </p:nvPicPr>
@@ -9057,7 +8376,7 @@
         <p:spPr>
           <a:xfrm>
             <a:off x="4815360" y="165600"/>
-            <a:ext cx="2337120" cy="1118520"/>
+            <a:ext cx="2336760" cy="1118160"/>
           </a:xfrm>
           <a:prstGeom prst="rect">
             <a:avLst/>
@@ -9069,21 +8388,21 @@
       </p:pic>
       <p:grpSp>
         <p:nvGrpSpPr>
-          <p:cNvPr id="121" name="Google Shape;287;g1f213c8c16b_0_ 3"/>
+          <p:cNvPr id="115" name="Google Shape;287;g1f213c8c16b_0_ 3"/>
           <p:cNvGrpSpPr/>
           <p:nvPr/>
         </p:nvGrpSpPr>
         <p:grpSpPr>
           <a:xfrm>
             <a:off x="626400" y="254520"/>
-            <a:ext cx="11249280" cy="981000"/>
+            <a:ext cx="11248920" cy="980640"/>
             <a:chOff x="626400" y="254520"/>
-            <a:chExt cx="11249280" cy="981000"/>
+            <a:chExt cx="11248920" cy="980640"/>
           </a:xfrm>
         </p:grpSpPr>
         <p:pic>
           <p:nvPicPr>
-            <p:cNvPr id="122" name="Google Shape;288;g1f213c8c16b_0_ 3" descr=""/>
+            <p:cNvPr id="116" name="Google Shape;288;g1f213c8c16b_0_ 3" descr=""/>
             <p:cNvPicPr/>
             <p:nvPr/>
           </p:nvPicPr>
@@ -9094,7 +8413,7 @@
           <p:spPr>
             <a:xfrm>
               <a:off x="10059840" y="254520"/>
-              <a:ext cx="1815840" cy="981000"/>
+              <a:ext cx="1815480" cy="980640"/>
             </a:xfrm>
             <a:prstGeom prst="rect">
               <a:avLst/>
@@ -9106,7 +8425,7 @@
         </p:pic>
         <p:pic>
           <p:nvPicPr>
-            <p:cNvPr id="123" name="Google Shape;289;g1f213c8c16b_0_ 3" descr=""/>
+            <p:cNvPr id="117" name="Google Shape;289;g1f213c8c16b_0_ 3" descr=""/>
             <p:cNvPicPr/>
             <p:nvPr/>
           </p:nvPicPr>
@@ -9117,7 +8436,7 @@
           <p:spPr>
             <a:xfrm>
               <a:off x="626400" y="484200"/>
-              <a:ext cx="1503720" cy="522360"/>
+              <a:ext cx="1503360" cy="522000"/>
             </a:xfrm>
             <a:prstGeom prst="rect">
               <a:avLst/>
@@ -9130,14 +8449,14 @@
       </p:grpSp>
       <p:sp>
         <p:nvSpPr>
-          <p:cNvPr id="124" name="Google Shape;253;g1f213c8c16b_0_ 3"/>
+          <p:cNvPr id="118" name="Google Shape;253;g1f213c8c16b_0_ 3"/>
           <p:cNvSpPr/>
           <p:nvPr/>
         </p:nvSpPr>
         <p:spPr>
           <a:xfrm>
             <a:off x="1440000" y="1080000"/>
-            <a:ext cx="9358920" cy="638280"/>
+            <a:ext cx="9358560" cy="637920"/>
           </a:xfrm>
           <a:prstGeom prst="rect">
             <a:avLst/>
@@ -9169,7 +8488,7 @@
       </p:sp>
       <p:pic>
         <p:nvPicPr>
-          <p:cNvPr id="125" name="" descr=""/>
+          <p:cNvPr id="119" name="" descr=""/>
           <p:cNvPicPr/>
           <p:nvPr/>
         </p:nvPicPr>
@@ -9180,7 +8499,7 @@
         <p:spPr>
           <a:xfrm>
             <a:off x="7020000" y="2216880"/>
-            <a:ext cx="5018760" cy="2823120"/>
+            <a:ext cx="5018400" cy="2822760"/>
           </a:xfrm>
           <a:prstGeom prst="rect">
             <a:avLst/>
@@ -9192,7 +8511,7 @@
       </p:pic>
       <p:pic>
         <p:nvPicPr>
-          <p:cNvPr id="126" name="" descr=""/>
+          <p:cNvPr id="120" name="" descr=""/>
           <p:cNvPicPr/>
           <p:nvPr/>
         </p:nvPicPr>
@@ -9203,7 +8522,7 @@
         <p:spPr>
           <a:xfrm>
             <a:off x="221760" y="2160000"/>
-            <a:ext cx="5178240" cy="2912760"/>
+            <a:ext cx="5177880" cy="2912400"/>
           </a:xfrm>
           <a:prstGeom prst="rect">
             <a:avLst/>
@@ -9245,21 +8564,21 @@
       </p:grpSpPr>
       <p:grpSp>
         <p:nvGrpSpPr>
-          <p:cNvPr id="127" name="Google Shape;266;g1f213c8c16b_0_ 4"/>
+          <p:cNvPr id="121" name="Google Shape;266;g1f213c8c16b_0_ 5"/>
           <p:cNvGrpSpPr/>
           <p:nvPr/>
         </p:nvGrpSpPr>
         <p:grpSpPr>
           <a:xfrm>
             <a:off x="49320" y="0"/>
-            <a:ext cx="12189960" cy="6855840"/>
+            <a:ext cx="12189600" cy="6855480"/>
             <a:chOff x="49320" y="0"/>
-            <a:chExt cx="12189960" cy="6855840"/>
+            <a:chExt cx="12189600" cy="6855480"/>
           </a:xfrm>
         </p:grpSpPr>
         <p:pic>
           <p:nvPicPr>
-            <p:cNvPr id="128" name="Google Shape;267;g1f213c8c16b_0_ 4" descr=""/>
+            <p:cNvPr id="122" name="Google Shape;267;g1f213c8c16b_0_ 5" descr=""/>
             <p:cNvPicPr/>
             <p:nvPr/>
           </p:nvPicPr>
@@ -9271,7 +8590,7 @@
           <p:spPr>
             <a:xfrm>
               <a:off x="49320" y="0"/>
-              <a:ext cx="12189960" cy="6855840"/>
+              <a:ext cx="12189600" cy="6855480"/>
             </a:xfrm>
             <a:prstGeom prst="rect">
               <a:avLst/>
@@ -9283,7 +8602,7 @@
         </p:pic>
         <p:pic>
           <p:nvPicPr>
-            <p:cNvPr id="129" name="Google Shape;268;g1f213c8c16b_0_ 4" descr=""/>
+            <p:cNvPr id="123" name="Google Shape;268;g1f213c8c16b_0_ 5" descr=""/>
             <p:cNvPicPr/>
             <p:nvPr/>
           </p:nvPicPr>
@@ -9294,7 +8613,7 @@
           <p:spPr>
             <a:xfrm>
               <a:off x="49320" y="0"/>
-              <a:ext cx="12189960" cy="6855840"/>
+              <a:ext cx="12189600" cy="6855480"/>
             </a:xfrm>
             <a:prstGeom prst="rect">
               <a:avLst/>
@@ -9307,7 +8626,7 @@
       </p:grpSp>
       <p:pic>
         <p:nvPicPr>
-          <p:cNvPr id="130" name="Google Shape;269;g1f213c8c16b_0_ 4" descr=""/>
+          <p:cNvPr id="124" name="Google Shape;269;g1f213c8c16b_0_ 5" descr=""/>
           <p:cNvPicPr/>
           <p:nvPr/>
         </p:nvPicPr>
@@ -9318,7 +8637,7 @@
         <p:spPr>
           <a:xfrm>
             <a:off x="4815360" y="165600"/>
-            <a:ext cx="2337120" cy="1118520"/>
+            <a:ext cx="2336760" cy="1118160"/>
           </a:xfrm>
           <a:prstGeom prst="rect">
             <a:avLst/>
@@ -9330,21 +8649,21 @@
       </p:pic>
       <p:grpSp>
         <p:nvGrpSpPr>
-          <p:cNvPr id="131" name="Google Shape;287;g1f213c8c16b_0_ 4"/>
+          <p:cNvPr id="125" name="Google Shape;287;g1f213c8c16b_0_ 5"/>
           <p:cNvGrpSpPr/>
           <p:nvPr/>
         </p:nvGrpSpPr>
         <p:grpSpPr>
           <a:xfrm>
             <a:off x="626400" y="254520"/>
-            <a:ext cx="11249280" cy="981000"/>
+            <a:ext cx="11248920" cy="980640"/>
             <a:chOff x="626400" y="254520"/>
-            <a:chExt cx="11249280" cy="981000"/>
+            <a:chExt cx="11248920" cy="980640"/>
           </a:xfrm>
         </p:grpSpPr>
         <p:pic>
           <p:nvPicPr>
-            <p:cNvPr id="132" name="Google Shape;288;g1f213c8c16b_0_ 4" descr=""/>
+            <p:cNvPr id="126" name="Google Shape;288;g1f213c8c16b_0_ 5" descr=""/>
             <p:cNvPicPr/>
             <p:nvPr/>
           </p:nvPicPr>
@@ -9355,7 +8674,7 @@
           <p:spPr>
             <a:xfrm>
               <a:off x="10059840" y="254520"/>
-              <a:ext cx="1815840" cy="981000"/>
+              <a:ext cx="1815480" cy="980640"/>
             </a:xfrm>
             <a:prstGeom prst="rect">
               <a:avLst/>
@@ -9367,7 +8686,7 @@
         </p:pic>
         <p:pic>
           <p:nvPicPr>
-            <p:cNvPr id="133" name="Google Shape;289;g1f213c8c16b_0_ 4" descr=""/>
+            <p:cNvPr id="127" name="Google Shape;289;g1f213c8c16b_0_ 5" descr=""/>
             <p:cNvPicPr/>
             <p:nvPr/>
           </p:nvPicPr>
@@ -9378,7 +8697,7 @@
           <p:spPr>
             <a:xfrm>
               <a:off x="626400" y="484200"/>
-              <a:ext cx="1503720" cy="522360"/>
+              <a:ext cx="1503360" cy="522000"/>
             </a:xfrm>
             <a:prstGeom prst="rect">
               <a:avLst/>
@@ -9391,14 +8710,14 @@
       </p:grpSp>
       <p:sp>
         <p:nvSpPr>
-          <p:cNvPr id="134" name="Google Shape;253;g1f213c8c16b_0_ 4"/>
+          <p:cNvPr id="128" name="Google Shape;253;g1f213c8c16b_0_ 5"/>
           <p:cNvSpPr/>
           <p:nvPr/>
         </p:nvSpPr>
         <p:spPr>
           <a:xfrm>
             <a:off x="1440000" y="1080000"/>
-            <a:ext cx="9358920" cy="638280"/>
+            <a:ext cx="9358560" cy="637920"/>
           </a:xfrm>
           <a:prstGeom prst="rect">
             <a:avLst/>
@@ -9430,7 +8749,7 @@
       </p:sp>
       <p:pic>
         <p:nvPicPr>
-          <p:cNvPr id="135" name="" descr=""/>
+          <p:cNvPr id="129" name="" descr=""/>
           <p:cNvPicPr/>
           <p:nvPr/>
         </p:nvPicPr>
@@ -9440,8 +8759,8 @@
         </p:blipFill>
         <p:spPr>
           <a:xfrm>
-            <a:off x="200880" y="2149200"/>
-            <a:ext cx="5779080" cy="3250800"/>
+            <a:off x="2611080" y="1440000"/>
+            <a:ext cx="7468920" cy="4724640"/>
           </a:xfrm>
           <a:prstGeom prst="rect">
             <a:avLst/>
@@ -9451,72 +8770,6 @@
           </a:ln>
         </p:spPr>
       </p:pic>
-      <p:pic>
-        <p:nvPicPr>
-          <p:cNvPr id="136" name="" descr=""/>
-          <p:cNvPicPr/>
-          <p:nvPr/>
-        </p:nvPicPr>
-        <p:blipFill>
-          <a:blip r:embed="rId7"/>
-          <a:stretch/>
-        </p:blipFill>
-        <p:spPr>
-          <a:xfrm>
-            <a:off x="6201360" y="2700000"/>
-            <a:ext cx="5990760" cy="2340000"/>
-          </a:xfrm>
-          <a:prstGeom prst="rect">
-            <a:avLst/>
-          </a:prstGeom>
-          <a:ln w="0">
-            <a:noFill/>
-          </a:ln>
-        </p:spPr>
-      </p:pic>
-      <p:sp>
-        <p:nvSpPr>
-          <p:cNvPr id="137" name=""/>
-          <p:cNvSpPr txBox="1"/>
-          <p:nvPr/>
-        </p:nvSpPr>
-        <p:spPr>
-          <a:xfrm>
-            <a:off x="6480000" y="5580000"/>
-            <a:ext cx="4860000" cy="608760"/>
-          </a:xfrm>
-          <a:prstGeom prst="rect">
-            <a:avLst/>
-          </a:prstGeom>
-          <a:noFill/>
-          <a:ln w="0">
-            <a:noFill/>
-          </a:ln>
-        </p:spPr>
-        <p:txBody>
-          <a:bodyPr lIns="90000" rIns="90000" tIns="45000" bIns="45000" anchor="t">
-            <a:noAutofit/>
-          </a:bodyPr>
-          <a:p>
-            <a:r>
-              <a:rPr b="0" lang="es-CO" sz="1800" spc="-1" strike="noStrike">
-                <a:solidFill>
-                  <a:srgbClr val="ffffff"/>
-                </a:solidFill>
-                <a:latin typeface="Liberation Mono;Courier New;DejaVu Sans Mono"/>
-              </a:rPr>
-              <a:t>npm install react-hook-form </a:t>
-            </a:r>
-            <a:endParaRPr b="0" lang="es-CO" sz="1800" spc="-1" strike="noStrike">
-              <a:solidFill>
-                <a:srgbClr val="ffffff"/>
-              </a:solidFill>
-              <a:latin typeface="Liberation Mono;Courier New;DejaVu Sans Mono"/>
-              <a:ea typeface="Liberation Mono;Courier New;DejaVu Sans Mono"/>
-            </a:endParaRPr>
-          </a:p>
-        </p:txBody>
-      </p:sp>
     </p:spTree>
   </p:cSld>
   <mc:AlternateContent>
@@ -9547,20 +8800,82 @@
           <a:chExt cx="0" cy="0"/>
         </a:xfrm>
       </p:grpSpPr>
+      <p:grpSp>
+        <p:nvGrpSpPr>
+          <p:cNvPr id="130" name="Google Shape;266;g1f213c8c16b_0_ 4"/>
+          <p:cNvGrpSpPr/>
+          <p:nvPr/>
+        </p:nvGrpSpPr>
+        <p:grpSpPr>
+          <a:xfrm>
+            <a:off x="49320" y="0"/>
+            <a:ext cx="12189600" cy="6855480"/>
+            <a:chOff x="49320" y="0"/>
+            <a:chExt cx="12189600" cy="6855480"/>
+          </a:xfrm>
+        </p:grpSpPr>
+        <p:pic>
+          <p:nvPicPr>
+            <p:cNvPr id="131" name="Google Shape;267;g1f213c8c16b_0_ 4" descr=""/>
+            <p:cNvPicPr/>
+            <p:nvPr/>
+          </p:nvPicPr>
+          <p:blipFill>
+            <a:blip r:embed="rId1"/>
+            <a:srcRect l="7813" t="0" r="7813" b="7535"/>
+            <a:stretch/>
+          </p:blipFill>
+          <p:spPr>
+            <a:xfrm>
+              <a:off x="49320" y="0"/>
+              <a:ext cx="12189600" cy="6855480"/>
+            </a:xfrm>
+            <a:prstGeom prst="rect">
+              <a:avLst/>
+            </a:prstGeom>
+            <a:ln w="0">
+              <a:noFill/>
+            </a:ln>
+          </p:spPr>
+        </p:pic>
+        <p:pic>
+          <p:nvPicPr>
+            <p:cNvPr id="132" name="Google Shape;268;g1f213c8c16b_0_ 4" descr=""/>
+            <p:cNvPicPr/>
+            <p:nvPr/>
+          </p:nvPicPr>
+          <p:blipFill>
+            <a:blip r:embed="rId2"/>
+            <a:stretch/>
+          </p:blipFill>
+          <p:spPr>
+            <a:xfrm>
+              <a:off x="49320" y="0"/>
+              <a:ext cx="12189600" cy="6855480"/>
+            </a:xfrm>
+            <a:prstGeom prst="rect">
+              <a:avLst/>
+            </a:prstGeom>
+            <a:ln w="0">
+              <a:noFill/>
+            </a:ln>
+          </p:spPr>
+        </p:pic>
+      </p:grpSp>
       <p:pic>
         <p:nvPicPr>
-          <p:cNvPr id="138" name="Google Shape;311;g1f213c8c16b_0_211" descr=""/>
+          <p:cNvPr id="133" name="Google Shape;269;g1f213c8c16b_0_ 4" descr=""/>
           <p:cNvPicPr/>
           <p:nvPr/>
         </p:nvPicPr>
         <p:blipFill>
-          <a:blip r:embed="rId1"/>
+          <a:blip r:embed="rId3"/>
           <a:stretch/>
         </p:blipFill>
         <p:spPr>
           <a:xfrm>
-            <a:off x="3965040" y="4641120"/>
-            <a:ext cx="4087800" cy="1335240"/>
+            <a:off x="4815360" y="165600"/>
+            <a:ext cx="2336760" cy="1118160"/>
           </a:xfrm>
           <a:prstGeom prst="rect">
             <a:avLst/>
@@ -9570,16 +8885,77 @@
           </a:ln>
         </p:spPr>
       </p:pic>
-      <p:sp>
-        <p:nvSpPr>
-          <p:cNvPr id="139" name="Google Shape;312;g1f213c8c16b_0_211"/>
+      <p:grpSp>
+        <p:nvGrpSpPr>
+          <p:cNvPr id="134" name="Google Shape;287;g1f213c8c16b_0_ 4"/>
+          <p:cNvGrpSpPr/>
+          <p:nvPr/>
+        </p:nvGrpSpPr>
+        <p:grpSpPr>
+          <a:xfrm>
+            <a:off x="626400" y="254520"/>
+            <a:ext cx="11248920" cy="980640"/>
+            <a:chOff x="626400" y="254520"/>
+            <a:chExt cx="11248920" cy="980640"/>
+          </a:xfrm>
+        </p:grpSpPr>
+        <p:pic>
+          <p:nvPicPr>
+            <p:cNvPr id="135" name="Google Shape;288;g1f213c8c16b_0_ 4" descr=""/>
+            <p:cNvPicPr/>
+            <p:nvPr/>
+          </p:nvPicPr>
+          <p:blipFill>
+            <a:blip r:embed="rId4"/>
+            <a:stretch/>
+          </p:blipFill>
+          <p:spPr>
+            <a:xfrm>
+              <a:off x="10059840" y="254520"/>
+              <a:ext cx="1815480" cy="980640"/>
+            </a:xfrm>
+            <a:prstGeom prst="rect">
+              <a:avLst/>
+            </a:prstGeom>
+            <a:ln w="0">
+              <a:noFill/>
+            </a:ln>
+          </p:spPr>
+        </p:pic>
+        <p:pic>
+          <p:nvPicPr>
+            <p:cNvPr id="136" name="Google Shape;289;g1f213c8c16b_0_ 4" descr=""/>
+            <p:cNvPicPr/>
+            <p:nvPr/>
+          </p:nvPicPr>
+          <p:blipFill>
+            <a:blip r:embed="rId5"/>
+            <a:stretch/>
+          </p:blipFill>
+          <p:spPr>
+            <a:xfrm>
+              <a:off x="626400" y="484200"/>
+              <a:ext cx="1503360" cy="522000"/>
+            </a:xfrm>
+            <a:prstGeom prst="rect">
+              <a:avLst/>
+            </a:prstGeom>
+            <a:ln w="0">
+              <a:noFill/>
+            </a:ln>
+          </p:spPr>
+        </p:pic>
+      </p:grpSp>
+      <p:sp>
+        <p:nvSpPr>
+          <p:cNvPr id="137" name="Google Shape;253;g1f213c8c16b_0_ 4"/>
           <p:cNvSpPr/>
           <p:nvPr/>
         </p:nvSpPr>
         <p:spPr>
           <a:xfrm>
-            <a:off x="1228680" y="585000"/>
-            <a:ext cx="9564480" cy="1186920"/>
+            <a:off x="1440000" y="1080000"/>
+            <a:ext cx="9358560" cy="637920"/>
           </a:xfrm>
           <a:prstGeom prst="rect">
             <a:avLst/>
@@ -9600,25 +8976,7 @@
             <a:spAutoFit/>
           </a:bodyPr>
           <a:p>
-            <a:pPr algn="ctr">
-              <a:lnSpc>
-                <a:spcPct val="100000"/>
-              </a:lnSpc>
-              <a:tabLst>
-                <a:tab algn="l" pos="0"/>
-              </a:tabLst>
-            </a:pPr>
-            <a:r>
-              <a:rPr b="0" lang="es-CO" sz="7200" spc="-1" strike="noStrike">
-                <a:solidFill>
-                  <a:srgbClr val="001059"/>
-                </a:solidFill>
-                <a:latin typeface="Nunito Sans Black"/>
-                <a:ea typeface="Nunito Sans Black"/>
-              </a:rPr>
-              <a:t>LOGOS:</a:t>
-            </a:r>
-            <a:endParaRPr b="0" lang="es-CO" sz="7200" spc="-1" strike="noStrike">
+            <a:endParaRPr b="0" lang="es-CO" sz="1800" spc="-1" strike="noStrike">
               <a:solidFill>
                 <a:srgbClr val="000000"/>
               </a:solidFill>
@@ -9629,100 +8987,7 @@
       </p:sp>
       <p:pic>
         <p:nvPicPr>
-          <p:cNvPr id="140" name="Google Shape;313;g1f213c8c16b_0_211" descr=""/>
-          <p:cNvPicPr/>
-          <p:nvPr/>
-        </p:nvPicPr>
-        <p:blipFill>
-          <a:blip r:embed="rId2"/>
-          <a:srcRect l="8004" t="20494" r="6931" b="16482"/>
-          <a:stretch/>
-        </p:blipFill>
-        <p:spPr>
-          <a:xfrm>
-            <a:off x="4869360" y="2808000"/>
-            <a:ext cx="2450880" cy="869400"/>
-          </a:xfrm>
-          <a:prstGeom prst="rect">
-            <a:avLst/>
-          </a:prstGeom>
-          <a:ln w="0">
-            <a:noFill/>
-          </a:ln>
-        </p:spPr>
-      </p:pic>
-      <p:pic>
-        <p:nvPicPr>
-          <p:cNvPr id="141" name="Google Shape;314;g1f213c8c16b_0_211" descr=""/>
-          <p:cNvPicPr/>
-          <p:nvPr/>
-        </p:nvPicPr>
-        <p:blipFill>
-          <a:blip r:embed="rId3"/>
-          <a:stretch/>
-        </p:blipFill>
-        <p:spPr>
-          <a:xfrm>
-            <a:off x="1228680" y="2808000"/>
-            <a:ext cx="1852920" cy="644400"/>
-          </a:xfrm>
-          <a:prstGeom prst="rect">
-            <a:avLst/>
-          </a:prstGeom>
-          <a:ln w="0">
-            <a:noFill/>
-          </a:ln>
-        </p:spPr>
-      </p:pic>
-      <p:pic>
-        <p:nvPicPr>
-          <p:cNvPr id="142" name="Google Shape;315;g1f213c8c16b_0_211" descr=""/>
-          <p:cNvPicPr/>
-          <p:nvPr/>
-        </p:nvPicPr>
-        <p:blipFill>
-          <a:blip r:embed="rId4"/>
-          <a:stretch/>
-        </p:blipFill>
-        <p:spPr>
-          <a:xfrm>
-            <a:off x="8579880" y="2695680"/>
-            <a:ext cx="2025360" cy="1094400"/>
-          </a:xfrm>
-          <a:prstGeom prst="rect">
-            <a:avLst/>
-          </a:prstGeom>
-          <a:ln w="0">
-            <a:noFill/>
-          </a:ln>
-        </p:spPr>
-      </p:pic>
-      <p:pic>
-        <p:nvPicPr>
-          <p:cNvPr id="143" name="Google Shape;316;g1f213c8c16b_0_211" descr=""/>
-          <p:cNvPicPr/>
-          <p:nvPr/>
-        </p:nvPicPr>
-        <p:blipFill>
-          <a:blip r:embed="rId5"/>
-          <a:stretch/>
-        </p:blipFill>
-        <p:spPr>
-          <a:xfrm>
-            <a:off x="597600" y="398520"/>
-            <a:ext cx="1085760" cy="377280"/>
-          </a:xfrm>
-          <a:prstGeom prst="rect">
-            <a:avLst/>
-          </a:prstGeom>
-          <a:ln w="0">
-            <a:noFill/>
-          </a:ln>
-        </p:spPr>
-      </p:pic>
-      <p:pic>
-        <p:nvPicPr>
-          <p:cNvPr id="144" name="Google Shape;317;g1f213c8c16b_0_211" descr=""/>
+          <p:cNvPr id="138" name="" descr=""/>
           <p:cNvPicPr/>
           <p:nvPr/>
         </p:nvPicPr>
@@ -9732,8 +8997,8 @@
         </p:blipFill>
         <p:spPr>
           <a:xfrm>
-            <a:off x="10002240" y="199800"/>
-            <a:ext cx="1422000" cy="767880"/>
+            <a:off x="200880" y="2149200"/>
+            <a:ext cx="5778720" cy="3250440"/>
           </a:xfrm>
           <a:prstGeom prst="rect">
             <a:avLst/>
@@ -9743,6 +9008,82 @@
           </a:ln>
         </p:spPr>
       </p:pic>
+      <p:pic>
+        <p:nvPicPr>
+          <p:cNvPr id="139" name="" descr=""/>
+          <p:cNvPicPr/>
+          <p:nvPr/>
+        </p:nvPicPr>
+        <p:blipFill>
+          <a:blip r:embed="rId7"/>
+          <a:stretch/>
+        </p:blipFill>
+        <p:spPr>
+          <a:xfrm>
+            <a:off x="6201360" y="2700000"/>
+            <a:ext cx="5990400" cy="2339640"/>
+          </a:xfrm>
+          <a:prstGeom prst="rect">
+            <a:avLst/>
+          </a:prstGeom>
+          <a:ln w="0">
+            <a:noFill/>
+          </a:ln>
+        </p:spPr>
+      </p:pic>
+      <p:sp>
+        <p:nvSpPr>
+          <p:cNvPr id="140" name=""/>
+          <p:cNvSpPr/>
+          <p:nvPr/>
+        </p:nvSpPr>
+        <p:spPr>
+          <a:xfrm>
+            <a:off x="6480000" y="5580000"/>
+            <a:ext cx="4859640" cy="608400"/>
+          </a:xfrm>
+          <a:prstGeom prst="rect">
+            <a:avLst/>
+          </a:prstGeom>
+          <a:noFill/>
+          <a:ln w="0">
+            <a:noFill/>
+          </a:ln>
+        </p:spPr>
+        <p:style>
+          <a:lnRef idx="0"/>
+          <a:fillRef idx="0"/>
+          <a:effectRef idx="0"/>
+          <a:fontRef idx="minor"/>
+        </p:style>
+        <p:txBody>
+          <a:bodyPr lIns="90000" rIns="90000" tIns="45000" bIns="45000" anchor="t">
+            <a:noAutofit/>
+          </a:bodyPr>
+          <a:p>
+            <a:pPr>
+              <a:lnSpc>
+                <a:spcPct val="100000"/>
+              </a:lnSpc>
+            </a:pPr>
+            <a:r>
+              <a:rPr b="0" lang="es-CO" sz="1800" spc="-1" strike="noStrike">
+                <a:solidFill>
+                  <a:srgbClr val="ffffff"/>
+                </a:solidFill>
+                <a:latin typeface="Liberation Mono;Courier New;DejaVu Sans Mono"/>
+              </a:rPr>
+              <a:t>npm install react-hook-form </a:t>
+            </a:r>
+            <a:endParaRPr b="0" lang="es-CO" sz="1800" spc="-1" strike="noStrike">
+              <a:solidFill>
+                <a:srgbClr val="000000"/>
+              </a:solidFill>
+              <a:latin typeface="Arial"/>
+            </a:endParaRPr>
+          </a:p>
+        </p:txBody>
+      </p:sp>
     </p:spTree>
   </p:cSld>
   <mc:AlternateContent>
@@ -9773,71 +9114,113 @@
           <a:chExt cx="0" cy="0"/>
         </a:xfrm>
       </p:grpSpPr>
-      <p:grpSp>
-        <p:nvGrpSpPr>
-          <p:cNvPr id="145" name="Google Shape;323;g1f213c8c16b_0_222"/>
-          <p:cNvGrpSpPr/>
-          <p:nvPr/>
-        </p:nvGrpSpPr>
-        <p:grpSpPr>
-          <a:xfrm>
-            <a:off x="0" y="0"/>
-            <a:ext cx="12189960" cy="6855840"/>
-            <a:chOff x="0" y="0"/>
-            <a:chExt cx="12189960" cy="6855840"/>
-          </a:xfrm>
-        </p:grpSpPr>
-        <p:pic>
-          <p:nvPicPr>
-            <p:cNvPr id="146" name="Google Shape;324;g1f213c8c16b_0_222" descr=""/>
-            <p:cNvPicPr/>
-            <p:nvPr/>
-          </p:nvPicPr>
-          <p:blipFill>
-            <a:blip r:embed="rId1"/>
-            <a:srcRect l="7813" t="0" r="7813" b="7535"/>
-            <a:stretch/>
-          </p:blipFill>
-          <p:spPr>
-            <a:xfrm>
-              <a:off x="0" y="0"/>
-              <a:ext cx="12189960" cy="6855840"/>
-            </a:xfrm>
-            <a:prstGeom prst="rect">
-              <a:avLst/>
-            </a:prstGeom>
-            <a:ln w="0">
-              <a:noFill/>
-            </a:ln>
-          </p:spPr>
-        </p:pic>
-        <p:pic>
-          <p:nvPicPr>
-            <p:cNvPr id="147" name="Google Shape;325;g1f213c8c16b_0_222" descr=""/>
-            <p:cNvPicPr/>
-            <p:nvPr/>
-          </p:nvPicPr>
-          <p:blipFill>
-            <a:blip r:embed="rId2"/>
-            <a:stretch/>
-          </p:blipFill>
-          <p:spPr>
-            <a:xfrm>
-              <a:off x="0" y="0"/>
-              <a:ext cx="12189960" cy="6855840"/>
-            </a:xfrm>
-            <a:prstGeom prst="rect">
-              <a:avLst/>
-            </a:prstGeom>
-            <a:ln w="0">
-              <a:noFill/>
-            </a:ln>
-          </p:spPr>
-        </p:pic>
-      </p:grpSp>
       <p:pic>
         <p:nvPicPr>
-          <p:cNvPr id="148" name="Google Shape;326;g1f213c8c16b_0_222" descr=""/>
+          <p:cNvPr id="141" name="Google Shape;311;g1f213c8c16b_0_211" descr=""/>
+          <p:cNvPicPr/>
+          <p:nvPr/>
+        </p:nvPicPr>
+        <p:blipFill>
+          <a:blip r:embed="rId1"/>
+          <a:stretch/>
+        </p:blipFill>
+        <p:spPr>
+          <a:xfrm>
+            <a:off x="3965040" y="4641120"/>
+            <a:ext cx="4087440" cy="1334880"/>
+          </a:xfrm>
+          <a:prstGeom prst="rect">
+            <a:avLst/>
+          </a:prstGeom>
+          <a:ln w="0">
+            <a:noFill/>
+          </a:ln>
+        </p:spPr>
+      </p:pic>
+      <p:sp>
+        <p:nvSpPr>
+          <p:cNvPr id="142" name="Google Shape;312;g1f213c8c16b_0_211"/>
+          <p:cNvSpPr/>
+          <p:nvPr/>
+        </p:nvSpPr>
+        <p:spPr>
+          <a:xfrm>
+            <a:off x="1228680" y="585000"/>
+            <a:ext cx="9564120" cy="1187640"/>
+          </a:xfrm>
+          <a:prstGeom prst="rect">
+            <a:avLst/>
+          </a:prstGeom>
+          <a:noFill/>
+          <a:ln w="0">
+            <a:noFill/>
+          </a:ln>
+        </p:spPr>
+        <p:style>
+          <a:lnRef idx="0"/>
+          <a:fillRef idx="0"/>
+          <a:effectRef idx="0"/>
+          <a:fontRef idx="minor"/>
+        </p:style>
+        <p:txBody>
+          <a:bodyPr lIns="90000" rIns="90000" tIns="45000" bIns="45000" anchor="t">
+            <a:spAutoFit/>
+          </a:bodyPr>
+          <a:p>
+            <a:pPr algn="ctr">
+              <a:lnSpc>
+                <a:spcPct val="100000"/>
+              </a:lnSpc>
+              <a:tabLst>
+                <a:tab algn="l" pos="0"/>
+              </a:tabLst>
+            </a:pPr>
+            <a:r>
+              <a:rPr b="0" lang="es-CO" sz="7200" spc="-1" strike="noStrike">
+                <a:solidFill>
+                  <a:srgbClr val="001059"/>
+                </a:solidFill>
+                <a:latin typeface="Nunito Sans Black"/>
+                <a:ea typeface="Nunito Sans Black"/>
+              </a:rPr>
+              <a:t>LOGOS:</a:t>
+            </a:r>
+            <a:endParaRPr b="0" lang="es-CO" sz="7200" spc="-1" strike="noStrike">
+              <a:solidFill>
+                <a:srgbClr val="000000"/>
+              </a:solidFill>
+              <a:latin typeface="Arial"/>
+            </a:endParaRPr>
+          </a:p>
+        </p:txBody>
+      </p:sp>
+      <p:pic>
+        <p:nvPicPr>
+          <p:cNvPr id="143" name="Google Shape;313;g1f213c8c16b_0_211" descr=""/>
+          <p:cNvPicPr/>
+          <p:nvPr/>
+        </p:nvPicPr>
+        <p:blipFill>
+          <a:blip r:embed="rId2"/>
+          <a:srcRect l="8004" t="20494" r="6931" b="16482"/>
+          <a:stretch/>
+        </p:blipFill>
+        <p:spPr>
+          <a:xfrm>
+            <a:off x="4869360" y="2808000"/>
+            <a:ext cx="2450520" cy="869040"/>
+          </a:xfrm>
+          <a:prstGeom prst="rect">
+            <a:avLst/>
+          </a:prstGeom>
+          <a:ln w="0">
+            <a:noFill/>
+          </a:ln>
+        </p:spPr>
+      </p:pic>
+      <p:pic>
+        <p:nvPicPr>
+          <p:cNvPr id="144" name="Google Shape;314;g1f213c8c16b_0_211" descr=""/>
           <p:cNvPicPr/>
           <p:nvPr/>
         </p:nvPicPr>
@@ -9847,8 +9230,8 @@
         </p:blipFill>
         <p:spPr>
           <a:xfrm>
-            <a:off x="2340720" y="1970640"/>
-            <a:ext cx="7508880" cy="2914200"/>
+            <a:off x="1228680" y="2808000"/>
+            <a:ext cx="1852560" cy="644040"/>
           </a:xfrm>
           <a:prstGeom prst="rect">
             <a:avLst/>
@@ -9860,7 +9243,7 @@
       </p:pic>
       <p:pic>
         <p:nvPicPr>
-          <p:cNvPr id="149" name="Google Shape;327;g1f213c8c16b_0_222" descr=""/>
+          <p:cNvPr id="145" name="Google Shape;315;g1f213c8c16b_0_211" descr=""/>
           <p:cNvPicPr/>
           <p:nvPr/>
         </p:nvPicPr>
@@ -9870,8 +9253,8 @@
         </p:blipFill>
         <p:spPr>
           <a:xfrm>
-            <a:off x="4592160" y="324000"/>
-            <a:ext cx="3005280" cy="1438920"/>
+            <a:off x="8579880" y="2695680"/>
+            <a:ext cx="2025000" cy="1094040"/>
           </a:xfrm>
           <a:prstGeom prst="rect">
             <a:avLst/>
@@ -9883,7 +9266,7 @@
       </p:pic>
       <p:pic>
         <p:nvPicPr>
-          <p:cNvPr id="150" name="Google Shape;328;g1f213c8c16b_0_222" descr=""/>
+          <p:cNvPr id="146" name="Google Shape;316;g1f213c8c16b_0_211" descr=""/>
           <p:cNvPicPr/>
           <p:nvPr/>
         </p:nvPicPr>
@@ -9893,8 +9276,8 @@
         </p:blipFill>
         <p:spPr>
           <a:xfrm>
-            <a:off x="9712800" y="5933520"/>
-            <a:ext cx="2162880" cy="667440"/>
+            <a:off x="597600" y="398520"/>
+            <a:ext cx="1085400" cy="376920"/>
           </a:xfrm>
           <a:prstGeom prst="rect">
             <a:avLst/>
@@ -9904,67 +9287,29 @@
           </a:ln>
         </p:spPr>
       </p:pic>
-      <p:grpSp>
-        <p:nvGrpSpPr>
-          <p:cNvPr id="151" name="Google Shape;329;g1f213c8c16b_0_222"/>
-          <p:cNvGrpSpPr/>
+      <p:pic>
+        <p:nvPicPr>
+          <p:cNvPr id="147" name="Google Shape;317;g1f213c8c16b_0_211" descr=""/>
+          <p:cNvPicPr/>
           <p:nvPr/>
-        </p:nvGrpSpPr>
-        <p:grpSpPr>
-          <a:xfrm>
-            <a:off x="626400" y="254520"/>
-            <a:ext cx="11249280" cy="981000"/>
-            <a:chOff x="626400" y="254520"/>
-            <a:chExt cx="11249280" cy="981000"/>
-          </a:xfrm>
-        </p:grpSpPr>
-        <p:pic>
-          <p:nvPicPr>
-            <p:cNvPr id="152" name="Google Shape;330;g1f213c8c16b_0_222" descr=""/>
-            <p:cNvPicPr/>
-            <p:nvPr/>
-          </p:nvPicPr>
-          <p:blipFill>
-            <a:blip r:embed="rId6"/>
-            <a:stretch/>
-          </p:blipFill>
-          <p:spPr>
-            <a:xfrm>
-              <a:off x="10059840" y="254520"/>
-              <a:ext cx="1815840" cy="981000"/>
-            </a:xfrm>
-            <a:prstGeom prst="rect">
-              <a:avLst/>
-            </a:prstGeom>
-            <a:ln w="0">
-              <a:noFill/>
-            </a:ln>
-          </p:spPr>
-        </p:pic>
-        <p:pic>
-          <p:nvPicPr>
-            <p:cNvPr id="153" name="Google Shape;331;g1f213c8c16b_0_222" descr=""/>
-            <p:cNvPicPr/>
-            <p:nvPr/>
-          </p:nvPicPr>
-          <p:blipFill>
-            <a:blip r:embed="rId7"/>
-            <a:stretch/>
-          </p:blipFill>
-          <p:spPr>
-            <a:xfrm>
-              <a:off x="626400" y="484200"/>
-              <a:ext cx="1503720" cy="522360"/>
-            </a:xfrm>
-            <a:prstGeom prst="rect">
-              <a:avLst/>
-            </a:prstGeom>
-            <a:ln w="0">
-              <a:noFill/>
-            </a:ln>
-          </p:spPr>
-        </p:pic>
-      </p:grpSp>
+        </p:nvPicPr>
+        <p:blipFill>
+          <a:blip r:embed="rId6"/>
+          <a:stretch/>
+        </p:blipFill>
+        <p:spPr>
+          <a:xfrm>
+            <a:off x="10002240" y="199800"/>
+            <a:ext cx="1421640" cy="767520"/>
+          </a:xfrm>
+          <a:prstGeom prst="rect">
+            <a:avLst/>
+          </a:prstGeom>
+          <a:ln w="0">
+            <a:noFill/>
+          </a:ln>
+        </p:spPr>
+      </p:pic>
     </p:spTree>
   </p:cSld>
   <mc:AlternateContent>
@@ -10022,13 +9367,13 @@
     <a:fontScheme name="Office">
       <a:majorFont>
         <a:latin typeface="Arial" pitchFamily="0" charset="1"/>
-        <a:ea typeface=""/>
-        <a:cs typeface=""/>
+        <a:ea typeface="DejaVu Sans" pitchFamily="0" charset="1"/>
+        <a:cs typeface="DejaVu Sans" pitchFamily="0" charset="1"/>
       </a:majorFont>
       <a:minorFont>
         <a:latin typeface="Arial" pitchFamily="0" charset="1"/>
-        <a:ea typeface=""/>
-        <a:cs typeface=""/>
+        <a:ea typeface="DejaVu Sans" pitchFamily="0" charset="1"/>
+        <a:cs typeface="DejaVu Sans" pitchFamily="0" charset="1"/>
       </a:minorFont>
     </a:fontScheme>
     <a:fmtScheme>
@@ -10036,55 +9381,25 @@
         <a:solidFill>
           <a:schemeClr val="phClr"/>
         </a:solidFill>
-        <a:gradFill>
-          <a:gsLst>
-            <a:gs pos="0">
-              <a:schemeClr val="phClr">
-                <a:tint val="50000"/>
-              </a:schemeClr>
-            </a:gs>
-            <a:gs pos="35000">
-              <a:schemeClr val="phClr">
-                <a:tint val="37000"/>
-              </a:schemeClr>
-            </a:gs>
-            <a:gs pos="100000">
-              <a:schemeClr val="phClr">
-                <a:tint val="15000"/>
-              </a:schemeClr>
-            </a:gs>
-          </a:gsLst>
-          <a:lin ang="16200000" scaled="1"/>
-          <a:tileRect l="0" t="0" r="0" b="0"/>
-        </a:gradFill>
-        <a:gradFill>
-          <a:gsLst>
-            <a:gs pos="0">
-              <a:schemeClr val="phClr">
-                <a:tint val="100000"/>
-                <a:shade val="100000"/>
-              </a:schemeClr>
-            </a:gs>
-            <a:gs pos="100000">
-              <a:schemeClr val="phClr">
-                <a:tint val="50000"/>
-                <a:shade val="100000"/>
-              </a:schemeClr>
-            </a:gs>
-          </a:gsLst>
-          <a:lin ang="16200000" scaled="0"/>
-          <a:tileRect l="0" t="0" r="0" b="0"/>
-        </a:gradFill>
+        <a:solidFill>
+          <a:schemeClr val="phClr"/>
+        </a:solidFill>
+        <a:solidFill>
+          <a:schemeClr val="phClr"/>
+        </a:solidFill>
       </a:fillStyleLst>
       <a:lnStyleLst>
-        <a:ln w="9525" cap="flat" cmpd="sng" algn="ctr">
+        <a:ln w="6350" cap="flat" cmpd="sng" algn="ctr">
           <a:prstDash val="solid"/>
+          <a:miter/>
         </a:ln>
-        <a:ln w="25400" cap="flat" cmpd="sng" algn="ctr">
+        <a:ln w="6350" cap="flat" cmpd="sng" algn="ctr">
           <a:prstDash val="solid"/>
+          <a:miter/>
         </a:ln>
-        <a:ln w="38100" cap="flat" cmpd="sng" algn="ctr">
+        <a:ln w="6350" cap="flat" cmpd="sng" algn="ctr">
           <a:prstDash val="solid"/>
+          <a:miter/>
         </a:ln>
       </a:lnStyleLst>
       <a:effectStyleLst>
@@ -10102,48 +9417,12 @@
         <a:solidFill>
           <a:schemeClr val="phClr"/>
         </a:solidFill>
-        <a:gradFill>
-          <a:gsLst>
-            <a:gs pos="0">
-              <a:schemeClr val="phClr">
-                <a:tint val="40000"/>
-              </a:schemeClr>
-            </a:gs>
-            <a:gs pos="40000">
-              <a:schemeClr val="phClr">
-                <a:tint val="45000"/>
-                <a:shade val="99000"/>
-              </a:schemeClr>
-            </a:gs>
-            <a:gs pos="100000">
-              <a:schemeClr val="phClr">
-                <a:shade val="20000"/>
-              </a:schemeClr>
-            </a:gs>
-          </a:gsLst>
-          <a:path path="circle">
-            <a:fillToRect l="50000" t="-80000" r="50000" b="180000"/>
-          </a:path>
-          <a:tileRect l="0" t="0" r="0" b="0"/>
-        </a:gradFill>
-        <a:gradFill>
-          <a:gsLst>
-            <a:gs pos="0">
-              <a:schemeClr val="phClr">
-                <a:tint val="80000"/>
-              </a:schemeClr>
-            </a:gs>
-            <a:gs pos="100000">
-              <a:schemeClr val="phClr">
-                <a:shade val="30000"/>
-              </a:schemeClr>
-            </a:gs>
-          </a:gsLst>
-          <a:path path="circle">
-            <a:fillToRect l="50000" t="50000" r="50000" b="50000"/>
-          </a:path>
-          <a:tileRect l="0" t="0" r="0" b="0"/>
-        </a:gradFill>
+        <a:solidFill>
+          <a:schemeClr val="phClr"/>
+        </a:solidFill>
+        <a:solidFill>
+          <a:schemeClr val="phClr"/>
+        </a:solidFill>
       </a:bgFillStyleLst>
     </a:fmtScheme>
   </a:themeElements>
@@ -10194,13 +9473,13 @@
     <a:fontScheme name="Office">
       <a:majorFont>
         <a:latin typeface="Arial" pitchFamily="0" charset="1"/>
-        <a:ea typeface=""/>
-        <a:cs typeface=""/>
+        <a:ea typeface="DejaVu Sans" pitchFamily="0" charset="1"/>
+        <a:cs typeface="DejaVu Sans" pitchFamily="0" charset="1"/>
       </a:majorFont>
       <a:minorFont>
         <a:latin typeface="Arial" pitchFamily="0" charset="1"/>
-        <a:ea typeface=""/>
-        <a:cs typeface=""/>
+        <a:ea typeface="DejaVu Sans" pitchFamily="0" charset="1"/>
+        <a:cs typeface="DejaVu Sans" pitchFamily="0" charset="1"/>
       </a:minorFont>
     </a:fontScheme>
     <a:fmtScheme>
@@ -10208,55 +9487,25 @@
         <a:solidFill>
           <a:schemeClr val="phClr"/>
         </a:solidFill>
-        <a:gradFill>
-          <a:gsLst>
-            <a:gs pos="0">
-              <a:schemeClr val="phClr">
-                <a:tint val="50000"/>
-              </a:schemeClr>
-            </a:gs>
-            <a:gs pos="35000">
-              <a:schemeClr val="phClr">
-                <a:tint val="37000"/>
-              </a:schemeClr>
-            </a:gs>
-            <a:gs pos="100000">
-              <a:schemeClr val="phClr">
-                <a:tint val="15000"/>
-              </a:schemeClr>
-            </a:gs>
-          </a:gsLst>
-          <a:lin ang="16200000" scaled="1"/>
-          <a:tileRect l="0" t="0" r="0" b="0"/>
-        </a:gradFill>
-        <a:gradFill>
-          <a:gsLst>
-            <a:gs pos="0">
-              <a:schemeClr val="phClr">
-                <a:tint val="100000"/>
-                <a:shade val="100000"/>
-              </a:schemeClr>
-            </a:gs>
-            <a:gs pos="100000">
-              <a:schemeClr val="phClr">
-                <a:tint val="50000"/>
-                <a:shade val="100000"/>
-              </a:schemeClr>
-            </a:gs>
-          </a:gsLst>
-          <a:lin ang="16200000" scaled="0"/>
-          <a:tileRect l="0" t="0" r="0" b="0"/>
-        </a:gradFill>
+        <a:solidFill>
+          <a:schemeClr val="phClr"/>
+        </a:solidFill>
+        <a:solidFill>
+          <a:schemeClr val="phClr"/>
+        </a:solidFill>
       </a:fillStyleLst>
       <a:lnStyleLst>
-        <a:ln w="9525" cap="flat" cmpd="sng" algn="ctr">
+        <a:ln w="6350" cap="flat" cmpd="sng" algn="ctr">
           <a:prstDash val="solid"/>
+          <a:miter/>
         </a:ln>
-        <a:ln w="25400" cap="flat" cmpd="sng" algn="ctr">
+        <a:ln w="6350" cap="flat" cmpd="sng" algn="ctr">
           <a:prstDash val="solid"/>
+          <a:miter/>
         </a:ln>
-        <a:ln w="38100" cap="flat" cmpd="sng" algn="ctr">
+        <a:ln w="6350" cap="flat" cmpd="sng" algn="ctr">
           <a:prstDash val="solid"/>
+          <a:miter/>
         </a:ln>
       </a:lnStyleLst>
       <a:effectStyleLst>
@@ -10274,48 +9523,12 @@
         <a:solidFill>
           <a:schemeClr val="phClr"/>
         </a:solidFill>
-        <a:gradFill>
-          <a:gsLst>
-            <a:gs pos="0">
-              <a:schemeClr val="phClr">
-                <a:tint val="40000"/>
-              </a:schemeClr>
-            </a:gs>
-            <a:gs pos="40000">
-              <a:schemeClr val="phClr">
-                <a:tint val="45000"/>
-                <a:shade val="99000"/>
-              </a:schemeClr>
-            </a:gs>
-            <a:gs pos="100000">
-              <a:schemeClr val="phClr">
-                <a:shade val="20000"/>
-              </a:schemeClr>
-            </a:gs>
-          </a:gsLst>
-          <a:path path="circle">
-            <a:fillToRect l="50000" t="-80000" r="50000" b="180000"/>
-          </a:path>
-          <a:tileRect l="0" t="0" r="0" b="0"/>
-        </a:gradFill>
-        <a:gradFill>
-          <a:gsLst>
-            <a:gs pos="0">
-              <a:schemeClr val="phClr">
-                <a:tint val="80000"/>
-              </a:schemeClr>
-            </a:gs>
-            <a:gs pos="100000">
-              <a:schemeClr val="phClr">
-                <a:shade val="30000"/>
-              </a:schemeClr>
-            </a:gs>
-          </a:gsLst>
-          <a:path path="circle">
-            <a:fillToRect l="50000" t="50000" r="50000" b="50000"/>
-          </a:path>
-          <a:tileRect l="0" t="0" r="0" b="0"/>
-        </a:gradFill>
+        <a:solidFill>
+          <a:schemeClr val="phClr"/>
+        </a:solidFill>
+        <a:solidFill>
+          <a:schemeClr val="phClr"/>
+        </a:solidFill>
       </a:bgFillStyleLst>
     </a:fmtScheme>
   </a:themeElements>
@@ -10366,13 +9579,13 @@
     <a:fontScheme name="Office">
       <a:majorFont>
         <a:latin typeface="Arial" pitchFamily="0" charset="1"/>
-        <a:ea typeface=""/>
-        <a:cs typeface=""/>
+        <a:ea typeface="DejaVu Sans" pitchFamily="0" charset="1"/>
+        <a:cs typeface="DejaVu Sans" pitchFamily="0" charset="1"/>
       </a:majorFont>
       <a:minorFont>
         <a:latin typeface="Arial" pitchFamily="0" charset="1"/>
-        <a:ea typeface=""/>
-        <a:cs typeface=""/>
+        <a:ea typeface="DejaVu Sans" pitchFamily="0" charset="1"/>
+        <a:cs typeface="DejaVu Sans" pitchFamily="0" charset="1"/>
       </a:minorFont>
     </a:fontScheme>
     <a:fmtScheme>
@@ -10380,55 +9593,25 @@
         <a:solidFill>
           <a:schemeClr val="phClr"/>
         </a:solidFill>
-        <a:gradFill>
-          <a:gsLst>
-            <a:gs pos="0">
-              <a:schemeClr val="phClr">
-                <a:tint val="50000"/>
-              </a:schemeClr>
-            </a:gs>
-            <a:gs pos="35000">
-              <a:schemeClr val="phClr">
-                <a:tint val="37000"/>
-              </a:schemeClr>
-            </a:gs>
-            <a:gs pos="100000">
-              <a:schemeClr val="phClr">
-                <a:tint val="15000"/>
-              </a:schemeClr>
-            </a:gs>
-          </a:gsLst>
-          <a:lin ang="16200000" scaled="1"/>
-          <a:tileRect l="0" t="0" r="0" b="0"/>
-        </a:gradFill>
-        <a:gradFill>
-          <a:gsLst>
-            <a:gs pos="0">
-              <a:schemeClr val="phClr">
-                <a:tint val="100000"/>
-                <a:shade val="100000"/>
-              </a:schemeClr>
-            </a:gs>
-            <a:gs pos="100000">
-              <a:schemeClr val="phClr">
-                <a:tint val="50000"/>
-                <a:shade val="100000"/>
-              </a:schemeClr>
-            </a:gs>
-          </a:gsLst>
-          <a:lin ang="16200000" scaled="0"/>
-          <a:tileRect l="0" t="0" r="0" b="0"/>
-        </a:gradFill>
+        <a:solidFill>
+          <a:schemeClr val="phClr"/>
+        </a:solidFill>
+        <a:solidFill>
+          <a:schemeClr val="phClr"/>
+        </a:solidFill>
       </a:fillStyleLst>
       <a:lnStyleLst>
-        <a:ln w="9525" cap="flat" cmpd="sng" algn="ctr">
+        <a:ln w="6350" cap="flat" cmpd="sng" algn="ctr">
           <a:prstDash val="solid"/>
+          <a:miter/>
         </a:ln>
-        <a:ln w="25400" cap="flat" cmpd="sng" algn="ctr">
+        <a:ln w="6350" cap="flat" cmpd="sng" algn="ctr">
           <a:prstDash val="solid"/>
+          <a:miter/>
         </a:ln>
-        <a:ln w="38100" cap="flat" cmpd="sng" algn="ctr">
+        <a:ln w="6350" cap="flat" cmpd="sng" algn="ctr">
           <a:prstDash val="solid"/>
+          <a:miter/>
         </a:ln>
       </a:lnStyleLst>
       <a:effectStyleLst>
@@ -10446,48 +9629,12 @@
         <a:solidFill>
           <a:schemeClr val="phClr"/>
         </a:solidFill>
-        <a:gradFill>
-          <a:gsLst>
-            <a:gs pos="0">
-              <a:schemeClr val="phClr">
-                <a:tint val="40000"/>
-              </a:schemeClr>
-            </a:gs>
-            <a:gs pos="40000">
-              <a:schemeClr val="phClr">
-                <a:tint val="45000"/>
-                <a:shade val="99000"/>
-              </a:schemeClr>
-            </a:gs>
-            <a:gs pos="100000">
-              <a:schemeClr val="phClr">
-                <a:shade val="20000"/>
-              </a:schemeClr>
-            </a:gs>
-          </a:gsLst>
-          <a:path path="circle">
-            <a:fillToRect l="50000" t="-80000" r="50000" b="180000"/>
-          </a:path>
-          <a:tileRect l="0" t="0" r="0" b="0"/>
-        </a:gradFill>
-        <a:gradFill>
-          <a:gsLst>
-            <a:gs pos="0">
-              <a:schemeClr val="phClr">
-                <a:tint val="80000"/>
-              </a:schemeClr>
-            </a:gs>
-            <a:gs pos="100000">
-              <a:schemeClr val="phClr">
-                <a:shade val="30000"/>
-              </a:schemeClr>
-            </a:gs>
-          </a:gsLst>
-          <a:path path="circle">
-            <a:fillToRect l="50000" t="50000" r="50000" b="50000"/>
-          </a:path>
-          <a:tileRect l="0" t="0" r="0" b="0"/>
-        </a:gradFill>
+        <a:solidFill>
+          <a:schemeClr val="phClr"/>
+        </a:solidFill>
+        <a:solidFill>
+          <a:schemeClr val="phClr"/>
+        </a:solidFill>
       </a:bgFillStyleLst>
     </a:fmtScheme>
   </a:themeElements>
@@ -10644,13 +9791,13 @@
     <a:fontScheme name="Office">
       <a:majorFont>
         <a:latin typeface="Arial" pitchFamily="0" charset="1"/>
-        <a:ea typeface=""/>
-        <a:cs typeface=""/>
+        <a:ea typeface="DejaVu Sans" pitchFamily="0" charset="1"/>
+        <a:cs typeface="DejaVu Sans" pitchFamily="0" charset="1"/>
       </a:majorFont>
       <a:minorFont>
         <a:latin typeface="Arial" pitchFamily="0" charset="1"/>
-        <a:ea typeface=""/>
-        <a:cs typeface=""/>
+        <a:ea typeface="DejaVu Sans" pitchFamily="0" charset="1"/>
+        <a:cs typeface="DejaVu Sans" pitchFamily="0" charset="1"/>
       </a:minorFont>
     </a:fontScheme>
     <a:fmtScheme>
@@ -10658,55 +9805,25 @@
         <a:solidFill>
           <a:schemeClr val="phClr"/>
         </a:solidFill>
-        <a:gradFill>
-          <a:gsLst>
-            <a:gs pos="0">
-              <a:schemeClr val="phClr">
-                <a:tint val="50000"/>
-              </a:schemeClr>
-            </a:gs>
-            <a:gs pos="35000">
-              <a:schemeClr val="phClr">
-                <a:tint val="37000"/>
-              </a:schemeClr>
-            </a:gs>
-            <a:gs pos="100000">
-              <a:schemeClr val="phClr">
-                <a:tint val="15000"/>
-              </a:schemeClr>
-            </a:gs>
-          </a:gsLst>
-          <a:lin ang="16200000" scaled="1"/>
-          <a:tileRect l="0" t="0" r="0" b="0"/>
-        </a:gradFill>
-        <a:gradFill>
-          <a:gsLst>
-            <a:gs pos="0">
-              <a:schemeClr val="phClr">
-                <a:tint val="100000"/>
-                <a:shade val="100000"/>
-              </a:schemeClr>
-            </a:gs>
-            <a:gs pos="100000">
-              <a:schemeClr val="phClr">
-                <a:tint val="50000"/>
-                <a:shade val="100000"/>
-              </a:schemeClr>
-            </a:gs>
-          </a:gsLst>
-          <a:lin ang="16200000" scaled="0"/>
-          <a:tileRect l="0" t="0" r="0" b="0"/>
-        </a:gradFill>
+        <a:solidFill>
+          <a:schemeClr val="phClr"/>
+        </a:solidFill>
+        <a:solidFill>
+          <a:schemeClr val="phClr"/>
+        </a:solidFill>
       </a:fillStyleLst>
       <a:lnStyleLst>
-        <a:ln w="9525" cap="flat" cmpd="sng" algn="ctr">
+        <a:ln w="6350" cap="flat" cmpd="sng" algn="ctr">
           <a:prstDash val="solid"/>
+          <a:miter/>
         </a:ln>
-        <a:ln w="25400" cap="flat" cmpd="sng" algn="ctr">
+        <a:ln w="6350" cap="flat" cmpd="sng" algn="ctr">
           <a:prstDash val="solid"/>
+          <a:miter/>
         </a:ln>
-        <a:ln w="38100" cap="flat" cmpd="sng" algn="ctr">
+        <a:ln w="6350" cap="flat" cmpd="sng" algn="ctr">
           <a:prstDash val="solid"/>
+          <a:miter/>
         </a:ln>
       </a:lnStyleLst>
       <a:effectStyleLst>
@@ -10724,48 +9841,12 @@
         <a:solidFill>
           <a:schemeClr val="phClr"/>
         </a:solidFill>
-        <a:gradFill>
-          <a:gsLst>
-            <a:gs pos="0">
-              <a:schemeClr val="phClr">
-                <a:tint val="40000"/>
-              </a:schemeClr>
-            </a:gs>
-            <a:gs pos="40000">
-              <a:schemeClr val="phClr">
-                <a:tint val="45000"/>
-                <a:shade val="99000"/>
-              </a:schemeClr>
-            </a:gs>
-            <a:gs pos="100000">
-              <a:schemeClr val="phClr">
-                <a:shade val="20000"/>
-              </a:schemeClr>
-            </a:gs>
-          </a:gsLst>
-          <a:path path="circle">
-            <a:fillToRect l="50000" t="-80000" r="50000" b="180000"/>
-          </a:path>
-          <a:tileRect l="0" t="0" r="0" b="0"/>
-        </a:gradFill>
-        <a:gradFill>
-          <a:gsLst>
-            <a:gs pos="0">
-              <a:schemeClr val="phClr">
-                <a:tint val="80000"/>
-              </a:schemeClr>
-            </a:gs>
-            <a:gs pos="100000">
-              <a:schemeClr val="phClr">
-                <a:shade val="30000"/>
-              </a:schemeClr>
-            </a:gs>
-          </a:gsLst>
-          <a:path path="circle">
-            <a:fillToRect l="50000" t="50000" r="50000" b="50000"/>
-          </a:path>
-          <a:tileRect l="0" t="0" r="0" b="0"/>
-        </a:gradFill>
+        <a:solidFill>
+          <a:schemeClr val="phClr"/>
+        </a:solidFill>
+        <a:solidFill>
+          <a:schemeClr val="phClr"/>
+        </a:solidFill>
       </a:bgFillStyleLst>
     </a:fmtScheme>
   </a:themeElements>
@@ -10816,13 +9897,13 @@
     <a:fontScheme name="Office">
       <a:majorFont>
         <a:latin typeface="Arial" pitchFamily="0" charset="1"/>
-        <a:ea typeface=""/>
-        <a:cs typeface=""/>
+        <a:ea typeface="DejaVu Sans" pitchFamily="0" charset="1"/>
+        <a:cs typeface="DejaVu Sans" pitchFamily="0" charset="1"/>
       </a:majorFont>
       <a:minorFont>
         <a:latin typeface="Arial" pitchFamily="0" charset="1"/>
-        <a:ea typeface=""/>
-        <a:cs typeface=""/>
+        <a:ea typeface="DejaVu Sans" pitchFamily="0" charset="1"/>
+        <a:cs typeface="DejaVu Sans" pitchFamily="0" charset="1"/>
       </a:minorFont>
     </a:fontScheme>
     <a:fmtScheme>
@@ -10830,55 +9911,25 @@
         <a:solidFill>
           <a:schemeClr val="phClr"/>
         </a:solidFill>
-        <a:gradFill>
-          <a:gsLst>
-            <a:gs pos="0">
-              <a:schemeClr val="phClr">
-                <a:tint val="50000"/>
-              </a:schemeClr>
-            </a:gs>
-            <a:gs pos="35000">
-              <a:schemeClr val="phClr">
-                <a:tint val="37000"/>
-              </a:schemeClr>
-            </a:gs>
-            <a:gs pos="100000">
-              <a:schemeClr val="phClr">
-                <a:tint val="15000"/>
-              </a:schemeClr>
-            </a:gs>
-          </a:gsLst>
-          <a:lin ang="16200000" scaled="1"/>
-          <a:tileRect l="0" t="0" r="0" b="0"/>
-        </a:gradFill>
-        <a:gradFill>
-          <a:gsLst>
-            <a:gs pos="0">
-              <a:schemeClr val="phClr">
-                <a:tint val="100000"/>
-                <a:shade val="100000"/>
-              </a:schemeClr>
-            </a:gs>
-            <a:gs pos="100000">
-              <a:schemeClr val="phClr">
-                <a:tint val="50000"/>
-                <a:shade val="100000"/>
-              </a:schemeClr>
-            </a:gs>
-          </a:gsLst>
-          <a:lin ang="16200000" scaled="0"/>
-          <a:tileRect l="0" t="0" r="0" b="0"/>
-        </a:gradFill>
+        <a:solidFill>
+          <a:schemeClr val="phClr"/>
+        </a:solidFill>
+        <a:solidFill>
+          <a:schemeClr val="phClr"/>
+        </a:solidFill>
       </a:fillStyleLst>
       <a:lnStyleLst>
-        <a:ln w="9525" cap="flat" cmpd="sng" algn="ctr">
+        <a:ln w="6350" cap="flat" cmpd="sng" algn="ctr">
           <a:prstDash val="solid"/>
+          <a:miter/>
         </a:ln>
-        <a:ln w="25400" cap="flat" cmpd="sng" algn="ctr">
+        <a:ln w="6350" cap="flat" cmpd="sng" algn="ctr">
           <a:prstDash val="solid"/>
+          <a:miter/>
         </a:ln>
-        <a:ln w="38100" cap="flat" cmpd="sng" algn="ctr">
+        <a:ln w="6350" cap="flat" cmpd="sng" algn="ctr">
           <a:prstDash val="solid"/>
+          <a:miter/>
         </a:ln>
       </a:lnStyleLst>
       <a:effectStyleLst>
@@ -10896,48 +9947,12 @@
         <a:solidFill>
           <a:schemeClr val="phClr"/>
         </a:solidFill>
-        <a:gradFill>
-          <a:gsLst>
-            <a:gs pos="0">
-              <a:schemeClr val="phClr">
-                <a:tint val="40000"/>
-              </a:schemeClr>
-            </a:gs>
-            <a:gs pos="40000">
-              <a:schemeClr val="phClr">
-                <a:tint val="45000"/>
-                <a:shade val="99000"/>
-              </a:schemeClr>
-            </a:gs>
-            <a:gs pos="100000">
-              <a:schemeClr val="phClr">
-                <a:shade val="20000"/>
-              </a:schemeClr>
-            </a:gs>
-          </a:gsLst>
-          <a:path path="circle">
-            <a:fillToRect l="50000" t="-80000" r="50000" b="180000"/>
-          </a:path>
-          <a:tileRect l="0" t="0" r="0" b="0"/>
-        </a:gradFill>
-        <a:gradFill>
-          <a:gsLst>
-            <a:gs pos="0">
-              <a:schemeClr val="phClr">
-                <a:tint val="80000"/>
-              </a:schemeClr>
-            </a:gs>
-            <a:gs pos="100000">
-              <a:schemeClr val="phClr">
-                <a:shade val="30000"/>
-              </a:schemeClr>
-            </a:gs>
-          </a:gsLst>
-          <a:path path="circle">
-            <a:fillToRect l="50000" t="50000" r="50000" b="50000"/>
-          </a:path>
-          <a:tileRect l="0" t="0" r="0" b="0"/>
-        </a:gradFill>
+        <a:solidFill>
+          <a:schemeClr val="phClr"/>
+        </a:solidFill>
+        <a:solidFill>
+          <a:schemeClr val="phClr"/>
+        </a:solidFill>
       </a:bgFillStyleLst>
     </a:fmtScheme>
   </a:themeElements>
@@ -10988,13 +10003,13 @@
     <a:fontScheme name="Office">
       <a:majorFont>
         <a:latin typeface="Arial" pitchFamily="0" charset="1"/>
-        <a:ea typeface=""/>
-        <a:cs typeface=""/>
+        <a:ea typeface="DejaVu Sans" pitchFamily="0" charset="1"/>
+        <a:cs typeface="DejaVu Sans" pitchFamily="0" charset="1"/>
       </a:majorFont>
       <a:minorFont>
         <a:latin typeface="Arial" pitchFamily="0" charset="1"/>
-        <a:ea typeface=""/>
-        <a:cs typeface=""/>
+        <a:ea typeface="DejaVu Sans" pitchFamily="0" charset="1"/>
+        <a:cs typeface="DejaVu Sans" pitchFamily="0" charset="1"/>
       </a:minorFont>
     </a:fontScheme>
     <a:fmtScheme>
@@ -11002,55 +10017,25 @@
         <a:solidFill>
           <a:schemeClr val="phClr"/>
         </a:solidFill>
-        <a:gradFill>
-          <a:gsLst>
-            <a:gs pos="0">
-              <a:schemeClr val="phClr">
-                <a:tint val="50000"/>
-              </a:schemeClr>
-            </a:gs>
-            <a:gs pos="35000">
-              <a:schemeClr val="phClr">
-                <a:tint val="37000"/>
-              </a:schemeClr>
-            </a:gs>
-            <a:gs pos="100000">
-              <a:schemeClr val="phClr">
-                <a:tint val="15000"/>
-              </a:schemeClr>
-            </a:gs>
-          </a:gsLst>
-          <a:lin ang="16200000" scaled="1"/>
-          <a:tileRect l="0" t="0" r="0" b="0"/>
-        </a:gradFill>
-        <a:gradFill>
-          <a:gsLst>
-            <a:gs pos="0">
-              <a:schemeClr val="phClr">
-                <a:tint val="100000"/>
-                <a:shade val="100000"/>
-              </a:schemeClr>
-            </a:gs>
-            <a:gs pos="100000">
-              <a:schemeClr val="phClr">
-                <a:tint val="50000"/>
-                <a:shade val="100000"/>
-              </a:schemeClr>
-            </a:gs>
-          </a:gsLst>
-          <a:lin ang="16200000" scaled="0"/>
-          <a:tileRect l="0" t="0" r="0" b="0"/>
-        </a:gradFill>
+        <a:solidFill>
+          <a:schemeClr val="phClr"/>
+        </a:solidFill>
+        <a:solidFill>
+          <a:schemeClr val="phClr"/>
+        </a:solidFill>
       </a:fillStyleLst>
       <a:lnStyleLst>
-        <a:ln w="9525" cap="flat" cmpd="sng" algn="ctr">
+        <a:ln w="6350" cap="flat" cmpd="sng" algn="ctr">
           <a:prstDash val="solid"/>
+          <a:miter/>
         </a:ln>
-        <a:ln w="25400" cap="flat" cmpd="sng" algn="ctr">
+        <a:ln w="6350" cap="flat" cmpd="sng" algn="ctr">
           <a:prstDash val="solid"/>
+          <a:miter/>
         </a:ln>
-        <a:ln w="38100" cap="flat" cmpd="sng" algn="ctr">
+        <a:ln w="6350" cap="flat" cmpd="sng" algn="ctr">
           <a:prstDash val="solid"/>
+          <a:miter/>
         </a:ln>
       </a:lnStyleLst>
       <a:effectStyleLst>
@@ -11068,48 +10053,12 @@
         <a:solidFill>
           <a:schemeClr val="phClr"/>
         </a:solidFill>
-        <a:gradFill>
-          <a:gsLst>
-            <a:gs pos="0">
-              <a:schemeClr val="phClr">
-                <a:tint val="40000"/>
-              </a:schemeClr>
-            </a:gs>
-            <a:gs pos="40000">
-              <a:schemeClr val="phClr">
-                <a:tint val="45000"/>
-                <a:shade val="99000"/>
-              </a:schemeClr>
-            </a:gs>
-            <a:gs pos="100000">
-              <a:schemeClr val="phClr">
-                <a:shade val="20000"/>
-              </a:schemeClr>
-            </a:gs>
-          </a:gsLst>
-          <a:path path="circle">
-            <a:fillToRect l="50000" t="-80000" r="50000" b="180000"/>
-          </a:path>
-          <a:tileRect l="0" t="0" r="0" b="0"/>
-        </a:gradFill>
-        <a:gradFill>
-          <a:gsLst>
-            <a:gs pos="0">
-              <a:schemeClr val="phClr">
-                <a:tint val="80000"/>
-              </a:schemeClr>
-            </a:gs>
-            <a:gs pos="100000">
-              <a:schemeClr val="phClr">
-                <a:shade val="30000"/>
-              </a:schemeClr>
-            </a:gs>
-          </a:gsLst>
-          <a:path path="circle">
-            <a:fillToRect l="50000" t="50000" r="50000" b="50000"/>
-          </a:path>
-          <a:tileRect l="0" t="0" r="0" b="0"/>
-        </a:gradFill>
+        <a:solidFill>
+          <a:schemeClr val="phClr"/>
+        </a:solidFill>
+        <a:solidFill>
+          <a:schemeClr val="phClr"/>
+        </a:solidFill>
       </a:bgFillStyleLst>
     </a:fmtScheme>
   </a:themeElements>
@@ -11160,13 +10109,13 @@
     <a:fontScheme name="Office">
       <a:majorFont>
         <a:latin typeface="Arial" pitchFamily="0" charset="1"/>
-        <a:ea typeface=""/>
-        <a:cs typeface=""/>
+        <a:ea typeface="DejaVu Sans" pitchFamily="0" charset="1"/>
+        <a:cs typeface="DejaVu Sans" pitchFamily="0" charset="1"/>
       </a:majorFont>
       <a:minorFont>
         <a:latin typeface="Arial" pitchFamily="0" charset="1"/>
-        <a:ea typeface=""/>
-        <a:cs typeface=""/>
+        <a:ea typeface="DejaVu Sans" pitchFamily="0" charset="1"/>
+        <a:cs typeface="DejaVu Sans" pitchFamily="0" charset="1"/>
       </a:minorFont>
     </a:fontScheme>
     <a:fmtScheme>
@@ -11174,55 +10123,25 @@
         <a:solidFill>
           <a:schemeClr val="phClr"/>
         </a:solidFill>
-        <a:gradFill>
-          <a:gsLst>
-            <a:gs pos="0">
-              <a:schemeClr val="phClr">
-                <a:tint val="50000"/>
-              </a:schemeClr>
-            </a:gs>
-            <a:gs pos="35000">
-              <a:schemeClr val="phClr">
-                <a:tint val="37000"/>
-              </a:schemeClr>
-            </a:gs>
-            <a:gs pos="100000">
-              <a:schemeClr val="phClr">
-                <a:tint val="15000"/>
-              </a:schemeClr>
-            </a:gs>
-          </a:gsLst>
-          <a:lin ang="16200000" scaled="1"/>
-          <a:tileRect l="0" t="0" r="0" b="0"/>
-        </a:gradFill>
-        <a:gradFill>
-          <a:gsLst>
-            <a:gs pos="0">
-              <a:schemeClr val="phClr">
-                <a:tint val="100000"/>
-                <a:shade val="100000"/>
-              </a:schemeClr>
-            </a:gs>
-            <a:gs pos="100000">
-              <a:schemeClr val="phClr">
-                <a:tint val="50000"/>
-                <a:shade val="100000"/>
-              </a:schemeClr>
-            </a:gs>
-          </a:gsLst>
-          <a:lin ang="16200000" scaled="0"/>
-          <a:tileRect l="0" t="0" r="0" b="0"/>
-        </a:gradFill>
+        <a:solidFill>
+          <a:schemeClr val="phClr"/>
+        </a:solidFill>
+        <a:solidFill>
+          <a:schemeClr val="phClr"/>
+        </a:solidFill>
       </a:fillStyleLst>
       <a:lnStyleLst>
-        <a:ln w="9525" cap="flat" cmpd="sng" algn="ctr">
+        <a:ln w="6350" cap="flat" cmpd="sng" algn="ctr">
           <a:prstDash val="solid"/>
+          <a:miter/>
         </a:ln>
-        <a:ln w="25400" cap="flat" cmpd="sng" algn="ctr">
+        <a:ln w="6350" cap="flat" cmpd="sng" algn="ctr">
           <a:prstDash val="solid"/>
+          <a:miter/>
         </a:ln>
-        <a:ln w="38100" cap="flat" cmpd="sng" algn="ctr">
+        <a:ln w="6350" cap="flat" cmpd="sng" algn="ctr">
           <a:prstDash val="solid"/>
+          <a:miter/>
         </a:ln>
       </a:lnStyleLst>
       <a:effectStyleLst>
@@ -11240,48 +10159,12 @@
         <a:solidFill>
           <a:schemeClr val="phClr"/>
         </a:solidFill>
-        <a:gradFill>
-          <a:gsLst>
-            <a:gs pos="0">
-              <a:schemeClr val="phClr">
-                <a:tint val="40000"/>
-              </a:schemeClr>
-            </a:gs>
-            <a:gs pos="40000">
-              <a:schemeClr val="phClr">
-                <a:tint val="45000"/>
-                <a:shade val="99000"/>
-              </a:schemeClr>
-            </a:gs>
-            <a:gs pos="100000">
-              <a:schemeClr val="phClr">
-                <a:shade val="20000"/>
-              </a:schemeClr>
-            </a:gs>
-          </a:gsLst>
-          <a:path path="circle">
-            <a:fillToRect l="50000" t="-80000" r="50000" b="180000"/>
-          </a:path>
-          <a:tileRect l="0" t="0" r="0" b="0"/>
-        </a:gradFill>
-        <a:gradFill>
-          <a:gsLst>
-            <a:gs pos="0">
-              <a:schemeClr val="phClr">
-                <a:tint val="80000"/>
-              </a:schemeClr>
-            </a:gs>
-            <a:gs pos="100000">
-              <a:schemeClr val="phClr">
-                <a:shade val="30000"/>
-              </a:schemeClr>
-            </a:gs>
-          </a:gsLst>
-          <a:path path="circle">
-            <a:fillToRect l="50000" t="50000" r="50000" b="50000"/>
-          </a:path>
-          <a:tileRect l="0" t="0" r="0" b="0"/>
-        </a:gradFill>
+        <a:solidFill>
+          <a:schemeClr val="phClr"/>
+        </a:solidFill>
+        <a:solidFill>
+          <a:schemeClr val="phClr"/>
+        </a:solidFill>
       </a:bgFillStyleLst>
     </a:fmtScheme>
   </a:themeElements>
@@ -11332,13 +10215,13 @@
     <a:fontScheme name="Office">
       <a:majorFont>
         <a:latin typeface="Arial" pitchFamily="0" charset="1"/>
-        <a:ea typeface=""/>
-        <a:cs typeface=""/>
+        <a:ea typeface="DejaVu Sans" pitchFamily="0" charset="1"/>
+        <a:cs typeface="DejaVu Sans" pitchFamily="0" charset="1"/>
       </a:majorFont>
       <a:minorFont>
         <a:latin typeface="Arial" pitchFamily="0" charset="1"/>
-        <a:ea typeface=""/>
-        <a:cs typeface=""/>
+        <a:ea typeface="DejaVu Sans" pitchFamily="0" charset="1"/>
+        <a:cs typeface="DejaVu Sans" pitchFamily="0" charset="1"/>
       </a:minorFont>
     </a:fontScheme>
     <a:fmtScheme>
@@ -11346,55 +10229,25 @@
         <a:solidFill>
           <a:schemeClr val="phClr"/>
         </a:solidFill>
-        <a:gradFill>
-          <a:gsLst>
-            <a:gs pos="0">
-              <a:schemeClr val="phClr">
-                <a:tint val="50000"/>
-              </a:schemeClr>
-            </a:gs>
-            <a:gs pos="35000">
-              <a:schemeClr val="phClr">
-                <a:tint val="37000"/>
-              </a:schemeClr>
-            </a:gs>
-            <a:gs pos="100000">
-              <a:schemeClr val="phClr">
-                <a:tint val="15000"/>
-              </a:schemeClr>
-            </a:gs>
-          </a:gsLst>
-          <a:lin ang="16200000" scaled="1"/>
-          <a:tileRect l="0" t="0" r="0" b="0"/>
-        </a:gradFill>
-        <a:gradFill>
-          <a:gsLst>
-            <a:gs pos="0">
-              <a:schemeClr val="phClr">
-                <a:tint val="100000"/>
-                <a:shade val="100000"/>
-              </a:schemeClr>
-            </a:gs>
-            <a:gs pos="100000">
-              <a:schemeClr val="phClr">
-                <a:tint val="50000"/>
-                <a:shade val="100000"/>
-              </a:schemeClr>
-            </a:gs>
-          </a:gsLst>
-          <a:lin ang="16200000" scaled="0"/>
-          <a:tileRect l="0" t="0" r="0" b="0"/>
-        </a:gradFill>
+        <a:solidFill>
+          <a:schemeClr val="phClr"/>
+        </a:solidFill>
+        <a:solidFill>
+          <a:schemeClr val="phClr"/>
+        </a:solidFill>
       </a:fillStyleLst>
       <a:lnStyleLst>
-        <a:ln w="9525" cap="flat" cmpd="sng" algn="ctr">
+        <a:ln w="6350" cap="flat" cmpd="sng" algn="ctr">
           <a:prstDash val="solid"/>
+          <a:miter/>
         </a:ln>
-        <a:ln w="25400" cap="flat" cmpd="sng" algn="ctr">
+        <a:ln w="6350" cap="flat" cmpd="sng" algn="ctr">
           <a:prstDash val="solid"/>
+          <a:miter/>
         </a:ln>
-        <a:ln w="38100" cap="flat" cmpd="sng" algn="ctr">
+        <a:ln w="6350" cap="flat" cmpd="sng" algn="ctr">
           <a:prstDash val="solid"/>
+          <a:miter/>
         </a:ln>
       </a:lnStyleLst>
       <a:effectStyleLst>
@@ -11412,48 +10265,12 @@
         <a:solidFill>
           <a:schemeClr val="phClr"/>
         </a:solidFill>
-        <a:gradFill>
-          <a:gsLst>
-            <a:gs pos="0">
-              <a:schemeClr val="phClr">
-                <a:tint val="40000"/>
-              </a:schemeClr>
-            </a:gs>
-            <a:gs pos="40000">
-              <a:schemeClr val="phClr">
-                <a:tint val="45000"/>
-                <a:shade val="99000"/>
-              </a:schemeClr>
-            </a:gs>
-            <a:gs pos="100000">
-              <a:schemeClr val="phClr">
-                <a:shade val="20000"/>
-              </a:schemeClr>
-            </a:gs>
-          </a:gsLst>
-          <a:path path="circle">
-            <a:fillToRect l="50000" t="-80000" r="50000" b="180000"/>
-          </a:path>
-          <a:tileRect l="0" t="0" r="0" b="0"/>
-        </a:gradFill>
-        <a:gradFill>
-          <a:gsLst>
-            <a:gs pos="0">
-              <a:schemeClr val="phClr">
-                <a:tint val="80000"/>
-              </a:schemeClr>
-            </a:gs>
-            <a:gs pos="100000">
-              <a:schemeClr val="phClr">
-                <a:shade val="30000"/>
-              </a:schemeClr>
-            </a:gs>
-          </a:gsLst>
-          <a:path path="circle">
-            <a:fillToRect l="50000" t="50000" r="50000" b="50000"/>
-          </a:path>
-          <a:tileRect l="0" t="0" r="0" b="0"/>
-        </a:gradFill>
+        <a:solidFill>
+          <a:schemeClr val="phClr"/>
+        </a:solidFill>
+        <a:solidFill>
+          <a:schemeClr val="phClr"/>
+        </a:solidFill>
       </a:bgFillStyleLst>
     </a:fmtScheme>
   </a:themeElements>
@@ -11504,13 +10321,13 @@
     <a:fontScheme name="Office">
       <a:majorFont>
         <a:latin typeface="Arial" pitchFamily="0" charset="1"/>
-        <a:ea typeface=""/>
-        <a:cs typeface=""/>
+        <a:ea typeface="DejaVu Sans" pitchFamily="0" charset="1"/>
+        <a:cs typeface="DejaVu Sans" pitchFamily="0" charset="1"/>
       </a:majorFont>
       <a:minorFont>
         <a:latin typeface="Arial" pitchFamily="0" charset="1"/>
-        <a:ea typeface=""/>
-        <a:cs typeface=""/>
+        <a:ea typeface="DejaVu Sans" pitchFamily="0" charset="1"/>
+        <a:cs typeface="DejaVu Sans" pitchFamily="0" charset="1"/>
       </a:minorFont>
     </a:fontScheme>
     <a:fmtScheme>
@@ -11518,55 +10335,25 @@
         <a:solidFill>
           <a:schemeClr val="phClr"/>
         </a:solidFill>
-        <a:gradFill>
-          <a:gsLst>
-            <a:gs pos="0">
-              <a:schemeClr val="phClr">
-                <a:tint val="50000"/>
-              </a:schemeClr>
-            </a:gs>
-            <a:gs pos="35000">
-              <a:schemeClr val="phClr">
-                <a:tint val="37000"/>
-              </a:schemeClr>
-            </a:gs>
-            <a:gs pos="100000">
-              <a:schemeClr val="phClr">
-                <a:tint val="15000"/>
-              </a:schemeClr>
-            </a:gs>
-          </a:gsLst>
-          <a:lin ang="16200000" scaled="1"/>
-          <a:tileRect l="0" t="0" r="0" b="0"/>
-        </a:gradFill>
-        <a:gradFill>
-          <a:gsLst>
-            <a:gs pos="0">
-              <a:schemeClr val="phClr">
-                <a:tint val="100000"/>
-                <a:shade val="100000"/>
-              </a:schemeClr>
-            </a:gs>
-            <a:gs pos="100000">
-              <a:schemeClr val="phClr">
-                <a:tint val="50000"/>
-                <a:shade val="100000"/>
-              </a:schemeClr>
-            </a:gs>
-          </a:gsLst>
-          <a:lin ang="16200000" scaled="0"/>
-          <a:tileRect l="0" t="0" r="0" b="0"/>
-        </a:gradFill>
+        <a:solidFill>
+          <a:schemeClr val="phClr"/>
+        </a:solidFill>
+        <a:solidFill>
+          <a:schemeClr val="phClr"/>
+        </a:solidFill>
       </a:fillStyleLst>
       <a:lnStyleLst>
-        <a:ln w="9525" cap="flat" cmpd="sng" algn="ctr">
+        <a:ln w="6350" cap="flat" cmpd="sng" algn="ctr">
           <a:prstDash val="solid"/>
+          <a:miter/>
         </a:ln>
-        <a:ln w="25400" cap="flat" cmpd="sng" algn="ctr">
+        <a:ln w="6350" cap="flat" cmpd="sng" algn="ctr">
           <a:prstDash val="solid"/>
+          <a:miter/>
         </a:ln>
-        <a:ln w="38100" cap="flat" cmpd="sng" algn="ctr">
+        <a:ln w="6350" cap="flat" cmpd="sng" algn="ctr">
           <a:prstDash val="solid"/>
+          <a:miter/>
         </a:ln>
       </a:lnStyleLst>
       <a:effectStyleLst>
@@ -11584,48 +10371,12 @@
         <a:solidFill>
           <a:schemeClr val="phClr"/>
         </a:solidFill>
-        <a:gradFill>
-          <a:gsLst>
-            <a:gs pos="0">
-              <a:schemeClr val="phClr">
-                <a:tint val="40000"/>
-              </a:schemeClr>
-            </a:gs>
-            <a:gs pos="40000">
-              <a:schemeClr val="phClr">
-                <a:tint val="45000"/>
-                <a:shade val="99000"/>
-              </a:schemeClr>
-            </a:gs>
-            <a:gs pos="100000">
-              <a:schemeClr val="phClr">
-                <a:shade val="20000"/>
-              </a:schemeClr>
-            </a:gs>
-          </a:gsLst>
-          <a:path path="circle">
-            <a:fillToRect l="50000" t="-80000" r="50000" b="180000"/>
-          </a:path>
-          <a:tileRect l="0" t="0" r="0" b="0"/>
-        </a:gradFill>
-        <a:gradFill>
-          <a:gsLst>
-            <a:gs pos="0">
-              <a:schemeClr val="phClr">
-                <a:tint val="80000"/>
-              </a:schemeClr>
-            </a:gs>
-            <a:gs pos="100000">
-              <a:schemeClr val="phClr">
-                <a:shade val="30000"/>
-              </a:schemeClr>
-            </a:gs>
-          </a:gsLst>
-          <a:path path="circle">
-            <a:fillToRect l="50000" t="50000" r="50000" b="50000"/>
-          </a:path>
-          <a:tileRect l="0" t="0" r="0" b="0"/>
-        </a:gradFill>
+        <a:solidFill>
+          <a:schemeClr val="phClr"/>
+        </a:solidFill>
+        <a:solidFill>
+          <a:schemeClr val="phClr"/>
+        </a:solidFill>
       </a:bgFillStyleLst>
     </a:fmtScheme>
   </a:themeElements>
@@ -11676,13 +10427,13 @@
     <a:fontScheme name="Office">
       <a:majorFont>
         <a:latin typeface="Arial" pitchFamily="0" charset="1"/>
-        <a:ea typeface=""/>
-        <a:cs typeface=""/>
+        <a:ea typeface="DejaVu Sans" pitchFamily="0" charset="1"/>
+        <a:cs typeface="DejaVu Sans" pitchFamily="0" charset="1"/>
       </a:majorFont>
       <a:minorFont>
         <a:latin typeface="Arial" pitchFamily="0" charset="1"/>
-        <a:ea typeface=""/>
-        <a:cs typeface=""/>
+        <a:ea typeface="DejaVu Sans" pitchFamily="0" charset="1"/>
+        <a:cs typeface="DejaVu Sans" pitchFamily="0" charset="1"/>
       </a:minorFont>
     </a:fontScheme>
     <a:fmtScheme>
@@ -11690,55 +10441,25 @@
         <a:solidFill>
           <a:schemeClr val="phClr"/>
         </a:solidFill>
-        <a:gradFill>
-          <a:gsLst>
-            <a:gs pos="0">
-              <a:schemeClr val="phClr">
-                <a:tint val="50000"/>
-              </a:schemeClr>
-            </a:gs>
-            <a:gs pos="35000">
-              <a:schemeClr val="phClr">
-                <a:tint val="37000"/>
-              </a:schemeClr>
-            </a:gs>
-            <a:gs pos="100000">
-              <a:schemeClr val="phClr">
-                <a:tint val="15000"/>
-              </a:schemeClr>
-            </a:gs>
-          </a:gsLst>
-          <a:lin ang="16200000" scaled="1"/>
-          <a:tileRect l="0" t="0" r="0" b="0"/>
-        </a:gradFill>
-        <a:gradFill>
-          <a:gsLst>
-            <a:gs pos="0">
-              <a:schemeClr val="phClr">
-                <a:tint val="100000"/>
-                <a:shade val="100000"/>
-              </a:schemeClr>
-            </a:gs>
-            <a:gs pos="100000">
-              <a:schemeClr val="phClr">
-                <a:tint val="50000"/>
-                <a:shade val="100000"/>
-              </a:schemeClr>
-            </a:gs>
-          </a:gsLst>
-          <a:lin ang="16200000" scaled="0"/>
-          <a:tileRect l="0" t="0" r="0" b="0"/>
-        </a:gradFill>
+        <a:solidFill>
+          <a:schemeClr val="phClr"/>
+        </a:solidFill>
+        <a:solidFill>
+          <a:schemeClr val="phClr"/>
+        </a:solidFill>
       </a:fillStyleLst>
       <a:lnStyleLst>
-        <a:ln w="9525" cap="flat" cmpd="sng" algn="ctr">
+        <a:ln w="6350" cap="flat" cmpd="sng" algn="ctr">
           <a:prstDash val="solid"/>
+          <a:miter/>
         </a:ln>
-        <a:ln w="25400" cap="flat" cmpd="sng" algn="ctr">
+        <a:ln w="6350" cap="flat" cmpd="sng" algn="ctr">
           <a:prstDash val="solid"/>
+          <a:miter/>
         </a:ln>
-        <a:ln w="38100" cap="flat" cmpd="sng" algn="ctr">
+        <a:ln w="6350" cap="flat" cmpd="sng" algn="ctr">
           <a:prstDash val="solid"/>
+          <a:miter/>
         </a:ln>
       </a:lnStyleLst>
       <a:effectStyleLst>
@@ -11756,48 +10477,12 @@
         <a:solidFill>
           <a:schemeClr val="phClr"/>
         </a:solidFill>
-        <a:gradFill>
-          <a:gsLst>
-            <a:gs pos="0">
-              <a:schemeClr val="phClr">
-                <a:tint val="40000"/>
-              </a:schemeClr>
-            </a:gs>
-            <a:gs pos="40000">
-              <a:schemeClr val="phClr">
-                <a:tint val="45000"/>
-                <a:shade val="99000"/>
-              </a:schemeClr>
-            </a:gs>
-            <a:gs pos="100000">
-              <a:schemeClr val="phClr">
-                <a:shade val="20000"/>
-              </a:schemeClr>
-            </a:gs>
-          </a:gsLst>
-          <a:path path="circle">
-            <a:fillToRect l="50000" t="-80000" r="50000" b="180000"/>
-          </a:path>
-          <a:tileRect l="0" t="0" r="0" b="0"/>
-        </a:gradFill>
-        <a:gradFill>
-          <a:gsLst>
-            <a:gs pos="0">
-              <a:schemeClr val="phClr">
-                <a:tint val="80000"/>
-              </a:schemeClr>
-            </a:gs>
-            <a:gs pos="100000">
-              <a:schemeClr val="phClr">
-                <a:shade val="30000"/>
-              </a:schemeClr>
-            </a:gs>
-          </a:gsLst>
-          <a:path path="circle">
-            <a:fillToRect l="50000" t="50000" r="50000" b="50000"/>
-          </a:path>
-          <a:tileRect l="0" t="0" r="0" b="0"/>
-        </a:gradFill>
+        <a:solidFill>
+          <a:schemeClr val="phClr"/>
+        </a:solidFill>
+        <a:solidFill>
+          <a:schemeClr val="phClr"/>
+        </a:solidFill>
       </a:bgFillStyleLst>
     </a:fmtScheme>
   </a:themeElements>
@@ -11848,13 +10533,13 @@
     <a:fontScheme name="Office">
       <a:majorFont>
         <a:latin typeface="Arial" pitchFamily="0" charset="1"/>
-        <a:ea typeface=""/>
-        <a:cs typeface=""/>
+        <a:ea typeface="DejaVu Sans" pitchFamily="0" charset="1"/>
+        <a:cs typeface="DejaVu Sans" pitchFamily="0" charset="1"/>
       </a:majorFont>
       <a:minorFont>
         <a:latin typeface="Arial" pitchFamily="0" charset="1"/>
-        <a:ea typeface=""/>
-        <a:cs typeface=""/>
+        <a:ea typeface="DejaVu Sans" pitchFamily="0" charset="1"/>
+        <a:cs typeface="DejaVu Sans" pitchFamily="0" charset="1"/>
       </a:minorFont>
     </a:fontScheme>
     <a:fmtScheme>
@@ -11862,55 +10547,25 @@
         <a:solidFill>
           <a:schemeClr val="phClr"/>
         </a:solidFill>
-        <a:gradFill>
-          <a:gsLst>
-            <a:gs pos="0">
-              <a:schemeClr val="phClr">
-                <a:tint val="50000"/>
-              </a:schemeClr>
-            </a:gs>
-            <a:gs pos="35000">
-              <a:schemeClr val="phClr">
-                <a:tint val="37000"/>
-              </a:schemeClr>
-            </a:gs>
-            <a:gs pos="100000">
-              <a:schemeClr val="phClr">
-                <a:tint val="15000"/>
-              </a:schemeClr>
-            </a:gs>
-          </a:gsLst>
-          <a:lin ang="16200000" scaled="1"/>
-          <a:tileRect l="0" t="0" r="0" b="0"/>
-        </a:gradFill>
-        <a:gradFill>
-          <a:gsLst>
-            <a:gs pos="0">
-              <a:schemeClr val="phClr">
-                <a:tint val="100000"/>
-                <a:shade val="100000"/>
-              </a:schemeClr>
-            </a:gs>
-            <a:gs pos="100000">
-              <a:schemeClr val="phClr">
-                <a:tint val="50000"/>
-                <a:shade val="100000"/>
-              </a:schemeClr>
-            </a:gs>
-          </a:gsLst>
-          <a:lin ang="16200000" scaled="0"/>
-          <a:tileRect l="0" t="0" r="0" b="0"/>
-        </a:gradFill>
+        <a:solidFill>
+          <a:schemeClr val="phClr"/>
+        </a:solidFill>
+        <a:solidFill>
+          <a:schemeClr val="phClr"/>
+        </a:solidFill>
       </a:fillStyleLst>
       <a:lnStyleLst>
-        <a:ln w="9525" cap="flat" cmpd="sng" algn="ctr">
+        <a:ln w="6350" cap="flat" cmpd="sng" algn="ctr">
           <a:prstDash val="solid"/>
+          <a:miter/>
         </a:ln>
-        <a:ln w="25400" cap="flat" cmpd="sng" algn="ctr">
+        <a:ln w="6350" cap="flat" cmpd="sng" algn="ctr">
           <a:prstDash val="solid"/>
+          <a:miter/>
         </a:ln>
-        <a:ln w="38100" cap="flat" cmpd="sng" algn="ctr">
+        <a:ln w="6350" cap="flat" cmpd="sng" algn="ctr">
           <a:prstDash val="solid"/>
+          <a:miter/>
         </a:ln>
       </a:lnStyleLst>
       <a:effectStyleLst>
@@ -11928,48 +10583,12 @@
         <a:solidFill>
           <a:schemeClr val="phClr"/>
         </a:solidFill>
-        <a:gradFill>
-          <a:gsLst>
-            <a:gs pos="0">
-              <a:schemeClr val="phClr">
-                <a:tint val="40000"/>
-              </a:schemeClr>
-            </a:gs>
-            <a:gs pos="40000">
-              <a:schemeClr val="phClr">
-                <a:tint val="45000"/>
-                <a:shade val="99000"/>
-              </a:schemeClr>
-            </a:gs>
-            <a:gs pos="100000">
-              <a:schemeClr val="phClr">
-                <a:shade val="20000"/>
-              </a:schemeClr>
-            </a:gs>
-          </a:gsLst>
-          <a:path path="circle">
-            <a:fillToRect l="50000" t="-80000" r="50000" b="180000"/>
-          </a:path>
-          <a:tileRect l="0" t="0" r="0" b="0"/>
-        </a:gradFill>
-        <a:gradFill>
-          <a:gsLst>
-            <a:gs pos="0">
-              <a:schemeClr val="phClr">
-                <a:tint val="80000"/>
-              </a:schemeClr>
-            </a:gs>
-            <a:gs pos="100000">
-              <a:schemeClr val="phClr">
-                <a:shade val="30000"/>
-              </a:schemeClr>
-            </a:gs>
-          </a:gsLst>
-          <a:path path="circle">
-            <a:fillToRect l="50000" t="50000" r="50000" b="50000"/>
-          </a:path>
-          <a:tileRect l="0" t="0" r="0" b="0"/>
-        </a:gradFill>
+        <a:solidFill>
+          <a:schemeClr val="phClr"/>
+        </a:solidFill>
+        <a:solidFill>
+          <a:schemeClr val="phClr"/>
+        </a:solidFill>
       </a:bgFillStyleLst>
     </a:fmtScheme>
   </a:themeElements>
